--- a/ClassMaterials/Encapsulation/Slides/Part6-Encapsulation.pptx
+++ b/ClassMaterials/Encapsulation/Slides/Part6-Encapsulation.pptx
@@ -223,7 +223,7 @@
           <a:p>
             <a:fld id="{4F942F4A-6994-3A49-9461-EE810FAF072D}" type="datetimeFigureOut">
               <a:rPr lang="en-US" smtClean="0"/>
-              <a:t>3/23/2023</a:t>
+              <a:t>8/11/2023</a:t>
             </a:fld>
             <a:endParaRPr lang="en-US"/>
           </a:p>
@@ -388,7 +388,7 @@
           <a:p>
             <a:fld id="{11374350-B736-4AC1-A1E7-19777DF1B0E1}" type="datetimeFigureOut">
               <a:rPr lang="en-US" smtClean="0"/>
-              <a:t>3/23/2023</a:t>
+              <a:t>8/11/2023</a:t>
             </a:fld>
             <a:endParaRPr lang="en-US"/>
           </a:p>
@@ -1008,7 +1008,7 @@
           <a:p>
             <a:fld id="{50A519B0-864F-436F-AD10-563B5AD2C023}" type="datetimeFigureOut">
               <a:rPr lang="en-US" smtClean="0"/>
-              <a:t>3/23/2023</a:t>
+              <a:t>8/11/2023</a:t>
             </a:fld>
             <a:endParaRPr lang="en-US"/>
           </a:p>
@@ -1176,7 +1176,7 @@
           <a:p>
             <a:fld id="{50A519B0-864F-436F-AD10-563B5AD2C023}" type="datetimeFigureOut">
               <a:rPr lang="en-US" smtClean="0"/>
-              <a:t>3/23/2023</a:t>
+              <a:t>8/11/2023</a:t>
             </a:fld>
             <a:endParaRPr lang="en-US"/>
           </a:p>
@@ -1354,7 +1354,7 @@
           <a:p>
             <a:fld id="{50A519B0-864F-436F-AD10-563B5AD2C023}" type="datetimeFigureOut">
               <a:rPr lang="en-US" smtClean="0"/>
-              <a:t>3/23/2023</a:t>
+              <a:t>8/11/2023</a:t>
             </a:fld>
             <a:endParaRPr lang="en-US"/>
           </a:p>
@@ -1522,7 +1522,7 @@
           <a:p>
             <a:fld id="{50A519B0-864F-436F-AD10-563B5AD2C023}" type="datetimeFigureOut">
               <a:rPr lang="en-US" smtClean="0"/>
-              <a:t>3/23/2023</a:t>
+              <a:t>8/11/2023</a:t>
             </a:fld>
             <a:endParaRPr lang="en-US"/>
           </a:p>
@@ -1767,7 +1767,7 @@
           <a:p>
             <a:fld id="{50A519B0-864F-436F-AD10-563B5AD2C023}" type="datetimeFigureOut">
               <a:rPr lang="en-US" smtClean="0"/>
-              <a:t>3/23/2023</a:t>
+              <a:t>8/11/2023</a:t>
             </a:fld>
             <a:endParaRPr lang="en-US"/>
           </a:p>
@@ -2052,7 +2052,7 @@
           <a:p>
             <a:fld id="{50A519B0-864F-436F-AD10-563B5AD2C023}" type="datetimeFigureOut">
               <a:rPr lang="en-US" smtClean="0"/>
-              <a:t>3/23/2023</a:t>
+              <a:t>8/11/2023</a:t>
             </a:fld>
             <a:endParaRPr lang="en-US"/>
           </a:p>
@@ -2471,7 +2471,7 @@
           <a:p>
             <a:fld id="{50A519B0-864F-436F-AD10-563B5AD2C023}" type="datetimeFigureOut">
               <a:rPr lang="en-US" smtClean="0"/>
-              <a:t>3/23/2023</a:t>
+              <a:t>8/11/2023</a:t>
             </a:fld>
             <a:endParaRPr lang="en-US"/>
           </a:p>
@@ -2588,7 +2588,7 @@
           <a:p>
             <a:fld id="{50A519B0-864F-436F-AD10-563B5AD2C023}" type="datetimeFigureOut">
               <a:rPr lang="en-US" smtClean="0"/>
-              <a:t>3/23/2023</a:t>
+              <a:t>8/11/2023</a:t>
             </a:fld>
             <a:endParaRPr lang="en-US"/>
           </a:p>
@@ -2683,7 +2683,7 @@
           <a:p>
             <a:fld id="{50A519B0-864F-436F-AD10-563B5AD2C023}" type="datetimeFigureOut">
               <a:rPr lang="en-US" smtClean="0"/>
-              <a:t>3/23/2023</a:t>
+              <a:t>8/11/2023</a:t>
             </a:fld>
             <a:endParaRPr lang="en-US"/>
           </a:p>
@@ -2958,7 +2958,7 @@
           <a:p>
             <a:fld id="{50A519B0-864F-436F-AD10-563B5AD2C023}" type="datetimeFigureOut">
               <a:rPr lang="en-US" smtClean="0"/>
-              <a:t>3/23/2023</a:t>
+              <a:t>8/11/2023</a:t>
             </a:fld>
             <a:endParaRPr lang="en-US"/>
           </a:p>
@@ -3210,7 +3210,7 @@
           <a:p>
             <a:fld id="{50A519B0-864F-436F-AD10-563B5AD2C023}" type="datetimeFigureOut">
               <a:rPr lang="en-US" smtClean="0"/>
-              <a:t>3/23/2023</a:t>
+              <a:t>8/11/2023</a:t>
             </a:fld>
             <a:endParaRPr lang="en-US"/>
           </a:p>
@@ -3421,7 +3421,7 @@
           <a:p>
             <a:fld id="{50A519B0-864F-436F-AD10-563B5AD2C023}" type="datetimeFigureOut">
               <a:rPr lang="en-US" smtClean="0"/>
-              <a:t>3/23/2023</a:t>
+              <a:t>8/11/2023</a:t>
             </a:fld>
             <a:endParaRPr lang="en-US"/>
           </a:p>
@@ -3822,7 +3822,7 @@
             <a:pPr lvl="1"/>
             <a:r>
               <a:rPr lang="en-US" dirty="0"/>
-              <a:t>Grouping related stuff together (i.e., capsule)</a:t>
+              <a:t>Grouping related stuff together (i.e., in a capsule)</a:t>
             </a:r>
           </a:p>
           <a:p>
@@ -3935,14 +3935,14 @@
           <a:lstStyle/>
           <a:p>
             <a:r>
-              <a:rPr lang="en-US"/>
+              <a:rPr lang="en-US" dirty="0"/>
               <a:t>Object-Oriented Design Term:</a:t>
             </a:r>
             <a:br>
-              <a:rPr lang="en-US"/>
+              <a:rPr lang="en-US" dirty="0"/>
             </a:br>
             <a:r>
-              <a:rPr lang="en-US"/>
+              <a:rPr lang="en-US" dirty="0"/>
               <a:t>Encapsulation</a:t>
             </a:r>
           </a:p>
@@ -4040,6 +4040,335 @@
             <a:pPr lvl="1"/>
             <a:r>
               <a:rPr lang="en-US" dirty="0"/>
+              <a:t>Puts everything you need in one place</a:t>
+            </a:r>
+          </a:p>
+        </p:txBody>
+      </p:sp>
+      <p:sp>
+        <p:nvSpPr>
+          <p:cNvPr id="4" name="AutoShape 2" descr="data:image/jpeg;base64,/9j/4AAQSkZJRgABAQAAAQABAAD/2wCEAAkGBxQSEBQUEBQUFBQUFRQUFRQUFRQVFBUQFRQWFhUUFBQYHCggGBolHBQUITEhJSkrLi4uFx8zODMsNygtLisBCgoKDg0OGhAQGywkHyQsLCwsLCwsLCwsLCwsLCwsLDcsLCwsLCwsLCwsLCwtLCwsLCwsLCwsLCwsLCwsLCwsLP/AABEIAMIBAwMBIgACEQEDEQH/xAAbAAABBQEBAAAAAAAAAAAAAAAAAQIDBAUGB//EAD8QAAIBAgQDBAYIBQIHAAAAAAABAgMRBBIhMQVBUQZhcYETIlKRodEUFjKSk7HB8BVCU2LxI6IHFzOCs9Lh/8QAGgEAAgMBAQAAAAAAAAAAAAAAAAMBAgQFBv/EACoRAAMAAgEEAgICAQUBAAAAAAABAgMREhMhMVEEQWFxFCKRMlKBofAF/9oADAMBAAIRAxEAPwDJ9A2O+iSfI6dcEkS4XByhLRX6pq6PWP5C+jzPBnKvh097EMsO1ud7PK9LNPvWhmY/AaOyV+4iPk78hUaOTdMR0zVlh+4fHBpof1ELMfIPjRNeOA7ieOBSW5V5UToxfobFjg3d3N2GFfcP+jW3KvMToxVh7rXdDvoj3sb0MKnsienSS0aFvMWUGAsLtfbe/UR0Vrp4HRrCq1lqviNfD3/LsV6yLcGcvUw76DYUbnSTwf8Abby0BYFX2LdZFeDOf+j9zJ6WHturLwOgjgLrkOqYK3Io86LdNmbSoPl/8JHSfK/gXKdNrbfoXMMk36y18LCqyaLqdkXD820k/cTVoW2NGMIr/I/0Sf7uZnk77NKjtow6bTfrF5YKCSLU8NFcl5onpQi13kVk9EzHsjw0FbTclp0FcZVoNPSNxv0vLuhT2/AxNLyWlhbkiwKIKfEY9xao46L0Yt80Nngxjw8VsROFi7Jq10U687K+hEtsmkkR1Ioo1pLmtO8hxvEWtvgY2Ix1+vmaseJsy3lSNKVSPd70IYjqAaOkJ6p1UcRFc0TLEqXsv8zkPW6v3jlKXVg/jL2UXyPwdddPoRzpR52scsqkupJGvNcyP47X2T10/o3atCm1yKMsLFa6MpfSJE1DiTirON14lljteCruX5FqUly9yGqkugrxsX/J738hHily08kXSoo3I6OHfIllhmV/pH9xNDHyXNNd6uVaolOQi5R6Ezxye8L96I/pq5wXldEka9Pvj5X/ACKte0WT9MlU6cusWLCKT9Wb89hIyVtHHx1TGTs9nHyKaLbLtKrbdxZYdCnLW2vcZEaea+VN5VmlZ7LqReks92rdepXp78MusmvKNith0vsPyZA6La9ZW8y32couo3OTvGOiT5z318P1RrYvhkJ7LK+q0170ZrzrHfFmmMDyRyRyk8Jb+ZE8MVlaskyvjaWSTTvo9+pRlVXJs1zPNbMjrg9Ghisbm29VkFLHuJSdbzGwkm9NPF2/QasS1oo8j3s1/wCIZufxIp4icdVdkNKlBfbfle/6FiOPhH7KfiL4peEX5b8snpccdrSpy8UEuJZnovvKxVq8Sb2jf4sz8RjZc1FeL/QFhT+iXlfs2VinzUfeOp1Yve8fDY5eePlyt5L5kf02fUZ/GZXro7SniIraV/Mjxs09nbyucXLEPqN9PLq/eQvi997J/kbWtG9iIf3fD9CnVw66v99xlTqy6silUl1Hzia+xTpMvy33Ay8z6gM6ZGzp/RhkJsgmUTsUR+j7hPRkmUXKGydkTihvoyfIGQNgQOmKqSJlAdlDZBWdDoJ6Is5RbByAqqAmUt5RuUOQDITaHeizbPV8ur7h0YNvRXfRG7wLg0vSKdVZVHVJ7uXLTlbfyFZcs41tj8WKslKUafA+HLD01mXry1m/Z6R8F+ZS45wOVWrmpJK69dt210S08Eb1Z8uunkPiun7scRZ7V9T7O28EVHT+kQcPwcaNNQjy3fWXNsj4ljHSo1KiWbJGU7e1GKzSSfJ2Tt3juIY2NGLnOSUe925N6e5nOY/tbgsRRnRjVnJ1acotUadSU4xlGz/lsnqVmat8mt+y1XMLinouYmph8bhs6m4wcc+a+WVO2ubut+VzBx0KdSrGlQUXVkr2jK0bR+1JJK1ravvSt34HAu1OCpYdwcatKOZwlecZTlCSup5bK+1tF07xmH7R4WnCjTh6erKlLMp08sZJtSu1NSV276rmnZ7WOhji4bU7/H/v8GDI1enSX5LS1Wnh5rRrxQquiguPSrz9JFScIWjVjJU/SLNpCajF5qlmtWo8zXdM6c02u/k5uSOLIc451fAc6Y10yexXbEqYh29XS/PmUpRZbdMa4FlpA22UnAFEtumJ6MtyIK3oxrpltwGuBGySo4DXSLEojZE7JKzpgTWAtsNnM/WjGf1V+HT+Qv1oxn9Vfh0/kYecVTELFPtm/gvS/wAG39Z8Z/UX3KfyF+s+M/qL7lP5GKqgvpC3Sn2yvBekbP1oxnt/7KfyFXajF+3/ALKfyMZTFUyejPsjivSNf624r21+HT+Qq7X4r21+HD5GRcS4dD8hxn0a67YYn21+HD5B9b8V7a/Dh8jKQ5EdD8hqPRq/W3Fe2vw4fIY+1+Kv9tfh0/kZdTXT3kaplaxPfZkqY+0dzwXt7XglZUb7O8bSfjrt4HVcG7cyqSaqZItW0SaTT72ePwoE0NNvgJv4PPuyVkc/6We4Vu1UVZ5o28iHF9p1LSNSMX/blv46s8upT9Sybbko78tXfX3FaVLuCf8A5K87/wChL+bb2j0TjPGadSmo1pKtbVZ1FNPrG0TjeIVc1f0kIxhFpJqDcb252va5mVaew6lT9WXXS3luaI+Bw8MVWVvuzMxs71JWit+Sf5C4fETg04qN01JXV7S31XPwL1Gkno/AijC3lf4Dl8T2xvVXjQ+PaKrGpUqPLGpUd3KMIXvzVstktForEkO1OIenpNW/Yht4ZDLnS1IJpxaa3WvuM9YXD89h2pr67nQT49iuVSPnGn/6jZdoMT/Uj9ym/wBCrKeiIKhor4qX2xMtP6RffaLE/wBRfcp/IZ9YsV7cfuQ+RQbGsV0PyXSn0jRfaLE+2vuQ+Qn1hxXtL7kPkZ2YFIno/kNL0jR+sGK9pfdh8g/j+K9pfdh8jPchrmT0V7YcV6Rpfx7E9V92HyB8cxHtL7sPkZjmJ6QOml9sngvSNF8cr9f9sPkBmZwI4L/cyeC9IpqoLnKimOznLWdm1wW1MdnKsZDs42c5TgWVMcplaMx6kOnMVcFjOKpFdSHZhyylHJYjIdF3ILl/hEVKo1LbK/fdDJrb0Lyf1lsjjSJ/QW3NGrhVF6a3+Hf++hWpVLtrl8jXMoy9XktoZOnb3C0adn3lmEM2y6a9CxSwzzPQZpCay6XchjD9/vxJKcPibWGwrlTy+zr3W5/mixS4S1rbmLeWV2Zjr5CMWph3lVyGMbfvqjrv4U5KStyfz/QxuIYBxtpuviRjzTXYrGb6Zi0qXr2t/Nsut9iJ0naT8f1uzd+htWlzbk/DLFv82VKuBeSTWyir+co/MusiHzm7nN4iWWcbc0rjMS023ZLuWxPxKi7rTZPyKsneLvvb48/1EX5aOnGmk0S4evmj3rf9GEmUsM7TXfoy1NlceV3Hf67F6jVdhHIa5DJMY2LdllJK5CORDmEcivVLcSXOI5kOYRyFvMWUErmNcyGUxucTWcuoJ84hDmEKdcngU1IcpENxyZyVRtck+cVMhTFUhiyC3JOpDlMr5h8WOnIUclhSJEytGRLFmibF1JMmWuH11Gavono30XUppjoM1Y7aaaFXKaaZ1lKhCe01brfT3hKEFHTfZfDUxeFL1n4a95rRhdpdTp4/7Lkzk5MfCtbNHh1NNL962RtfwxqGduyUkted7kXCsJaUI25Xcn1OhxmHUMNNy1baS+8rP8/cZ8uXVJL7OdW7ba8dzMwsdY7b37mk18Do4RVloY2Jx0MPhpVZRzZdIx2vOTslfkvkcTX7S4mc7+llHW6jC0UtdtN143FdGsz7dtDvj4aa2enVHOL9RQt1d73fKxh4rDNztJJWXW+hW4PxytUllqNTTTu7JNabpoq4rtFTzuCptxWmbMtk911DHgyRWtd/wKyTVvU/Rr4eFNtRbUUrq8tN0k9fM0uIcHXoHGFszittdPLx+ByGIxdN2efLfrq/NI0+AYucZ2hUzU3JKyira26q6DLgtLkn4+mWw2ktXPn7OV7R8OlTntpZL/usc7OlbTbu8T2HtHg41Kadldyjvz11/M4DjPDMinLLztba22vvYzH8hZJW/JvxZOD4M46rKz03ROqmZJ9URYvWTGYV+r4Nmabayufo6mtymSOQxyEmxGyKolIGxkpCSkRtmerGJD3IY5jHIbJiayDFI/MNchmYa5CHkLqSXOIR3AX1CeBCKIAkeLccmMFuSRoeh6ZEmKmSnoq0TRZNFleLJYs046E0ie5JBle5LTZsx13E0jY4R/M/BHTcKwTzrMmua5fvdHDRNXAcbq0dYSzJfyVLyjb815NHQnM+Gkc75Hxqvblnq3D8K5es/N7Wiifi9aMqapw9Z5k5NbJLknzPM32txLqZs6cVtTypUmumXfzvfvOi4T20hJP01Fq2q9G07+UrW97FdO21Xn9GC/i3EtL78sr9uq2VUaN9k6kl4vLH8p+85ihH1l4lvjmPdevKo1bNay6RSSS9yGcMhepH99508M8IWzRK6eL9I63hGHyJ1G9ErW5ts5y16kvG/wCdzqKuISoZF9qTevev8I5WFS079dGGDbdNmDBt8mFW9zV4JxB0pr2Xe68uXeZ1bXUdhoZm78lf/Ay5VTpjq7z3Ow4nUjUhCUKrs5K19Mt3azfiYvabDSdO8qkc6vFrk7etr5M1pcHqRwUssbu2da32s3ZeLT8jm8fVTalmesZRcZbxna2XvXf3HJUKu0vw2Tj3NbaOSx9OKisrvos3VSa2/Mp4b7L8S/jMNLXpfUoxVhdLWVP8HaxtOBJjGwqMjuIyV3HJBJkbYsmRyZkuhsoGxrYjY25mdDVICNiNiFC6QXABAJABBSCQAAAAFTEAAJIsliyumSxY2HoXSJkyWLK8WSRZqihFIuYeok/WTaaa0+DLNCMXfV5rXSeztdv4IoRZNSnZp9P2zdjsz3JfjhJRgpWaTLmAdlrza+Bs8SyPCR9E4vM4JvS7a1slfS3N+RlRhlgkt273/I3/AB62jn1fJafsZiI2k+4s8M0kn4keLjeV/aSfvWvxuTYDRt9F+qNu+wq3vGa2Lr+rHxbMrLqWMRWzJLp+f7QuW1n3a+LuEf1Rlxrghrl6tnyJ+HWTd93s+XmVqm7sTUY6ktbQUv66O+7MSmouE23BpZVfbnp3MxO1HA8tWWSPq1Hng+k0/XiUMZiqmGoOrF81GN7NKUuq7tfcjCo9tMUpJ1Z+limm4SjFK19VFxSy3V15nIrHc5Hctfkd8aHkw/rwzTp8Hk3JON8ydlzutdji+LRUas4q3qu2jT1W+3fc7TtR26hUpypYWDSnHLKrL1Wr7qEVrtpd+7mefzYmrb/s1o6HxcNR5I5MibFkyKTMV0dGULJkbkEmMbMt0OmQbGhcBQzQAAhAAAABIgAAAAogAAoCCgAD0xgqZZENEsWSwZXTJYsdFCqRYTJIMr5iSDNcX3EUjW4TVtUUXbLPR30Wztry108zoIUXJqMtLKyvpe2jRx6Z1nA+IOrBRkm6kHrJ2tKL0V17Wjv4J73Olhy99HM+ZjaXNEmLo+qrL7N15X+bFoULQba5o1ZxSa5p3UvGxPJN2TilGN9Fr37+ZrnL20cp5nx0YlGld3exLOXqZest/C6/U0MThtM0dufmUJU3dLp+tvkNm1XcFfLuQxhqWMIvWQqh69vA0v4XJKM7WTV2/O3yC8iXZ/ZF32/4M/ttiMuGo0/anKb8IKy/8nwOIcjd7Y4tyrqHKlGy78zzN/FLyOdlI5tXo7PwsfHDP6FkyGchZyIpMx5bN8yMmyKTHTZFJmG6NEoGxoNiCGNSAAAqSAAAAIKIAAAABAAAoAAgAKSAAIAAOTJIsiQ5MvLK0iZMliyumSRY+KE0iwpHSdh6ieJyNpOUbxvzlHXKu9rN7jl4yJKVVxacW000007NNapprZmqcmjPmxK5cv7PVcVg5J6eO+mqat8WLSqKzjZp2SZmdlu0brU3CpaVaCu7/wA9NWWbvetn7/DosFjIreld8mvjdM3xldTvWzzOfC8dcK7DOGYR3tKN09V4J9B64QnN32W5coYuKl/qU3v9uDdkuTs1dGliKsHpTer1b5++24u8tqv2VmJc72cTxLCZa0oJdGn1OvVHPh6cIuObKlLxumlfy+BWq0U6ilKKvdWbV7Nf4Mzthxv6HhX6P/rVm4QezirevUS6LRLvaIz5uUz+B2DG7rh77HnvbGtfHVrNNRkoJrb1IqL+KZhSkNchkpGash6LHj4ypX0LKRHJhJkbZmux8yJJkbY5sjZnpj5QoAAssAAIAAAAAAKAAAgAAEgAABAAAASAAAAA5MaBKZA9MemRJjky6ZRomTHpkCY9MYqFuS1hcTKnNTpycZR1TXLlz3XcdNw7t5XpyTdOjJc1apFvvTztJ99vI5FMdcdORrsmIyYMd96Wz1Gn/wATqF3mw1RKytllCTe17ttW+PkSf8ycNKtTSo1YU7tSqScc0b7NQi3db318LnlVwuHNif4WL0dj257UTq4icKFX/QjlUfRuym8kXKTktXq2rXtoclUquTvJuT6ttu3iyO4hDvY7HimFpIc2MlIGxjZSqHJA2MbBsaxLoakDEACjZcQAAgAAAAkAAAABRAAgAAAJAAAAAAAAEFAAAAAAABUxADZA5McmRjkWTIaJVIXMRXFuW5lHJKmLchuLctzI4kjkJmI7iXI5k8R7kNbG3Aq6LKQbEACuywCABAAAAAAAABIAAAAAFhQIFAAIAAEAAFAAAAAQAAUQAAAAAAAFAAAUAAsQAAAEAIAASAABAAIAEEigIAAAoAAAAAAAAAAAAASQf//Z">
+            <a:hlinkClick r:id="rId2"/>
+          </p:cNvPr>
+          <p:cNvSpPr>
+            <a:spLocks noChangeAspect="1" noChangeArrowheads="1"/>
+          </p:cNvSpPr>
+          <p:nvPr/>
+        </p:nvSpPr>
+        <p:spPr bwMode="auto">
+          <a:xfrm>
+            <a:off x="0" y="-1690688"/>
+            <a:ext cx="4714875" cy="3533776"/>
+          </a:xfrm>
+          <a:prstGeom prst="rect">
+            <a:avLst/>
+          </a:prstGeom>
+          <a:noFill/>
+          <a:extLst>
+            <a:ext uri="{909E8E84-426E-40dd-AFC4-6F175D3DCCD1}">
+              <a14:hiddenFill xmlns="" xmlns:a14="http://schemas.microsoft.com/office/drawing/2010/main">
+                <a:solidFill>
+                  <a:srgbClr val="FFFFFF"/>
+                </a:solidFill>
+              </a14:hiddenFill>
+            </a:ext>
+          </a:extLst>
+        </p:spPr>
+        <p:txBody>
+          <a:bodyPr vert="horz" wrap="square" lIns="91440" tIns="45720" rIns="91440" bIns="45720" numCol="1" anchor="t" anchorCtr="0" compatLnSpc="1">
+            <a:prstTxWarp prst="textNoShape">
+              <a:avLst/>
+            </a:prstTxWarp>
+          </a:bodyPr>
+          <a:lstStyle/>
+          <a:p>
+            <a:endParaRPr lang="en-US"/>
+          </a:p>
+        </p:txBody>
+      </p:sp>
+      <p:sp>
+        <p:nvSpPr>
+          <p:cNvPr id="5" name="AutoShape 4" descr="data:image/jpeg;base64,/9j/4AAQSkZJRgABAQAAAQABAAD/2wCEAAkGBxQSEBQUEBQUFBQUFRQUFRQUFRQVFBUQFRQWFhUUFBQYHCggGBolHBQUITEhJSkrLi4uFx8zODMsNygtLisBCgoKDg0OGhAQGywkHyQsLCwsLCwsLCwsLCwsLCwsLDcsLCwsLCwsLCwsLCwtLCwsLCwsLCwsLCwsLCwsLCwsLP/AABEIAMIBAwMBIgACEQEDEQH/xAAbAAABBQEBAAAAAAAAAAAAAAAAAQIDBAUGB//EAD8QAAIBAgQDBAYIBQIHAAAAAAABAgMRBBIhMQVBUQZhcYETIlKRodEUFjKSk7HB8BVCU2LxI6IHFzOCs9Lh/8QAGgEAAgMBAQAAAAAAAAAAAAAAAAMBAgQFBv/EACoRAAMAAgEEAgICAQUBAAAAAAABAgMREhMhMVEEQWFxFCKRMlKBofAF/9oADAMBAAIRAxEAPwDJ9A2O+iSfI6dcEkS4XByhLRX6pq6PWP5C+jzPBnKvh097EMsO1ud7PK9LNPvWhmY/AaOyV+4iPk78hUaOTdMR0zVlh+4fHBpof1ELMfIPjRNeOA7ieOBSW5V5UToxfobFjg3d3N2GFfcP+jW3KvMToxVh7rXdDvoj3sb0MKnsienSS0aFvMWUGAsLtfbe/UR0Vrp4HRrCq1lqviNfD3/LsV6yLcGcvUw76DYUbnSTwf8Abby0BYFX2LdZFeDOf+j9zJ6WHturLwOgjgLrkOqYK3Io86LdNmbSoPl/8JHSfK/gXKdNrbfoXMMk36y18LCqyaLqdkXD820k/cTVoW2NGMIr/I/0Sf7uZnk77NKjtow6bTfrF5YKCSLU8NFcl5onpQi13kVk9EzHsjw0FbTclp0FcZVoNPSNxv0vLuhT2/AxNLyWlhbkiwKIKfEY9xao46L0Yt80Nngxjw8VsROFi7Jq10U687K+hEtsmkkR1Ioo1pLmtO8hxvEWtvgY2Ix1+vmaseJsy3lSNKVSPd70IYjqAaOkJ6p1UcRFc0TLEqXsv8zkPW6v3jlKXVg/jL2UXyPwdddPoRzpR52scsqkupJGvNcyP47X2T10/o3atCm1yKMsLFa6MpfSJE1DiTirON14lljteCruX5FqUly9yGqkugrxsX/J738hHily08kXSoo3I6OHfIllhmV/pH9xNDHyXNNd6uVaolOQi5R6Ezxye8L96I/pq5wXldEka9Pvj5X/ACKte0WT9MlU6cusWLCKT9Wb89hIyVtHHx1TGTs9nHyKaLbLtKrbdxZYdCnLW2vcZEaea+VN5VmlZ7LqReks92rdepXp78MusmvKNith0vsPyZA6La9ZW8y32couo3OTvGOiT5z318P1RrYvhkJ7LK+q0170ZrzrHfFmmMDyRyRyk8Jb+ZE8MVlaskyvjaWSTTvo9+pRlVXJs1zPNbMjrg9Ghisbm29VkFLHuJSdbzGwkm9NPF2/QasS1oo8j3s1/wCIZufxIp4icdVdkNKlBfbfle/6FiOPhH7KfiL4peEX5b8snpccdrSpy8UEuJZnovvKxVq8Sb2jf4sz8RjZc1FeL/QFhT+iXlfs2VinzUfeOp1Yve8fDY5eePlyt5L5kf02fUZ/GZXro7SniIraV/Mjxs09nbyucXLEPqN9PLq/eQvi997J/kbWtG9iIf3fD9CnVw66v99xlTqy6silUl1Hzia+xTpMvy33Ay8z6gM6ZGzp/RhkJsgmUTsUR+j7hPRkmUXKGydkTihvoyfIGQNgQOmKqSJlAdlDZBWdDoJ6Is5RbByAqqAmUt5RuUOQDITaHeizbPV8ur7h0YNvRXfRG7wLg0vSKdVZVHVJ7uXLTlbfyFZcs41tj8WKslKUafA+HLD01mXry1m/Z6R8F+ZS45wOVWrmpJK69dt210S08Eb1Z8uunkPiun7scRZ7V9T7O28EVHT+kQcPwcaNNQjy3fWXNsj4ljHSo1KiWbJGU7e1GKzSSfJ2Tt3juIY2NGLnOSUe925N6e5nOY/tbgsRRnRjVnJ1acotUadSU4xlGz/lsnqVmat8mt+y1XMLinouYmph8bhs6m4wcc+a+WVO2ubut+VzBx0KdSrGlQUXVkr2jK0bR+1JJK1ravvSt34HAu1OCpYdwcatKOZwlecZTlCSup5bK+1tF07xmH7R4WnCjTh6erKlLMp08sZJtSu1NSV276rmnZ7WOhji4bU7/H/v8GDI1enSX5LS1Wnh5rRrxQquiguPSrz9JFScIWjVjJU/SLNpCajF5qlmtWo8zXdM6c02u/k5uSOLIc451fAc6Y10yexXbEqYh29XS/PmUpRZbdMa4FlpA22UnAFEtumJ6MtyIK3oxrpltwGuBGySo4DXSLEojZE7JKzpgTWAtsNnM/WjGf1V+HT+Qv1oxn9Vfh0/kYecVTELFPtm/gvS/wAG39Z8Z/UX3KfyF+s+M/qL7lP5GKqgvpC3Sn2yvBekbP1oxnt/7KfyFXajF+3/ALKfyMZTFUyejPsjivSNf624r21+HT+Qq7X4r21+HD5GRcS4dD8hxn0a67YYn21+HD5B9b8V7a/Dh8jKQ5EdD8hqPRq/W3Fe2vw4fIY+1+Kv9tfh0/kZdTXT3kaplaxPfZkqY+0dzwXt7XglZUb7O8bSfjrt4HVcG7cyqSaqZItW0SaTT72ePwoE0NNvgJv4PPuyVkc/6We4Vu1UVZ5o28iHF9p1LSNSMX/blv46s8upT9Sybbko78tXfX3FaVLuCf8A5K87/wChL+bb2j0TjPGadSmo1pKtbVZ1FNPrG0TjeIVc1f0kIxhFpJqDcb252va5mVaew6lT9WXXS3luaI+Bw8MVWVvuzMxs71JWit+Sf5C4fETg04qN01JXV7S31XPwL1Gkno/AijC3lf4Dl8T2xvVXjQ+PaKrGpUqPLGpUd3KMIXvzVstktForEkO1OIenpNW/Yht4ZDLnS1IJpxaa3WvuM9YXD89h2pr67nQT49iuVSPnGn/6jZdoMT/Uj9ym/wBCrKeiIKhor4qX2xMtP6RffaLE/wBRfcp/IZ9YsV7cfuQ+RQbGsV0PyXSn0jRfaLE+2vuQ+Qn1hxXtL7kPkZ2YFIno/kNL0jR+sGK9pfdh8g/j+K9pfdh8jPchrmT0V7YcV6Rpfx7E9V92HyB8cxHtL7sPkZjmJ6QOml9sngvSNF8cr9f9sPkBmZwI4L/cyeC9IpqoLnKimOznLWdm1wW1MdnKsZDs42c5TgWVMcplaMx6kOnMVcFjOKpFdSHZhyylHJYjIdF3ILl/hEVKo1LbK/fdDJrb0Lyf1lsjjSJ/QW3NGrhVF6a3+Hf++hWpVLtrl8jXMoy9XktoZOnb3C0adn3lmEM2y6a9CxSwzzPQZpCay6XchjD9/vxJKcPibWGwrlTy+zr3W5/mixS4S1rbmLeWV2Zjr5CMWph3lVyGMbfvqjrv4U5KStyfz/QxuIYBxtpuviRjzTXYrGb6Zi0qXr2t/Nsut9iJ0naT8f1uzd+htWlzbk/DLFv82VKuBeSTWyir+co/MusiHzm7nN4iWWcbc0rjMS023ZLuWxPxKi7rTZPyKsneLvvb48/1EX5aOnGmk0S4evmj3rf9GEmUsM7TXfoy1NlceV3Hf67F6jVdhHIa5DJMY2LdllJK5CORDmEcivVLcSXOI5kOYRyFvMWUErmNcyGUxucTWcuoJ84hDmEKdcngU1IcpENxyZyVRtck+cVMhTFUhiyC3JOpDlMr5h8WOnIUclhSJEytGRLFmibF1JMmWuH11Gavono30XUppjoM1Y7aaaFXKaaZ1lKhCe01brfT3hKEFHTfZfDUxeFL1n4a95rRhdpdTp4/7Lkzk5MfCtbNHh1NNL962RtfwxqGduyUkted7kXCsJaUI25Xcn1OhxmHUMNNy1baS+8rP8/cZ8uXVJL7OdW7ba8dzMwsdY7b37mk18Do4RVloY2Jx0MPhpVZRzZdIx2vOTslfkvkcTX7S4mc7+llHW6jC0UtdtN143FdGsz7dtDvj4aa2enVHOL9RQt1d73fKxh4rDNztJJWXW+hW4PxytUllqNTTTu7JNabpoq4rtFTzuCptxWmbMtk911DHgyRWtd/wKyTVvU/Rr4eFNtRbUUrq8tN0k9fM0uIcHXoHGFszittdPLx+ByGIxdN2efLfrq/NI0+AYucZ2hUzU3JKyira26q6DLgtLkn4+mWw2ktXPn7OV7R8OlTntpZL/usc7OlbTbu8T2HtHg41Kadldyjvz11/M4DjPDMinLLztba22vvYzH8hZJW/JvxZOD4M46rKz03ROqmZJ9URYvWTGYV+r4Nmabayufo6mtymSOQxyEmxGyKolIGxkpCSkRtmerGJD3IY5jHIbJiayDFI/MNchmYa5CHkLqSXOIR3AX1CeBCKIAkeLccmMFuSRoeh6ZEmKmSnoq0TRZNFleLJYs046E0ie5JBle5LTZsx13E0jY4R/M/BHTcKwTzrMmua5fvdHDRNXAcbq0dYSzJfyVLyjb815NHQnM+Gkc75Hxqvblnq3D8K5es/N7Wiifi9aMqapw9Z5k5NbJLknzPM32txLqZs6cVtTypUmumXfzvfvOi4T20hJP01Fq2q9G07+UrW97FdO21Xn9GC/i3EtL78sr9uq2VUaN9k6kl4vLH8p+85ihH1l4lvjmPdevKo1bNay6RSSS9yGcMhepH99508M8IWzRK6eL9I63hGHyJ1G9ErW5ts5y16kvG/wCdzqKuISoZF9qTevev8I5WFS079dGGDbdNmDBt8mFW9zV4JxB0pr2Xe68uXeZ1bXUdhoZm78lf/Ay5VTpjq7z3Ow4nUjUhCUKrs5K19Mt3azfiYvabDSdO8qkc6vFrk7etr5M1pcHqRwUssbu2da32s3ZeLT8jm8fVTalmesZRcZbxna2XvXf3HJUKu0vw2Tj3NbaOSx9OKisrvos3VSa2/Mp4b7L8S/jMNLXpfUoxVhdLWVP8HaxtOBJjGwqMjuIyV3HJBJkbYsmRyZkuhsoGxrYjY25mdDVICNiNiFC6QXABAJABBSCQAAAAFTEAAJIsliyumSxY2HoXSJkyWLK8WSRZqihFIuYeok/WTaaa0+DLNCMXfV5rXSeztdv4IoRZNSnZp9P2zdjsz3JfjhJRgpWaTLmAdlrza+Bs8SyPCR9E4vM4JvS7a1slfS3N+RlRhlgkt273/I3/AB62jn1fJafsZiI2k+4s8M0kn4keLjeV/aSfvWvxuTYDRt9F+qNu+wq3vGa2Lr+rHxbMrLqWMRWzJLp+f7QuW1n3a+LuEf1Rlxrghrl6tnyJ+HWTd93s+XmVqm7sTUY6ktbQUv66O+7MSmouE23BpZVfbnp3MxO1HA8tWWSPq1Hng+k0/XiUMZiqmGoOrF81GN7NKUuq7tfcjCo9tMUpJ1Z+limm4SjFK19VFxSy3V15nIrHc5Hctfkd8aHkw/rwzTp8Hk3JON8ydlzutdji+LRUas4q3qu2jT1W+3fc7TtR26hUpypYWDSnHLKrL1Wr7qEVrtpd+7mefzYmrb/s1o6HxcNR5I5MibFkyKTMV0dGULJkbkEmMbMt0OmQbGhcBQzQAAhAAAABIgAAAAogAAoCCgAD0xgqZZENEsWSwZXTJYsdFCqRYTJIMr5iSDNcX3EUjW4TVtUUXbLPR30Wztry108zoIUXJqMtLKyvpe2jRx6Z1nA+IOrBRkm6kHrJ2tKL0V17Wjv4J73Olhy99HM+ZjaXNEmLo+qrL7N15X+bFoULQba5o1ZxSa5p3UvGxPJN2TilGN9Fr37+ZrnL20cp5nx0YlGld3exLOXqZest/C6/U0MThtM0dufmUJU3dLp+tvkNm1XcFfLuQxhqWMIvWQqh69vA0v4XJKM7WTV2/O3yC8iXZ/ZF32/4M/ttiMuGo0/anKb8IKy/8nwOIcjd7Y4tyrqHKlGy78zzN/FLyOdlI5tXo7PwsfHDP6FkyGchZyIpMx5bN8yMmyKTHTZFJmG6NEoGxoNiCGNSAAAqSAAAAIKIAAAABAAAoAAgAKSAAIAAOTJIsiQ5MvLK0iZMliyumSRY+KE0iwpHSdh6ieJyNpOUbxvzlHXKu9rN7jl4yJKVVxacW000007NNapprZmqcmjPmxK5cv7PVcVg5J6eO+mqat8WLSqKzjZp2SZmdlu0brU3CpaVaCu7/wA9NWWbvetn7/DosFjIreld8mvjdM3xldTvWzzOfC8dcK7DOGYR3tKN09V4J9B64QnN32W5coYuKl/qU3v9uDdkuTs1dGliKsHpTer1b5++24u8tqv2VmJc72cTxLCZa0oJdGn1OvVHPh6cIuObKlLxumlfy+BWq0U6ilKKvdWbV7Nf4Mzthxv6HhX6P/rVm4QezirevUS6LRLvaIz5uUz+B2DG7rh77HnvbGtfHVrNNRkoJrb1IqL+KZhSkNchkpGash6LHj4ypX0LKRHJhJkbZmux8yJJkbY5sjZnpj5QoAAssAAIAAAAAAKAAAgAAEgAABAAAASAAAAA5MaBKZA9MemRJjky6ZRomTHpkCY9MYqFuS1hcTKnNTpycZR1TXLlz3XcdNw7t5XpyTdOjJc1apFvvTztJ99vI5FMdcdORrsmIyYMd96Wz1Gn/wATqF3mw1RKytllCTe17ttW+PkSf8ycNKtTSo1YU7tSqScc0b7NQi3db318LnlVwuHNif4WL0dj257UTq4icKFX/QjlUfRuym8kXKTktXq2rXtoclUquTvJuT6ttu3iyO4hDvY7HimFpIc2MlIGxjZSqHJA2MbBsaxLoakDEACjZcQAAgAAAAkAAAABRAAgAAAJAAAAAAAAEFAAAAAAABUxADZA5McmRjkWTIaJVIXMRXFuW5lHJKmLchuLctzI4kjkJmI7iXI5k8R7kNbG3Aq6LKQbEACuywCABAAAAAAAABIAAAAAFhQIFAAIAAEAAFAAAAAQAAUQAAAAAAAFAAAUAAsQAAAEAIAASAABAAIAEEigIAAAoAAAAAAAAAAAAASQf//Z">
+            <a:hlinkClick r:id="rId2"/>
+          </p:cNvPr>
+          <p:cNvSpPr>
+            <a:spLocks noChangeAspect="1" noChangeArrowheads="1"/>
+          </p:cNvSpPr>
+          <p:nvPr/>
+        </p:nvSpPr>
+        <p:spPr bwMode="auto">
+          <a:xfrm>
+            <a:off x="152400" y="-1538288"/>
+            <a:ext cx="4714875" cy="3533776"/>
+          </a:xfrm>
+          <a:prstGeom prst="rect">
+            <a:avLst/>
+          </a:prstGeom>
+          <a:noFill/>
+          <a:extLst>
+            <a:ext uri="{909E8E84-426E-40dd-AFC4-6F175D3DCCD1}">
+              <a14:hiddenFill xmlns="" xmlns:a14="http://schemas.microsoft.com/office/drawing/2010/main">
+                <a:solidFill>
+                  <a:srgbClr val="FFFFFF"/>
+                </a:solidFill>
+              </a14:hiddenFill>
+            </a:ext>
+          </a:extLst>
+        </p:spPr>
+        <p:txBody>
+          <a:bodyPr vert="horz" wrap="square" lIns="91440" tIns="45720" rIns="91440" bIns="45720" numCol="1" anchor="t" anchorCtr="0" compatLnSpc="1">
+            <a:prstTxWarp prst="textNoShape">
+              <a:avLst/>
+            </a:prstTxWarp>
+          </a:bodyPr>
+          <a:lstStyle/>
+          <a:p>
+            <a:endParaRPr lang="en-US"/>
+          </a:p>
+        </p:txBody>
+      </p:sp>
+      <p:pic>
+        <p:nvPicPr>
+          <p:cNvPr id="1029" name="Picture 5"/>
+          <p:cNvPicPr>
+            <a:picLocks noChangeAspect="1" noChangeArrowheads="1"/>
+          </p:cNvPicPr>
+          <p:nvPr/>
+        </p:nvPicPr>
+        <p:blipFill>
+          <a:blip r:embed="rId3">
+            <a:extLst>
+              <a:ext uri="{28A0092B-C50C-407E-A947-70E740481C1C}">
+                <a14:useLocalDpi xmlns:a14="http://schemas.microsoft.com/office/drawing/2010/main" val="0"/>
+              </a:ext>
+            </a:extLst>
+          </a:blip>
+          <a:srcRect/>
+          <a:stretch>
+            <a:fillRect/>
+          </a:stretch>
+        </p:blipFill>
+        <p:spPr bwMode="auto">
+          <a:xfrm>
+            <a:off x="3581400" y="3600450"/>
+            <a:ext cx="4343400" cy="3257550"/>
+          </a:xfrm>
+          <a:prstGeom prst="rect">
+            <a:avLst/>
+          </a:prstGeom>
+          <a:noFill/>
+          <a:ln>
+            <a:noFill/>
+          </a:ln>
+          <a:extLst>
+            <a:ext uri="{909E8E84-426E-40dd-AFC4-6F175D3DCCD1}">
+              <a14:hiddenFill xmlns="" xmlns:a14="http://schemas.microsoft.com/office/drawing/2010/main">
+                <a:solidFill>
+                  <a:schemeClr val="accent1"/>
+                </a:solidFill>
+              </a14:hiddenFill>
+            </a:ext>
+            <a:ext uri="{91240B29-F687-4f45-9708-019B960494DF}">
+              <a14:hiddenLine xmlns="" xmlns:a14="http://schemas.microsoft.com/office/drawing/2010/main" w="9525">
+                <a:solidFill>
+                  <a:schemeClr val="tx1"/>
+                </a:solidFill>
+                <a:miter lim="800000"/>
+                <a:headEnd/>
+                <a:tailEnd/>
+              </a14:hiddenLine>
+            </a:ext>
+          </a:extLst>
+        </p:spPr>
+      </p:pic>
+      <p:sp>
+        <p:nvSpPr>
+          <p:cNvPr id="6" name="Right Arrow 5"/>
+          <p:cNvSpPr/>
+          <p:nvPr/>
+        </p:nvSpPr>
+        <p:spPr>
+          <a:xfrm>
+            <a:off x="202816" y="3657600"/>
+            <a:ext cx="4064384" cy="990600"/>
+          </a:xfrm>
+          <a:prstGeom prst="rightArrow">
+            <a:avLst/>
+          </a:prstGeom>
+        </p:spPr>
+        <p:style>
+          <a:lnRef idx="2">
+            <a:schemeClr val="accent1">
+              <a:shade val="50000"/>
+            </a:schemeClr>
+          </a:lnRef>
+          <a:fillRef idx="1">
+            <a:schemeClr val="accent1"/>
+          </a:fillRef>
+          <a:effectRef idx="0">
+            <a:schemeClr val="accent1"/>
+          </a:effectRef>
+          <a:fontRef idx="minor">
+            <a:schemeClr val="lt1"/>
+          </a:fontRef>
+        </p:style>
+        <p:txBody>
+          <a:bodyPr rtlCol="0" anchor="ctr"/>
+          <a:lstStyle/>
+          <a:p>
+            <a:pPr algn="ctr"/>
+            <a:r>
+              <a:rPr lang="en-US" dirty="0"/>
+              <a:t>Using put and get in </a:t>
+            </a:r>
+            <a:r>
+              <a:rPr lang="en-US" dirty="0" err="1"/>
+              <a:t>HashMap</a:t>
+            </a:r>
+            <a:endParaRPr lang="en-US" dirty="0"/>
+          </a:p>
+        </p:txBody>
+      </p:sp>
+      <p:sp>
+        <p:nvSpPr>
+          <p:cNvPr id="7" name="Right Arrow 6"/>
+          <p:cNvSpPr/>
+          <p:nvPr/>
+        </p:nvSpPr>
+        <p:spPr>
+          <a:xfrm>
+            <a:off x="838200" y="4724400"/>
+            <a:ext cx="3988184" cy="2133600"/>
+          </a:xfrm>
+          <a:prstGeom prst="rightArrow">
+            <a:avLst/>
+          </a:prstGeom>
+        </p:spPr>
+        <p:style>
+          <a:lnRef idx="2">
+            <a:schemeClr val="accent1">
+              <a:shade val="50000"/>
+            </a:schemeClr>
+          </a:lnRef>
+          <a:fillRef idx="1">
+            <a:schemeClr val="accent1"/>
+          </a:fillRef>
+          <a:effectRef idx="0">
+            <a:schemeClr val="accent1"/>
+          </a:effectRef>
+          <a:fontRef idx="minor">
+            <a:schemeClr val="lt1"/>
+          </a:fontRef>
+        </p:style>
+        <p:txBody>
+          <a:bodyPr rtlCol="0" anchor="ctr"/>
+          <a:lstStyle/>
+          <a:p>
+            <a:pPr algn="ctr"/>
+            <a:r>
+              <a:rPr lang="en-US" dirty="0"/>
+              <a:t>Implementing </a:t>
+            </a:r>
+            <a:r>
+              <a:rPr lang="en-US" dirty="0" err="1"/>
+              <a:t>HashMap</a:t>
+            </a:r>
+            <a:endParaRPr lang="en-US" dirty="0"/>
+          </a:p>
+        </p:txBody>
+      </p:sp>
+    </p:spTree>
+    <p:extLst>
+      <p:ext uri="{BB962C8B-B14F-4D97-AF65-F5344CB8AC3E}">
+        <p14:creationId xmlns:p14="http://schemas.microsoft.com/office/powerpoint/2010/main" val="3793299068"/>
+      </p:ext>
+    </p:extLst>
+  </p:cSld>
+  <p:clrMapOvr>
+    <a:masterClrMapping/>
+  </p:clrMapOvr>
+</p:sld>
+</file>
+
+<file path=ppt/slides/slide3.xml><?xml version="1.0" encoding="utf-8"?>
+<p:sld xmlns:a="http://schemas.openxmlformats.org/drawingml/2006/main" xmlns:r="http://schemas.openxmlformats.org/officeDocument/2006/relationships" xmlns:p="http://schemas.openxmlformats.org/presentationml/2006/main">
+  <p:cSld>
+    <p:spTree>
+      <p:nvGrpSpPr>
+        <p:cNvPr id="1" name=""/>
+        <p:cNvGrpSpPr/>
+        <p:nvPr/>
+      </p:nvGrpSpPr>
+      <p:grpSpPr>
+        <a:xfrm>
+          <a:off x="0" y="0"/>
+          <a:ext cx="0" cy="0"/>
+          <a:chOff x="0" y="0"/>
+          <a:chExt cx="0" cy="0"/>
+        </a:xfrm>
+      </p:grpSpPr>
+      <p:sp>
+        <p:nvSpPr>
+          <p:cNvPr id="2" name="Title 1"/>
+          <p:cNvSpPr>
+            <a:spLocks noGrp="1"/>
+          </p:cNvSpPr>
+          <p:nvPr>
+            <p:ph type="title"/>
+          </p:nvPr>
+        </p:nvSpPr>
+        <p:spPr/>
+        <p:txBody>
+          <a:bodyPr>
+            <a:normAutofit fontScale="90000"/>
+          </a:bodyPr>
+          <a:lstStyle/>
+          <a:p>
+            <a:r>
+              <a:rPr lang="en-US"/>
+              <a:t>Object-Oriented Design Term:</a:t>
+            </a:r>
+            <a:br>
+              <a:rPr lang="en-US"/>
+            </a:br>
+            <a:r>
+              <a:rPr lang="en-US"/>
+              <a:t>Encapsulation</a:t>
+            </a:r>
+          </a:p>
+        </p:txBody>
+      </p:sp>
+      <p:sp>
+        <p:nvSpPr>
+          <p:cNvPr id="3" name="Content Placeholder 2"/>
+          <p:cNvSpPr>
+            <a:spLocks noGrp="1"/>
+          </p:cNvSpPr>
+          <p:nvPr>
+            <p:ph idx="1"/>
+          </p:nvPr>
+        </p:nvSpPr>
+        <p:spPr/>
+        <p:txBody>
+          <a:bodyPr/>
+          <a:lstStyle/>
+          <a:p>
+            <a:r>
+              <a:rPr lang="en-US"/>
+              <a:t>Makes your program easier to understand by…</a:t>
+            </a:r>
+          </a:p>
+          <a:p>
+            <a:pPr lvl="1"/>
+            <a:r>
+              <a:rPr lang="en-US"/>
+              <a:t>Saving the client of the object from having to think about how the class works</a:t>
+            </a:r>
+          </a:p>
+          <a:p>
+            <a:pPr lvl="1"/>
+            <a:r>
+              <a:rPr lang="en-US"/>
               <a:t>Puts everything you need in one place</a:t>
             </a:r>
           </a:p>
@@ -4218,335 +4547,6 @@
           <a:p>
             <a:pPr algn="ctr"/>
             <a:r>
-              <a:rPr lang="en-US" dirty="0"/>
-              <a:t>Using put and get in </a:t>
-            </a:r>
-            <a:r>
-              <a:rPr lang="en-US" dirty="0" err="1"/>
-              <a:t>HashMap</a:t>
-            </a:r>
-            <a:endParaRPr lang="en-US" dirty="0"/>
-          </a:p>
-        </p:txBody>
-      </p:sp>
-      <p:sp>
-        <p:nvSpPr>
-          <p:cNvPr id="7" name="Right Arrow 6"/>
-          <p:cNvSpPr/>
-          <p:nvPr/>
-        </p:nvSpPr>
-        <p:spPr>
-          <a:xfrm>
-            <a:off x="838200" y="4724400"/>
-            <a:ext cx="3988184" cy="2133600"/>
-          </a:xfrm>
-          <a:prstGeom prst="rightArrow">
-            <a:avLst/>
-          </a:prstGeom>
-        </p:spPr>
-        <p:style>
-          <a:lnRef idx="2">
-            <a:schemeClr val="accent1">
-              <a:shade val="50000"/>
-            </a:schemeClr>
-          </a:lnRef>
-          <a:fillRef idx="1">
-            <a:schemeClr val="accent1"/>
-          </a:fillRef>
-          <a:effectRef idx="0">
-            <a:schemeClr val="accent1"/>
-          </a:effectRef>
-          <a:fontRef idx="minor">
-            <a:schemeClr val="lt1"/>
-          </a:fontRef>
-        </p:style>
-        <p:txBody>
-          <a:bodyPr rtlCol="0" anchor="ctr"/>
-          <a:lstStyle/>
-          <a:p>
-            <a:pPr algn="ctr"/>
-            <a:r>
-              <a:rPr lang="en-US" dirty="0"/>
-              <a:t>Implementing </a:t>
-            </a:r>
-            <a:r>
-              <a:rPr lang="en-US" dirty="0" err="1"/>
-              <a:t>HashMap</a:t>
-            </a:r>
-            <a:endParaRPr lang="en-US" dirty="0"/>
-          </a:p>
-        </p:txBody>
-      </p:sp>
-    </p:spTree>
-    <p:extLst>
-      <p:ext uri="{BB962C8B-B14F-4D97-AF65-F5344CB8AC3E}">
-        <p14:creationId xmlns:p14="http://schemas.microsoft.com/office/powerpoint/2010/main" val="3793299068"/>
-      </p:ext>
-    </p:extLst>
-  </p:cSld>
-  <p:clrMapOvr>
-    <a:masterClrMapping/>
-  </p:clrMapOvr>
-</p:sld>
-</file>
-
-<file path=ppt/slides/slide3.xml><?xml version="1.0" encoding="utf-8"?>
-<p:sld xmlns:a="http://schemas.openxmlformats.org/drawingml/2006/main" xmlns:r="http://schemas.openxmlformats.org/officeDocument/2006/relationships" xmlns:p="http://schemas.openxmlformats.org/presentationml/2006/main">
-  <p:cSld>
-    <p:spTree>
-      <p:nvGrpSpPr>
-        <p:cNvPr id="1" name=""/>
-        <p:cNvGrpSpPr/>
-        <p:nvPr/>
-      </p:nvGrpSpPr>
-      <p:grpSpPr>
-        <a:xfrm>
-          <a:off x="0" y="0"/>
-          <a:ext cx="0" cy="0"/>
-          <a:chOff x="0" y="0"/>
-          <a:chExt cx="0" cy="0"/>
-        </a:xfrm>
-      </p:grpSpPr>
-      <p:sp>
-        <p:nvSpPr>
-          <p:cNvPr id="2" name="Title 1"/>
-          <p:cNvSpPr>
-            <a:spLocks noGrp="1"/>
-          </p:cNvSpPr>
-          <p:nvPr>
-            <p:ph type="title"/>
-          </p:nvPr>
-        </p:nvSpPr>
-        <p:spPr/>
-        <p:txBody>
-          <a:bodyPr>
-            <a:normAutofit fontScale="90000"/>
-          </a:bodyPr>
-          <a:lstStyle/>
-          <a:p>
-            <a:r>
-              <a:rPr lang="en-US"/>
-              <a:t>Object-Oriented Design Term:</a:t>
-            </a:r>
-            <a:br>
-              <a:rPr lang="en-US"/>
-            </a:br>
-            <a:r>
-              <a:rPr lang="en-US"/>
-              <a:t>Encapsulation</a:t>
-            </a:r>
-          </a:p>
-        </p:txBody>
-      </p:sp>
-      <p:sp>
-        <p:nvSpPr>
-          <p:cNvPr id="3" name="Content Placeholder 2"/>
-          <p:cNvSpPr>
-            <a:spLocks noGrp="1"/>
-          </p:cNvSpPr>
-          <p:nvPr>
-            <p:ph idx="1"/>
-          </p:nvPr>
-        </p:nvSpPr>
-        <p:spPr/>
-        <p:txBody>
-          <a:bodyPr/>
-          <a:lstStyle/>
-          <a:p>
-            <a:r>
-              <a:rPr lang="en-US"/>
-              <a:t>Makes your program easier to understand by…</a:t>
-            </a:r>
-          </a:p>
-          <a:p>
-            <a:pPr lvl="1"/>
-            <a:r>
-              <a:rPr lang="en-US"/>
-              <a:t>Saving the client of the object from having to think about how the class works</a:t>
-            </a:r>
-          </a:p>
-          <a:p>
-            <a:pPr lvl="1"/>
-            <a:r>
-              <a:rPr lang="en-US"/>
-              <a:t>Puts everything you need in one place</a:t>
-            </a:r>
-          </a:p>
-        </p:txBody>
-      </p:sp>
-      <p:sp>
-        <p:nvSpPr>
-          <p:cNvPr id="4" name="AutoShape 2" descr="data:image/jpeg;base64,/9j/4AAQSkZJRgABAQAAAQABAAD/2wCEAAkGBxQSEBQUEBQUFBQUFRQUFRQUFRQVFBUQFRQWFhUUFBQYHCggGBolHBQUITEhJSkrLi4uFx8zODMsNygtLisBCgoKDg0OGhAQGywkHyQsLCwsLCwsLCwsLCwsLCwsLDcsLCwsLCwsLCwsLCwtLCwsLCwsLCwsLCwsLCwsLCwsLP/AABEIAMIBAwMBIgACEQEDEQH/xAAbAAABBQEBAAAAAAAAAAAAAAAAAQIDBAUGB//EAD8QAAIBAgQDBAYIBQIHAAAAAAABAgMRBBIhMQVBUQZhcYETIlKRodEUFjKSk7HB8BVCU2LxI6IHFzOCs9Lh/8QAGgEAAgMBAQAAAAAAAAAAAAAAAAMBAgQFBv/EACoRAAMAAgEEAgICAQUBAAAAAAABAgMREhMhMVEEQWFxFCKRMlKBofAF/9oADAMBAAIRAxEAPwDJ9A2O+iSfI6dcEkS4XByhLRX6pq6PWP5C+jzPBnKvh097EMsO1ud7PK9LNPvWhmY/AaOyV+4iPk78hUaOTdMR0zVlh+4fHBpof1ELMfIPjRNeOA7ieOBSW5V5UToxfobFjg3d3N2GFfcP+jW3KvMToxVh7rXdDvoj3sb0MKnsienSS0aFvMWUGAsLtfbe/UR0Vrp4HRrCq1lqviNfD3/LsV6yLcGcvUw76DYUbnSTwf8Abby0BYFX2LdZFeDOf+j9zJ6WHturLwOgjgLrkOqYK3Io86LdNmbSoPl/8JHSfK/gXKdNrbfoXMMk36y18LCqyaLqdkXD820k/cTVoW2NGMIr/I/0Sf7uZnk77NKjtow6bTfrF5YKCSLU8NFcl5onpQi13kVk9EzHsjw0FbTclp0FcZVoNPSNxv0vLuhT2/AxNLyWlhbkiwKIKfEY9xao46L0Yt80Nngxjw8VsROFi7Jq10U687K+hEtsmkkR1Ioo1pLmtO8hxvEWtvgY2Ix1+vmaseJsy3lSNKVSPd70IYjqAaOkJ6p1UcRFc0TLEqXsv8zkPW6v3jlKXVg/jL2UXyPwdddPoRzpR52scsqkupJGvNcyP47X2T10/o3atCm1yKMsLFa6MpfSJE1DiTirON14lljteCruX5FqUly9yGqkugrxsX/J738hHily08kXSoo3I6OHfIllhmV/pH9xNDHyXNNd6uVaolOQi5R6Ezxye8L96I/pq5wXldEka9Pvj5X/ACKte0WT9MlU6cusWLCKT9Wb89hIyVtHHx1TGTs9nHyKaLbLtKrbdxZYdCnLW2vcZEaea+VN5VmlZ7LqReks92rdepXp78MusmvKNith0vsPyZA6La9ZW8y32couo3OTvGOiT5z318P1RrYvhkJ7LK+q0170ZrzrHfFmmMDyRyRyk8Jb+ZE8MVlaskyvjaWSTTvo9+pRlVXJs1zPNbMjrg9Ghisbm29VkFLHuJSdbzGwkm9NPF2/QasS1oo8j3s1/wCIZufxIp4icdVdkNKlBfbfle/6FiOPhH7KfiL4peEX5b8snpccdrSpy8UEuJZnovvKxVq8Sb2jf4sz8RjZc1FeL/QFhT+iXlfs2VinzUfeOp1Yve8fDY5eePlyt5L5kf02fUZ/GZXro7SniIraV/Mjxs09nbyucXLEPqN9PLq/eQvi997J/kbWtG9iIf3fD9CnVw66v99xlTqy6silUl1Hzia+xTpMvy33Ay8z6gM6ZGzp/RhkJsgmUTsUR+j7hPRkmUXKGydkTihvoyfIGQNgQOmKqSJlAdlDZBWdDoJ6Is5RbByAqqAmUt5RuUOQDITaHeizbPV8ur7h0YNvRXfRG7wLg0vSKdVZVHVJ7uXLTlbfyFZcs41tj8WKslKUafA+HLD01mXry1m/Z6R8F+ZS45wOVWrmpJK69dt210S08Eb1Z8uunkPiun7scRZ7V9T7O28EVHT+kQcPwcaNNQjy3fWXNsj4ljHSo1KiWbJGU7e1GKzSSfJ2Tt3juIY2NGLnOSUe925N6e5nOY/tbgsRRnRjVnJ1acotUadSU4xlGz/lsnqVmat8mt+y1XMLinouYmph8bhs6m4wcc+a+WVO2ubut+VzBx0KdSrGlQUXVkr2jK0bR+1JJK1ravvSt34HAu1OCpYdwcatKOZwlecZTlCSup5bK+1tF07xmH7R4WnCjTh6erKlLMp08sZJtSu1NSV276rmnZ7WOhji4bU7/H/v8GDI1enSX5LS1Wnh5rRrxQquiguPSrz9JFScIWjVjJU/SLNpCajF5qlmtWo8zXdM6c02u/k5uSOLIc451fAc6Y10yexXbEqYh29XS/PmUpRZbdMa4FlpA22UnAFEtumJ6MtyIK3oxrpltwGuBGySo4DXSLEojZE7JKzpgTWAtsNnM/WjGf1V+HT+Qv1oxn9Vfh0/kYecVTELFPtm/gvS/wAG39Z8Z/UX3KfyF+s+M/qL7lP5GKqgvpC3Sn2yvBekbP1oxnt/7KfyFXajF+3/ALKfyMZTFUyejPsjivSNf624r21+HT+Qq7X4r21+HD5GRcS4dD8hxn0a67YYn21+HD5B9b8V7a/Dh8jKQ5EdD8hqPRq/W3Fe2vw4fIY+1+Kv9tfh0/kZdTXT3kaplaxPfZkqY+0dzwXt7XglZUb7O8bSfjrt4HVcG7cyqSaqZItW0SaTT72ePwoE0NNvgJv4PPuyVkc/6We4Vu1UVZ5o28iHF9p1LSNSMX/blv46s8upT9Sybbko78tXfX3FaVLuCf8A5K87/wChL+bb2j0TjPGadSmo1pKtbVZ1FNPrG0TjeIVc1f0kIxhFpJqDcb252va5mVaew6lT9WXXS3luaI+Bw8MVWVvuzMxs71JWit+Sf5C4fETg04qN01JXV7S31XPwL1Gkno/AijC3lf4Dl8T2xvVXjQ+PaKrGpUqPLGpUd3KMIXvzVstktForEkO1OIenpNW/Yht4ZDLnS1IJpxaa3WvuM9YXD89h2pr67nQT49iuVSPnGn/6jZdoMT/Uj9ym/wBCrKeiIKhor4qX2xMtP6RffaLE/wBRfcp/IZ9YsV7cfuQ+RQbGsV0PyXSn0jRfaLE+2vuQ+Qn1hxXtL7kPkZ2YFIno/kNL0jR+sGK9pfdh8g/j+K9pfdh8jPchrmT0V7YcV6Rpfx7E9V92HyB8cxHtL7sPkZjmJ6QOml9sngvSNF8cr9f9sPkBmZwI4L/cyeC9IpqoLnKimOznLWdm1wW1MdnKsZDs42c5TgWVMcplaMx6kOnMVcFjOKpFdSHZhyylHJYjIdF3ILl/hEVKo1LbK/fdDJrb0Lyf1lsjjSJ/QW3NGrhVF6a3+Hf++hWpVLtrl8jXMoy9XktoZOnb3C0adn3lmEM2y6a9CxSwzzPQZpCay6XchjD9/vxJKcPibWGwrlTy+zr3W5/mixS4S1rbmLeWV2Zjr5CMWph3lVyGMbfvqjrv4U5KStyfz/QxuIYBxtpuviRjzTXYrGb6Zi0qXr2t/Nsut9iJ0naT8f1uzd+htWlzbk/DLFv82VKuBeSTWyir+co/MusiHzm7nN4iWWcbc0rjMS023ZLuWxPxKi7rTZPyKsneLvvb48/1EX5aOnGmk0S4evmj3rf9GEmUsM7TXfoy1NlceV3Hf67F6jVdhHIa5DJMY2LdllJK5CORDmEcivVLcSXOI5kOYRyFvMWUErmNcyGUxucTWcuoJ84hDmEKdcngU1IcpENxyZyVRtck+cVMhTFUhiyC3JOpDlMr5h8WOnIUclhSJEytGRLFmibF1JMmWuH11Gavono30XUppjoM1Y7aaaFXKaaZ1lKhCe01brfT3hKEFHTfZfDUxeFL1n4a95rRhdpdTp4/7Lkzk5MfCtbNHh1NNL962RtfwxqGduyUkted7kXCsJaUI25Xcn1OhxmHUMNNy1baS+8rP8/cZ8uXVJL7OdW7ba8dzMwsdY7b37mk18Do4RVloY2Jx0MPhpVZRzZdIx2vOTslfkvkcTX7S4mc7+llHW6jC0UtdtN143FdGsz7dtDvj4aa2enVHOL9RQt1d73fKxh4rDNztJJWXW+hW4PxytUllqNTTTu7JNabpoq4rtFTzuCptxWmbMtk911DHgyRWtd/wKyTVvU/Rr4eFNtRbUUrq8tN0k9fM0uIcHXoHGFszittdPLx+ByGIxdN2efLfrq/NI0+AYucZ2hUzU3JKyira26q6DLgtLkn4+mWw2ktXPn7OV7R8OlTntpZL/usc7OlbTbu8T2HtHg41Kadldyjvz11/M4DjPDMinLLztba22vvYzH8hZJW/JvxZOD4M46rKz03ROqmZJ9URYvWTGYV+r4Nmabayufo6mtymSOQxyEmxGyKolIGxkpCSkRtmerGJD3IY5jHIbJiayDFI/MNchmYa5CHkLqSXOIR3AX1CeBCKIAkeLccmMFuSRoeh6ZEmKmSnoq0TRZNFleLJYs046E0ie5JBle5LTZsx13E0jY4R/M/BHTcKwTzrMmua5fvdHDRNXAcbq0dYSzJfyVLyjb815NHQnM+Gkc75Hxqvblnq3D8K5es/N7Wiifi9aMqapw9Z5k5NbJLknzPM32txLqZs6cVtTypUmumXfzvfvOi4T20hJP01Fq2q9G07+UrW97FdO21Xn9GC/i3EtL78sr9uq2VUaN9k6kl4vLH8p+85ihH1l4lvjmPdevKo1bNay6RSSS9yGcMhepH99508M8IWzRK6eL9I63hGHyJ1G9ErW5ts5y16kvG/wCdzqKuISoZF9qTevev8I5WFS079dGGDbdNmDBt8mFW9zV4JxB0pr2Xe68uXeZ1bXUdhoZm78lf/Ay5VTpjq7z3Ow4nUjUhCUKrs5K19Mt3azfiYvabDSdO8qkc6vFrk7etr5M1pcHqRwUssbu2da32s3ZeLT8jm8fVTalmesZRcZbxna2XvXf3HJUKu0vw2Tj3NbaOSx9OKisrvos3VSa2/Mp4b7L8S/jMNLXpfUoxVhdLWVP8HaxtOBJjGwqMjuIyV3HJBJkbYsmRyZkuhsoGxrYjY25mdDVICNiNiFC6QXABAJABBSCQAAAAFTEAAJIsliyumSxY2HoXSJkyWLK8WSRZqihFIuYeok/WTaaa0+DLNCMXfV5rXSeztdv4IoRZNSnZp9P2zdjsz3JfjhJRgpWaTLmAdlrza+Bs8SyPCR9E4vM4JvS7a1slfS3N+RlRhlgkt273/I3/AB62jn1fJafsZiI2k+4s8M0kn4keLjeV/aSfvWvxuTYDRt9F+qNu+wq3vGa2Lr+rHxbMrLqWMRWzJLp+f7QuW1n3a+LuEf1Rlxrghrl6tnyJ+HWTd93s+XmVqm7sTUY6ktbQUv66O+7MSmouE23BpZVfbnp3MxO1HA8tWWSPq1Hng+k0/XiUMZiqmGoOrF81GN7NKUuq7tfcjCo9tMUpJ1Z+limm4SjFK19VFxSy3V15nIrHc5Hctfkd8aHkw/rwzTp8Hk3JON8ydlzutdji+LRUas4q3qu2jT1W+3fc7TtR26hUpypYWDSnHLKrL1Wr7qEVrtpd+7mefzYmrb/s1o6HxcNR5I5MibFkyKTMV0dGULJkbkEmMbMt0OmQbGhcBQzQAAhAAAABIgAAAAogAAoCCgAD0xgqZZENEsWSwZXTJYsdFCqRYTJIMr5iSDNcX3EUjW4TVtUUXbLPR30Wztry108zoIUXJqMtLKyvpe2jRx6Z1nA+IOrBRkm6kHrJ2tKL0V17Wjv4J73Olhy99HM+ZjaXNEmLo+qrL7N15X+bFoULQba5o1ZxSa5p3UvGxPJN2TilGN9Fr37+ZrnL20cp5nx0YlGld3exLOXqZest/C6/U0MThtM0dufmUJU3dLp+tvkNm1XcFfLuQxhqWMIvWQqh69vA0v4XJKM7WTV2/O3yC8iXZ/ZF32/4M/ttiMuGo0/anKb8IKy/8nwOIcjd7Y4tyrqHKlGy78zzN/FLyOdlI5tXo7PwsfHDP6FkyGchZyIpMx5bN8yMmyKTHTZFJmG6NEoGxoNiCGNSAAAqSAAAAIKIAAAABAAAoAAgAKSAAIAAOTJIsiQ5MvLK0iZMliyumSRY+KE0iwpHSdh6ieJyNpOUbxvzlHXKu9rN7jl4yJKVVxacW000007NNapprZmqcmjPmxK5cv7PVcVg5J6eO+mqat8WLSqKzjZp2SZmdlu0brU3CpaVaCu7/wA9NWWbvetn7/DosFjIreld8mvjdM3xldTvWzzOfC8dcK7DOGYR3tKN09V4J9B64QnN32W5coYuKl/qU3v9uDdkuTs1dGliKsHpTer1b5++24u8tqv2VmJc72cTxLCZa0oJdGn1OvVHPh6cIuObKlLxumlfy+BWq0U6ilKKvdWbV7Nf4Mzthxv6HhX6P/rVm4QezirevUS6LRLvaIz5uUz+B2DG7rh77HnvbGtfHVrNNRkoJrb1IqL+KZhSkNchkpGash6LHj4ypX0LKRHJhJkbZmux8yJJkbY5sjZnpj5QoAAssAAIAAAAAAKAAAgAAEgAABAAAASAAAAA5MaBKZA9MemRJjky6ZRomTHpkCY9MYqFuS1hcTKnNTpycZR1TXLlz3XcdNw7t5XpyTdOjJc1apFvvTztJ99vI5FMdcdORrsmIyYMd96Wz1Gn/wATqF3mw1RKytllCTe17ttW+PkSf8ycNKtTSo1YU7tSqScc0b7NQi3db318LnlVwuHNif4WL0dj257UTq4icKFX/QjlUfRuym8kXKTktXq2rXtoclUquTvJuT6ttu3iyO4hDvY7HimFpIc2MlIGxjZSqHJA2MbBsaxLoakDEACjZcQAAgAAAAkAAAABRAAgAAAJAAAAAAAAEFAAAAAAABUxADZA5McmRjkWTIaJVIXMRXFuW5lHJKmLchuLctzI4kjkJmI7iXI5k8R7kNbG3Aq6LKQbEACuywCABAAAAAAAABIAAAAAFhQIFAAIAAEAAFAAAAAQAAUQAAAAAAAFAAAUAAsQAAAEAIAASAABAAIAEEigIAAAoAAAAAAAAAAAAASQf//Z">
-            <a:hlinkClick r:id="rId2"/>
-          </p:cNvPr>
-          <p:cNvSpPr>
-            <a:spLocks noChangeAspect="1" noChangeArrowheads="1"/>
-          </p:cNvSpPr>
-          <p:nvPr/>
-        </p:nvSpPr>
-        <p:spPr bwMode="auto">
-          <a:xfrm>
-            <a:off x="0" y="-1690688"/>
-            <a:ext cx="4714875" cy="3533776"/>
-          </a:xfrm>
-          <a:prstGeom prst="rect">
-            <a:avLst/>
-          </a:prstGeom>
-          <a:noFill/>
-          <a:extLst>
-            <a:ext uri="{909E8E84-426E-40dd-AFC4-6F175D3DCCD1}">
-              <a14:hiddenFill xmlns="" xmlns:a14="http://schemas.microsoft.com/office/drawing/2010/main">
-                <a:solidFill>
-                  <a:srgbClr val="FFFFFF"/>
-                </a:solidFill>
-              </a14:hiddenFill>
-            </a:ext>
-          </a:extLst>
-        </p:spPr>
-        <p:txBody>
-          <a:bodyPr vert="horz" wrap="square" lIns="91440" tIns="45720" rIns="91440" bIns="45720" numCol="1" anchor="t" anchorCtr="0" compatLnSpc="1">
-            <a:prstTxWarp prst="textNoShape">
-              <a:avLst/>
-            </a:prstTxWarp>
-          </a:bodyPr>
-          <a:lstStyle/>
-          <a:p>
-            <a:endParaRPr lang="en-US"/>
-          </a:p>
-        </p:txBody>
-      </p:sp>
-      <p:sp>
-        <p:nvSpPr>
-          <p:cNvPr id="5" name="AutoShape 4" descr="data:image/jpeg;base64,/9j/4AAQSkZJRgABAQAAAQABAAD/2wCEAAkGBxQSEBQUEBQUFBQUFRQUFRQUFRQVFBUQFRQWFhUUFBQYHCggGBolHBQUITEhJSkrLi4uFx8zODMsNygtLisBCgoKDg0OGhAQGywkHyQsLCwsLCwsLCwsLCwsLCwsLDcsLCwsLCwsLCwsLCwtLCwsLCwsLCwsLCwsLCwsLCwsLP/AABEIAMIBAwMBIgACEQEDEQH/xAAbAAABBQEBAAAAAAAAAAAAAAAAAQIDBAUGB//EAD8QAAIBAgQDBAYIBQIHAAAAAAABAgMRBBIhMQVBUQZhcYETIlKRodEUFjKSk7HB8BVCU2LxI6IHFzOCs9Lh/8QAGgEAAgMBAQAAAAAAAAAAAAAAAAMBAgQFBv/EACoRAAMAAgEEAgICAQUBAAAAAAABAgMREhMhMVEEQWFxFCKRMlKBofAF/9oADAMBAAIRAxEAPwDJ9A2O+iSfI6dcEkS4XByhLRX6pq6PWP5C+jzPBnKvh097EMsO1ud7PK9LNPvWhmY/AaOyV+4iPk78hUaOTdMR0zVlh+4fHBpof1ELMfIPjRNeOA7ieOBSW5V5UToxfobFjg3d3N2GFfcP+jW3KvMToxVh7rXdDvoj3sb0MKnsienSS0aFvMWUGAsLtfbe/UR0Vrp4HRrCq1lqviNfD3/LsV6yLcGcvUw76DYUbnSTwf8Abby0BYFX2LdZFeDOf+j9zJ6WHturLwOgjgLrkOqYK3Io86LdNmbSoPl/8JHSfK/gXKdNrbfoXMMk36y18LCqyaLqdkXD820k/cTVoW2NGMIr/I/0Sf7uZnk77NKjtow6bTfrF5YKCSLU8NFcl5onpQi13kVk9EzHsjw0FbTclp0FcZVoNPSNxv0vLuhT2/AxNLyWlhbkiwKIKfEY9xao46L0Yt80Nngxjw8VsROFi7Jq10U687K+hEtsmkkR1Ioo1pLmtO8hxvEWtvgY2Ix1+vmaseJsy3lSNKVSPd70IYjqAaOkJ6p1UcRFc0TLEqXsv8zkPW6v3jlKXVg/jL2UXyPwdddPoRzpR52scsqkupJGvNcyP47X2T10/o3atCm1yKMsLFa6MpfSJE1DiTirON14lljteCruX5FqUly9yGqkugrxsX/J738hHily08kXSoo3I6OHfIllhmV/pH9xNDHyXNNd6uVaolOQi5R6Ezxye8L96I/pq5wXldEka9Pvj5X/ACKte0WT9MlU6cusWLCKT9Wb89hIyVtHHx1TGTs9nHyKaLbLtKrbdxZYdCnLW2vcZEaea+VN5VmlZ7LqReks92rdepXp78MusmvKNith0vsPyZA6La9ZW8y32couo3OTvGOiT5z318P1RrYvhkJ7LK+q0170ZrzrHfFmmMDyRyRyk8Jb+ZE8MVlaskyvjaWSTTvo9+pRlVXJs1zPNbMjrg9Ghisbm29VkFLHuJSdbzGwkm9NPF2/QasS1oo8j3s1/wCIZufxIp4icdVdkNKlBfbfle/6FiOPhH7KfiL4peEX5b8snpccdrSpy8UEuJZnovvKxVq8Sb2jf4sz8RjZc1FeL/QFhT+iXlfs2VinzUfeOp1Yve8fDY5eePlyt5L5kf02fUZ/GZXro7SniIraV/Mjxs09nbyucXLEPqN9PLq/eQvi997J/kbWtG9iIf3fD9CnVw66v99xlTqy6silUl1Hzia+xTpMvy33Ay8z6gM6ZGzp/RhkJsgmUTsUR+j7hPRkmUXKGydkTihvoyfIGQNgQOmKqSJlAdlDZBWdDoJ6Is5RbByAqqAmUt5RuUOQDITaHeizbPV8ur7h0YNvRXfRG7wLg0vSKdVZVHVJ7uXLTlbfyFZcs41tj8WKslKUafA+HLD01mXry1m/Z6R8F+ZS45wOVWrmpJK69dt210S08Eb1Z8uunkPiun7scRZ7V9T7O28EVHT+kQcPwcaNNQjy3fWXNsj4ljHSo1KiWbJGU7e1GKzSSfJ2Tt3juIY2NGLnOSUe925N6e5nOY/tbgsRRnRjVnJ1acotUadSU4xlGz/lsnqVmat8mt+y1XMLinouYmph8bhs6m4wcc+a+WVO2ubut+VzBx0KdSrGlQUXVkr2jK0bR+1JJK1ravvSt34HAu1OCpYdwcatKOZwlecZTlCSup5bK+1tF07xmH7R4WnCjTh6erKlLMp08sZJtSu1NSV276rmnZ7WOhji4bU7/H/v8GDI1enSX5LS1Wnh5rRrxQquiguPSrz9JFScIWjVjJU/SLNpCajF5qlmtWo8zXdM6c02u/k5uSOLIc451fAc6Y10yexXbEqYh29XS/PmUpRZbdMa4FlpA22UnAFEtumJ6MtyIK3oxrpltwGuBGySo4DXSLEojZE7JKzpgTWAtsNnM/WjGf1V+HT+Qv1oxn9Vfh0/kYecVTELFPtm/gvS/wAG39Z8Z/UX3KfyF+s+M/qL7lP5GKqgvpC3Sn2yvBekbP1oxnt/7KfyFXajF+3/ALKfyMZTFUyejPsjivSNf624r21+HT+Qq7X4r21+HD5GRcS4dD8hxn0a67YYn21+HD5B9b8V7a/Dh8jKQ5EdD8hqPRq/W3Fe2vw4fIY+1+Kv9tfh0/kZdTXT3kaplaxPfZkqY+0dzwXt7XglZUb7O8bSfjrt4HVcG7cyqSaqZItW0SaTT72ePwoE0NNvgJv4PPuyVkc/6We4Vu1UVZ5o28iHF9p1LSNSMX/blv46s8upT9Sybbko78tXfX3FaVLuCf8A5K87/wChL+bb2j0TjPGadSmo1pKtbVZ1FNPrG0TjeIVc1f0kIxhFpJqDcb252va5mVaew6lT9WXXS3luaI+Bw8MVWVvuzMxs71JWit+Sf5C4fETg04qN01JXV7S31XPwL1Gkno/AijC3lf4Dl8T2xvVXjQ+PaKrGpUqPLGpUd3KMIXvzVstktForEkO1OIenpNW/Yht4ZDLnS1IJpxaa3WvuM9YXD89h2pr67nQT49iuVSPnGn/6jZdoMT/Uj9ym/wBCrKeiIKhor4qX2xMtP6RffaLE/wBRfcp/IZ9YsV7cfuQ+RQbGsV0PyXSn0jRfaLE+2vuQ+Qn1hxXtL7kPkZ2YFIno/kNL0jR+sGK9pfdh8g/j+K9pfdh8jPchrmT0V7YcV6Rpfx7E9V92HyB8cxHtL7sPkZjmJ6QOml9sngvSNF8cr9f9sPkBmZwI4L/cyeC9IpqoLnKimOznLWdm1wW1MdnKsZDs42c5TgWVMcplaMx6kOnMVcFjOKpFdSHZhyylHJYjIdF3ILl/hEVKo1LbK/fdDJrb0Lyf1lsjjSJ/QW3NGrhVF6a3+Hf++hWpVLtrl8jXMoy9XktoZOnb3C0adn3lmEM2y6a9CxSwzzPQZpCay6XchjD9/vxJKcPibWGwrlTy+zr3W5/mixS4S1rbmLeWV2Zjr5CMWph3lVyGMbfvqjrv4U5KStyfz/QxuIYBxtpuviRjzTXYrGb6Zi0qXr2t/Nsut9iJ0naT8f1uzd+htWlzbk/DLFv82VKuBeSTWyir+co/MusiHzm7nN4iWWcbc0rjMS023ZLuWxPxKi7rTZPyKsneLvvb48/1EX5aOnGmk0S4evmj3rf9GEmUsM7TXfoy1NlceV3Hf67F6jVdhHIa5DJMY2LdllJK5CORDmEcivVLcSXOI5kOYRyFvMWUErmNcyGUxucTWcuoJ84hDmEKdcngU1IcpENxyZyVRtck+cVMhTFUhiyC3JOpDlMr5h8WOnIUclhSJEytGRLFmibF1JMmWuH11Gavono30XUppjoM1Y7aaaFXKaaZ1lKhCe01brfT3hKEFHTfZfDUxeFL1n4a95rRhdpdTp4/7Lkzk5MfCtbNHh1NNL962RtfwxqGduyUkted7kXCsJaUI25Xcn1OhxmHUMNNy1baS+8rP8/cZ8uXVJL7OdW7ba8dzMwsdY7b37mk18Do4RVloY2Jx0MPhpVZRzZdIx2vOTslfkvkcTX7S4mc7+llHW6jC0UtdtN143FdGsz7dtDvj4aa2enVHOL9RQt1d73fKxh4rDNztJJWXW+hW4PxytUllqNTTTu7JNabpoq4rtFTzuCptxWmbMtk911DHgyRWtd/wKyTVvU/Rr4eFNtRbUUrq8tN0k9fM0uIcHXoHGFszittdPLx+ByGIxdN2efLfrq/NI0+AYucZ2hUzU3JKyira26q6DLgtLkn4+mWw2ktXPn7OV7R8OlTntpZL/usc7OlbTbu8T2HtHg41Kadldyjvz11/M4DjPDMinLLztba22vvYzH8hZJW/JvxZOD4M46rKz03ROqmZJ9URYvWTGYV+r4Nmabayufo6mtymSOQxyEmxGyKolIGxkpCSkRtmerGJD3IY5jHIbJiayDFI/MNchmYa5CHkLqSXOIR3AX1CeBCKIAkeLccmMFuSRoeh6ZEmKmSnoq0TRZNFleLJYs046E0ie5JBle5LTZsx13E0jY4R/M/BHTcKwTzrMmua5fvdHDRNXAcbq0dYSzJfyVLyjb815NHQnM+Gkc75Hxqvblnq3D8K5es/N7Wiifi9aMqapw9Z5k5NbJLknzPM32txLqZs6cVtTypUmumXfzvfvOi4T20hJP01Fq2q9G07+UrW97FdO21Xn9GC/i3EtL78sr9uq2VUaN9k6kl4vLH8p+85ihH1l4lvjmPdevKo1bNay6RSSS9yGcMhepH99508M8IWzRK6eL9I63hGHyJ1G9ErW5ts5y16kvG/wCdzqKuISoZF9qTevev8I5WFS079dGGDbdNmDBt8mFW9zV4JxB0pr2Xe68uXeZ1bXUdhoZm78lf/Ay5VTpjq7z3Ow4nUjUhCUKrs5K19Mt3azfiYvabDSdO8qkc6vFrk7etr5M1pcHqRwUssbu2da32s3ZeLT8jm8fVTalmesZRcZbxna2XvXf3HJUKu0vw2Tj3NbaOSx9OKisrvos3VSa2/Mp4b7L8S/jMNLXpfUoxVhdLWVP8HaxtOBJjGwqMjuIyV3HJBJkbYsmRyZkuhsoGxrYjY25mdDVICNiNiFC6QXABAJABBSCQAAAAFTEAAJIsliyumSxY2HoXSJkyWLK8WSRZqihFIuYeok/WTaaa0+DLNCMXfV5rXSeztdv4IoRZNSnZp9P2zdjsz3JfjhJRgpWaTLmAdlrza+Bs8SyPCR9E4vM4JvS7a1slfS3N+RlRhlgkt273/I3/AB62jn1fJafsZiI2k+4s8M0kn4keLjeV/aSfvWvxuTYDRt9F+qNu+wq3vGa2Lr+rHxbMrLqWMRWzJLp+f7QuW1n3a+LuEf1Rlxrghrl6tnyJ+HWTd93s+XmVqm7sTUY6ktbQUv66O+7MSmouE23BpZVfbnp3MxO1HA8tWWSPq1Hng+k0/XiUMZiqmGoOrF81GN7NKUuq7tfcjCo9tMUpJ1Z+limm4SjFK19VFxSy3V15nIrHc5Hctfkd8aHkw/rwzTp8Hk3JON8ydlzutdji+LRUas4q3qu2jT1W+3fc7TtR26hUpypYWDSnHLKrL1Wr7qEVrtpd+7mefzYmrb/s1o6HxcNR5I5MibFkyKTMV0dGULJkbkEmMbMt0OmQbGhcBQzQAAhAAAABIgAAAAogAAoCCgAD0xgqZZENEsWSwZXTJYsdFCqRYTJIMr5iSDNcX3EUjW4TVtUUXbLPR30Wztry108zoIUXJqMtLKyvpe2jRx6Z1nA+IOrBRkm6kHrJ2tKL0V17Wjv4J73Olhy99HM+ZjaXNEmLo+qrL7N15X+bFoULQba5o1ZxSa5p3UvGxPJN2TilGN9Fr37+ZrnL20cp5nx0YlGld3exLOXqZest/C6/U0MThtM0dufmUJU3dLp+tvkNm1XcFfLuQxhqWMIvWQqh69vA0v4XJKM7WTV2/O3yC8iXZ/ZF32/4M/ttiMuGo0/anKb8IKy/8nwOIcjd7Y4tyrqHKlGy78zzN/FLyOdlI5tXo7PwsfHDP6FkyGchZyIpMx5bN8yMmyKTHTZFJmG6NEoGxoNiCGNSAAAqSAAAAIKIAAAABAAAoAAgAKSAAIAAOTJIsiQ5MvLK0iZMliyumSRY+KE0iwpHSdh6ieJyNpOUbxvzlHXKu9rN7jl4yJKVVxacW000007NNapprZmqcmjPmxK5cv7PVcVg5J6eO+mqat8WLSqKzjZp2SZmdlu0brU3CpaVaCu7/wA9NWWbvetn7/DosFjIreld8mvjdM3xldTvWzzOfC8dcK7DOGYR3tKN09V4J9B64QnN32W5coYuKl/qU3v9uDdkuTs1dGliKsHpTer1b5++24u8tqv2VmJc72cTxLCZa0oJdGn1OvVHPh6cIuObKlLxumlfy+BWq0U6ilKKvdWbV7Nf4Mzthxv6HhX6P/rVm4QezirevUS6LRLvaIz5uUz+B2DG7rh77HnvbGtfHVrNNRkoJrb1IqL+KZhSkNchkpGash6LHj4ypX0LKRHJhJkbZmux8yJJkbY5sjZnpj5QoAAssAAIAAAAAAKAAAgAAEgAABAAAASAAAAA5MaBKZA9MemRJjky6ZRomTHpkCY9MYqFuS1hcTKnNTpycZR1TXLlz3XcdNw7t5XpyTdOjJc1apFvvTztJ99vI5FMdcdORrsmIyYMd96Wz1Gn/wATqF3mw1RKytllCTe17ttW+PkSf8ycNKtTSo1YU7tSqScc0b7NQi3db318LnlVwuHNif4WL0dj257UTq4icKFX/QjlUfRuym8kXKTktXq2rXtoclUquTvJuT6ttu3iyO4hDvY7HimFpIc2MlIGxjZSqHJA2MbBsaxLoakDEACjZcQAAgAAAAkAAAABRAAgAAAJAAAAAAAAEFAAAAAAABUxADZA5McmRjkWTIaJVIXMRXFuW5lHJKmLchuLctzI4kjkJmI7iXI5k8R7kNbG3Aq6LKQbEACuywCABAAAAAAAABIAAAAAFhQIFAAIAAEAAFAAAAAQAAUQAAAAAAAFAAAUAAsQAAAEAIAASAABAAIAEEigIAAAoAAAAAAAAAAAAASQf//Z">
-            <a:hlinkClick r:id="rId2"/>
-          </p:cNvPr>
-          <p:cNvSpPr>
-            <a:spLocks noChangeAspect="1" noChangeArrowheads="1"/>
-          </p:cNvSpPr>
-          <p:nvPr/>
-        </p:nvSpPr>
-        <p:spPr bwMode="auto">
-          <a:xfrm>
-            <a:off x="152400" y="-1538288"/>
-            <a:ext cx="4714875" cy="3533776"/>
-          </a:xfrm>
-          <a:prstGeom prst="rect">
-            <a:avLst/>
-          </a:prstGeom>
-          <a:noFill/>
-          <a:extLst>
-            <a:ext uri="{909E8E84-426E-40dd-AFC4-6F175D3DCCD1}">
-              <a14:hiddenFill xmlns="" xmlns:a14="http://schemas.microsoft.com/office/drawing/2010/main">
-                <a:solidFill>
-                  <a:srgbClr val="FFFFFF"/>
-                </a:solidFill>
-              </a14:hiddenFill>
-            </a:ext>
-          </a:extLst>
-        </p:spPr>
-        <p:txBody>
-          <a:bodyPr vert="horz" wrap="square" lIns="91440" tIns="45720" rIns="91440" bIns="45720" numCol="1" anchor="t" anchorCtr="0" compatLnSpc="1">
-            <a:prstTxWarp prst="textNoShape">
-              <a:avLst/>
-            </a:prstTxWarp>
-          </a:bodyPr>
-          <a:lstStyle/>
-          <a:p>
-            <a:endParaRPr lang="en-US"/>
-          </a:p>
-        </p:txBody>
-      </p:sp>
-      <p:pic>
-        <p:nvPicPr>
-          <p:cNvPr id="1029" name="Picture 5"/>
-          <p:cNvPicPr>
-            <a:picLocks noChangeAspect="1" noChangeArrowheads="1"/>
-          </p:cNvPicPr>
-          <p:nvPr/>
-        </p:nvPicPr>
-        <p:blipFill>
-          <a:blip r:embed="rId3">
-            <a:extLst>
-              <a:ext uri="{28A0092B-C50C-407E-A947-70E740481C1C}">
-                <a14:useLocalDpi xmlns:a14="http://schemas.microsoft.com/office/drawing/2010/main" val="0"/>
-              </a:ext>
-            </a:extLst>
-          </a:blip>
-          <a:srcRect/>
-          <a:stretch>
-            <a:fillRect/>
-          </a:stretch>
-        </p:blipFill>
-        <p:spPr bwMode="auto">
-          <a:xfrm>
-            <a:off x="3581400" y="3600450"/>
-            <a:ext cx="4343400" cy="3257550"/>
-          </a:xfrm>
-          <a:prstGeom prst="rect">
-            <a:avLst/>
-          </a:prstGeom>
-          <a:noFill/>
-          <a:ln>
-            <a:noFill/>
-          </a:ln>
-          <a:extLst>
-            <a:ext uri="{909E8E84-426E-40dd-AFC4-6F175D3DCCD1}">
-              <a14:hiddenFill xmlns="" xmlns:a14="http://schemas.microsoft.com/office/drawing/2010/main">
-                <a:solidFill>
-                  <a:schemeClr val="accent1"/>
-                </a:solidFill>
-              </a14:hiddenFill>
-            </a:ext>
-            <a:ext uri="{91240B29-F687-4f45-9708-019B960494DF}">
-              <a14:hiddenLine xmlns="" xmlns:a14="http://schemas.microsoft.com/office/drawing/2010/main" w="9525">
-                <a:solidFill>
-                  <a:schemeClr val="tx1"/>
-                </a:solidFill>
-                <a:miter lim="800000"/>
-                <a:headEnd/>
-                <a:tailEnd/>
-              </a14:hiddenLine>
-            </a:ext>
-          </a:extLst>
-        </p:spPr>
-      </p:pic>
-      <p:sp>
-        <p:nvSpPr>
-          <p:cNvPr id="6" name="Right Arrow 5"/>
-          <p:cNvSpPr/>
-          <p:nvPr/>
-        </p:nvSpPr>
-        <p:spPr>
-          <a:xfrm>
-            <a:off x="202816" y="3657600"/>
-            <a:ext cx="4064384" cy="990600"/>
-          </a:xfrm>
-          <a:prstGeom prst="rightArrow">
-            <a:avLst/>
-          </a:prstGeom>
-        </p:spPr>
-        <p:style>
-          <a:lnRef idx="2">
-            <a:schemeClr val="accent1">
-              <a:shade val="50000"/>
-            </a:schemeClr>
-          </a:lnRef>
-          <a:fillRef idx="1">
-            <a:schemeClr val="accent1"/>
-          </a:fillRef>
-          <a:effectRef idx="0">
-            <a:schemeClr val="accent1"/>
-          </a:effectRef>
-          <a:fontRef idx="minor">
-            <a:schemeClr val="lt1"/>
-          </a:fontRef>
-        </p:style>
-        <p:txBody>
-          <a:bodyPr rtlCol="0" anchor="ctr"/>
-          <a:lstStyle/>
-          <a:p>
-            <a:pPr algn="ctr"/>
-            <a:r>
               <a:rPr lang="en-US"/>
               <a:t>Using </a:t>
             </a:r>
@@ -4872,14 +4872,14 @@
           </a:ln>
           <a:extLst>
             <a:ext uri="{909E8E84-426E-40dd-AFC4-6F175D3DCCD1}">
-              <a14:hiddenFill xmlns="" xmlns:a14="http://schemas.microsoft.com/office/drawing/2010/main">
+              <a14:hiddenFill xmlns:a14="http://schemas.microsoft.com/office/drawing/2010/main" xmlns="">
                 <a:solidFill>
                   <a:schemeClr val="accent1"/>
                 </a:solidFill>
               </a14:hiddenFill>
             </a:ext>
             <a:ext uri="{91240B29-F687-4f45-9708-019B960494DF}">
-              <a14:hiddenLine xmlns="" xmlns:a14="http://schemas.microsoft.com/office/drawing/2010/main" w="9525">
+              <a14:hiddenLine xmlns:a14="http://schemas.microsoft.com/office/drawing/2010/main" xmlns="" w="9525">
                 <a:solidFill>
                   <a:schemeClr val="tx1"/>
                 </a:solidFill>
@@ -6128,9 +6128,12 @@
 </file>
 
 <file path=customXml/item1.xml><?xml version="1.0" encoding="utf-8"?>
-<p:properties xmlns:p="http://schemas.microsoft.com/office/2006/metadata/properties" xmlns:xsi="http://www.w3.org/2001/XMLSchema-instance" xmlns:pc="http://schemas.microsoft.com/office/infopath/2007/PartnerControls">
-  <documentManagement/>
-</p:properties>
+<?mso-contentType ?>
+<FormTemplates xmlns="http://schemas.microsoft.com/sharepoint/v3/contenttype/forms">
+  <Display>DocumentLibraryForm</Display>
+  <Edit>DocumentLibraryForm</Edit>
+  <New>DocumentLibraryForm</New>
+</FormTemplates>
 </file>
 
 <file path=customXml/item2.xml><?xml version="1.0" encoding="utf-8"?>
@@ -6304,19 +6307,15 @@
 </file>
 
 <file path=customXml/item3.xml><?xml version="1.0" encoding="utf-8"?>
-<?mso-contentType ?>
-<FormTemplates xmlns="http://schemas.microsoft.com/sharepoint/v3/contenttype/forms">
-  <Display>DocumentLibraryForm</Display>
-  <Edit>DocumentLibraryForm</Edit>
-  <New>DocumentLibraryForm</New>
-</FormTemplates>
+<p:properties xmlns:p="http://schemas.microsoft.com/office/2006/metadata/properties" xmlns:xsi="http://www.w3.org/2001/XMLSchema-instance" xmlns:pc="http://schemas.microsoft.com/office/infopath/2007/PartnerControls">
+  <documentManagement/>
+</p:properties>
 </file>
 
 <file path=customXml/itemProps1.xml><?xml version="1.0" encoding="utf-8"?>
-<ds:datastoreItem xmlns:ds="http://schemas.openxmlformats.org/officeDocument/2006/customXml" ds:itemID="{A396EFD4-1250-457A-AB4B-16A5266B50A5}">
+<ds:datastoreItem xmlns:ds="http://schemas.openxmlformats.org/officeDocument/2006/customXml" ds:itemID="{B83796DB-86E9-4D44-9BCB-A762264A5AFE}">
   <ds:schemaRefs>
-    <ds:schemaRef ds:uri="http://schemas.microsoft.com/office/2006/metadata/properties"/>
-    <ds:schemaRef ds:uri="http://schemas.microsoft.com/office/infopath/2007/PartnerControls"/>
+    <ds:schemaRef ds:uri="http://schemas.microsoft.com/sharepoint/v3/contenttype/forms"/>
   </ds:schemaRefs>
 </ds:datastoreItem>
 </file>
@@ -6340,9 +6339,10 @@
 </file>
 
 <file path=customXml/itemProps3.xml><?xml version="1.0" encoding="utf-8"?>
-<ds:datastoreItem xmlns:ds="http://schemas.openxmlformats.org/officeDocument/2006/customXml" ds:itemID="{B83796DB-86E9-4D44-9BCB-A762264A5AFE}">
+<ds:datastoreItem xmlns:ds="http://schemas.openxmlformats.org/officeDocument/2006/customXml" ds:itemID="{A396EFD4-1250-457A-AB4B-16A5266B50A5}">
   <ds:schemaRefs>
-    <ds:schemaRef ds:uri="http://schemas.microsoft.com/sharepoint/v3/contenttype/forms"/>
+    <ds:schemaRef ds:uri="http://schemas.microsoft.com/office/2006/metadata/properties"/>
+    <ds:schemaRef ds:uri="http://schemas.microsoft.com/office/infopath/2007/PartnerControls"/>
   </ds:schemaRefs>
 </ds:datastoreItem>
 </file>
--- a/ClassMaterials/Encapsulation/Slides/Part6-Encapsulation.pptx
+++ b/ClassMaterials/Encapsulation/Slides/Part6-Encapsulation.pptx
@@ -223,7 +223,7 @@
           <a:p>
             <a:fld id="{4F942F4A-6994-3A49-9461-EE810FAF072D}" type="datetimeFigureOut">
               <a:rPr lang="en-US" smtClean="0"/>
-              <a:t>8/11/2023</a:t>
+              <a:t>9/12/2023</a:t>
             </a:fld>
             <a:endParaRPr lang="en-US"/>
           </a:p>
@@ -304,6 +304,93 @@
   </p:cSld>
   <p:clrMap bg1="lt1" tx1="dk1" bg2="lt2" tx2="dk2" accent1="accent1" accent2="accent2" accent3="accent3" accent4="accent4" accent5="accent5" accent6="accent6" hlink="hlink" folHlink="folHlink"/>
 </p:handoutMaster>
+</file>
+
+<file path=ppt/ink/ink1.xml><?xml version="1.0" encoding="utf-8"?>
+<inkml:ink xmlns:inkml="http://www.w3.org/2003/InkML">
+  <inkml:definitions>
+    <inkml:context xml:id="ctx0">
+      <inkml:inkSource xml:id="inkSrc0">
+        <inkml:traceFormat>
+          <inkml:channel name="X" type="integer" min="-2.14748E9" max="2.14748E9" units="cm"/>
+          <inkml:channel name="Y" type="integer" min="-2.14748E9" max="2.14748E9" units="cm"/>
+        </inkml:traceFormat>
+        <inkml:channelProperties>
+          <inkml:channelProperty channel="X" name="resolution" value="1000" units="1/cm"/>
+          <inkml:channelProperty channel="Y" name="resolution" value="1000" units="1/cm"/>
+        </inkml:channelProperties>
+      </inkml:inkSource>
+      <inkml:timestamp xml:id="ts0" timeString="2023-09-12T17:51:58.147"/>
+    </inkml:context>
+    <inkml:brush xml:id="br0">
+      <inkml:brushProperty name="width" value="0.3" units="cm"/>
+      <inkml:brushProperty name="height" value="0.6" units="cm"/>
+      <inkml:brushProperty name="color" value="#FFFC00"/>
+      <inkml:brushProperty name="tip" value="rectangle"/>
+      <inkml:brushProperty name="rasterOp" value="maskPen"/>
+      <inkml:brushProperty name="ignorePressure" value="1"/>
+    </inkml:brush>
+  </inkml:definitions>
+  <inkml:trace contextRef="#ctx0" brushRef="#br0">7344 2,'-172'-2,"-182"5,226 11,-34 0,59-15,33 0,1 2,-100 14,35 11,-2-6,-194 3,142-11,3 2,-3483-16,3379-11,28-1,197 14,22 1,0-2,-68-10,41 2,-124-2,-25-2,56 2,136 11</inkml:trace>
+</inkml:ink>
+</file>
+
+<file path=ppt/ink/ink2.xml><?xml version="1.0" encoding="utf-8"?>
+<inkml:ink xmlns:inkml="http://www.w3.org/2003/InkML">
+  <inkml:definitions>
+    <inkml:context xml:id="ctx0">
+      <inkml:inkSource xml:id="inkSrc0">
+        <inkml:traceFormat>
+          <inkml:channel name="X" type="integer" min="-2.14748E9" max="2.14748E9" units="cm"/>
+          <inkml:channel name="Y" type="integer" min="-2.14748E9" max="2.14748E9" units="cm"/>
+        </inkml:traceFormat>
+        <inkml:channelProperties>
+          <inkml:channelProperty channel="X" name="resolution" value="1000" units="1/cm"/>
+          <inkml:channelProperty channel="Y" name="resolution" value="1000" units="1/cm"/>
+        </inkml:channelProperties>
+      </inkml:inkSource>
+      <inkml:timestamp xml:id="ts0" timeString="2023-09-12T17:51:58.148"/>
+    </inkml:context>
+    <inkml:brush xml:id="br0">
+      <inkml:brushProperty name="width" value="0.3" units="cm"/>
+      <inkml:brushProperty name="height" value="0.6" units="cm"/>
+      <inkml:brushProperty name="color" value="#FFFC00"/>
+      <inkml:brushProperty name="tip" value="rectangle"/>
+      <inkml:brushProperty name="rasterOp" value="maskPen"/>
+      <inkml:brushProperty name="ignorePressure" value="1"/>
+    </inkml:brush>
+  </inkml:definitions>
+  <inkml:trace contextRef="#ctx0" brushRef="#br0">1964 136,'-769'0,"740"-3,0 0,1-2,0-1,-46-16,-26-5,28 16,1 4,-1 3,-102 7,38 0,94-3,1-2,-72-13,-49-18,138 30</inkml:trace>
+</inkml:ink>
+</file>
+
+<file path=ppt/ink/ink3.xml><?xml version="1.0" encoding="utf-8"?>
+<inkml:ink xmlns:inkml="http://www.w3.org/2003/InkML">
+  <inkml:definitions>
+    <inkml:context xml:id="ctx0">
+      <inkml:inkSource xml:id="inkSrc0">
+        <inkml:traceFormat>
+          <inkml:channel name="X" type="integer" min="-2.14748E9" max="2.14748E9" units="cm"/>
+          <inkml:channel name="Y" type="integer" min="-2.14748E9" max="2.14748E9" units="cm"/>
+        </inkml:traceFormat>
+        <inkml:channelProperties>
+          <inkml:channelProperty channel="X" name="resolution" value="1000" units="1/cm"/>
+          <inkml:channelProperty channel="Y" name="resolution" value="1000" units="1/cm"/>
+        </inkml:channelProperties>
+      </inkml:inkSource>
+      <inkml:timestamp xml:id="ts0" timeString="2023-09-12T17:51:58.149"/>
+    </inkml:context>
+    <inkml:brush xml:id="br0">
+      <inkml:brushProperty name="width" value="0.3" units="cm"/>
+      <inkml:brushProperty name="height" value="0.6" units="cm"/>
+      <inkml:brushProperty name="color" value="#FFFC00"/>
+      <inkml:brushProperty name="tip" value="rectangle"/>
+      <inkml:brushProperty name="rasterOp" value="maskPen"/>
+      <inkml:brushProperty name="ignorePressure" value="1"/>
+    </inkml:brush>
+  </inkml:definitions>
+  <inkml:trace contextRef="#ctx0" brushRef="#br0">1 358,'38'-11,"1"2,0 1,57-4,-10 2,1657-217,-1216 153,-135 67,-222 10,-95-3,28-1,157 18,-47 27,-163-33,1-3,72 2,59 10,-92-6,147 4,96-20,-121-1,1439 3,-1649 2,-11 3,-28 11,-56 15,-65 6,-1-7,-325 18,63-24,308-15,-224 9,-1044-19,1113 15,-14 0,61-17,-316 6,370 10,-54 2,-52-17,-198 4,323 11,-40 1,158-14</inkml:trace>
+</inkml:ink>
 </file>
 
 <file path=ppt/notesMasters/notesMaster1.xml><?xml version="1.0" encoding="utf-8"?>
@@ -388,7 +475,7 @@
           <a:p>
             <a:fld id="{11374350-B736-4AC1-A1E7-19777DF1B0E1}" type="datetimeFigureOut">
               <a:rPr lang="en-US" smtClean="0"/>
-              <a:t>8/11/2023</a:t>
+              <a:t>9/12/2023</a:t>
             </a:fld>
             <a:endParaRPr lang="en-US"/>
           </a:p>
@@ -1008,7 +1095,7 @@
           <a:p>
             <a:fld id="{50A519B0-864F-436F-AD10-563B5AD2C023}" type="datetimeFigureOut">
               <a:rPr lang="en-US" smtClean="0"/>
-              <a:t>8/11/2023</a:t>
+              <a:t>9/12/2023</a:t>
             </a:fld>
             <a:endParaRPr lang="en-US"/>
           </a:p>
@@ -1176,7 +1263,7 @@
           <a:p>
             <a:fld id="{50A519B0-864F-436F-AD10-563B5AD2C023}" type="datetimeFigureOut">
               <a:rPr lang="en-US" smtClean="0"/>
-              <a:t>8/11/2023</a:t>
+              <a:t>9/12/2023</a:t>
             </a:fld>
             <a:endParaRPr lang="en-US"/>
           </a:p>
@@ -1354,7 +1441,7 @@
           <a:p>
             <a:fld id="{50A519B0-864F-436F-AD10-563B5AD2C023}" type="datetimeFigureOut">
               <a:rPr lang="en-US" smtClean="0"/>
-              <a:t>8/11/2023</a:t>
+              <a:t>9/12/2023</a:t>
             </a:fld>
             <a:endParaRPr lang="en-US"/>
           </a:p>
@@ -1522,7 +1609,7 @@
           <a:p>
             <a:fld id="{50A519B0-864F-436F-AD10-563B5AD2C023}" type="datetimeFigureOut">
               <a:rPr lang="en-US" smtClean="0"/>
-              <a:t>8/11/2023</a:t>
+              <a:t>9/12/2023</a:t>
             </a:fld>
             <a:endParaRPr lang="en-US"/>
           </a:p>
@@ -1767,7 +1854,7 @@
           <a:p>
             <a:fld id="{50A519B0-864F-436F-AD10-563B5AD2C023}" type="datetimeFigureOut">
               <a:rPr lang="en-US" smtClean="0"/>
-              <a:t>8/11/2023</a:t>
+              <a:t>9/12/2023</a:t>
             </a:fld>
             <a:endParaRPr lang="en-US"/>
           </a:p>
@@ -2052,7 +2139,7 @@
           <a:p>
             <a:fld id="{50A519B0-864F-436F-AD10-563B5AD2C023}" type="datetimeFigureOut">
               <a:rPr lang="en-US" smtClean="0"/>
-              <a:t>8/11/2023</a:t>
+              <a:t>9/12/2023</a:t>
             </a:fld>
             <a:endParaRPr lang="en-US"/>
           </a:p>
@@ -2471,7 +2558,7 @@
           <a:p>
             <a:fld id="{50A519B0-864F-436F-AD10-563B5AD2C023}" type="datetimeFigureOut">
               <a:rPr lang="en-US" smtClean="0"/>
-              <a:t>8/11/2023</a:t>
+              <a:t>9/12/2023</a:t>
             </a:fld>
             <a:endParaRPr lang="en-US"/>
           </a:p>
@@ -2588,7 +2675,7 @@
           <a:p>
             <a:fld id="{50A519B0-864F-436F-AD10-563B5AD2C023}" type="datetimeFigureOut">
               <a:rPr lang="en-US" smtClean="0"/>
-              <a:t>8/11/2023</a:t>
+              <a:t>9/12/2023</a:t>
             </a:fld>
             <a:endParaRPr lang="en-US"/>
           </a:p>
@@ -2683,7 +2770,7 @@
           <a:p>
             <a:fld id="{50A519B0-864F-436F-AD10-563B5AD2C023}" type="datetimeFigureOut">
               <a:rPr lang="en-US" smtClean="0"/>
-              <a:t>8/11/2023</a:t>
+              <a:t>9/12/2023</a:t>
             </a:fld>
             <a:endParaRPr lang="en-US"/>
           </a:p>
@@ -2958,7 +3045,7 @@
           <a:p>
             <a:fld id="{50A519B0-864F-436F-AD10-563B5AD2C023}" type="datetimeFigureOut">
               <a:rPr lang="en-US" smtClean="0"/>
-              <a:t>8/11/2023</a:t>
+              <a:t>9/12/2023</a:t>
             </a:fld>
             <a:endParaRPr lang="en-US"/>
           </a:p>
@@ -3210,7 +3297,7 @@
           <a:p>
             <a:fld id="{50A519B0-864F-436F-AD10-563B5AD2C023}" type="datetimeFigureOut">
               <a:rPr lang="en-US" smtClean="0"/>
-              <a:t>8/11/2023</a:t>
+              <a:t>9/12/2023</a:t>
             </a:fld>
             <a:endParaRPr lang="en-US"/>
           </a:p>
@@ -3421,7 +3508,7 @@
           <a:p>
             <a:fld id="{50A519B0-864F-436F-AD10-563B5AD2C023}" type="datetimeFigureOut">
               <a:rPr lang="en-US" smtClean="0"/>
-              <a:t>8/11/2023</a:t>
+              <a:t>9/12/2023</a:t>
             </a:fld>
             <a:endParaRPr lang="en-US"/>
           </a:p>
@@ -4066,6 +4153,335 @@
           <a:noFill/>
           <a:extLst>
             <a:ext uri="{909E8E84-426E-40dd-AFC4-6F175D3DCCD1}">
+              <a14:hiddenFill xmlns:a14="http://schemas.microsoft.com/office/drawing/2010/main" xmlns="">
+                <a:solidFill>
+                  <a:srgbClr val="FFFFFF"/>
+                </a:solidFill>
+              </a14:hiddenFill>
+            </a:ext>
+          </a:extLst>
+        </p:spPr>
+        <p:txBody>
+          <a:bodyPr vert="horz" wrap="square" lIns="91440" tIns="45720" rIns="91440" bIns="45720" numCol="1" anchor="t" anchorCtr="0" compatLnSpc="1">
+            <a:prstTxWarp prst="textNoShape">
+              <a:avLst/>
+            </a:prstTxWarp>
+          </a:bodyPr>
+          <a:lstStyle/>
+          <a:p>
+            <a:endParaRPr lang="en-US"/>
+          </a:p>
+        </p:txBody>
+      </p:sp>
+      <p:sp>
+        <p:nvSpPr>
+          <p:cNvPr id="5" name="AutoShape 4" descr="data:image/jpeg;base64,/9j/4AAQSkZJRgABAQAAAQABAAD/2wCEAAkGBxQSEBQUEBQUFBQUFRQUFRQUFRQVFBUQFRQWFhUUFBQYHCggGBolHBQUITEhJSkrLi4uFx8zODMsNygtLisBCgoKDg0OGhAQGywkHyQsLCwsLCwsLCwsLCwsLCwsLDcsLCwsLCwsLCwsLCwtLCwsLCwsLCwsLCwsLCwsLCwsLP/AABEIAMIBAwMBIgACEQEDEQH/xAAbAAABBQEBAAAAAAAAAAAAAAAAAQIDBAUGB//EAD8QAAIBAgQDBAYIBQIHAAAAAAABAgMRBBIhMQVBUQZhcYETIlKRodEUFjKSk7HB8BVCU2LxI6IHFzOCs9Lh/8QAGgEAAgMBAQAAAAAAAAAAAAAAAAMBAgQFBv/EACoRAAMAAgEEAgICAQUBAAAAAAABAgMREhMhMVEEQWFxFCKRMlKBofAF/9oADAMBAAIRAxEAPwDJ9A2O+iSfI6dcEkS4XByhLRX6pq6PWP5C+jzPBnKvh097EMsO1ud7PK9LNPvWhmY/AaOyV+4iPk78hUaOTdMR0zVlh+4fHBpof1ELMfIPjRNeOA7ieOBSW5V5UToxfobFjg3d3N2GFfcP+jW3KvMToxVh7rXdDvoj3sb0MKnsienSS0aFvMWUGAsLtfbe/UR0Vrp4HRrCq1lqviNfD3/LsV6yLcGcvUw76DYUbnSTwf8Abby0BYFX2LdZFeDOf+j9zJ6WHturLwOgjgLrkOqYK3Io86LdNmbSoPl/8JHSfK/gXKdNrbfoXMMk36y18LCqyaLqdkXD820k/cTVoW2NGMIr/I/0Sf7uZnk77NKjtow6bTfrF5YKCSLU8NFcl5onpQi13kVk9EzHsjw0FbTclp0FcZVoNPSNxv0vLuhT2/AxNLyWlhbkiwKIKfEY9xao46L0Yt80Nngxjw8VsROFi7Jq10U687K+hEtsmkkR1Ioo1pLmtO8hxvEWtvgY2Ix1+vmaseJsy3lSNKVSPd70IYjqAaOkJ6p1UcRFc0TLEqXsv8zkPW6v3jlKXVg/jL2UXyPwdddPoRzpR52scsqkupJGvNcyP47X2T10/o3atCm1yKMsLFa6MpfSJE1DiTirON14lljteCruX5FqUly9yGqkugrxsX/J738hHily08kXSoo3I6OHfIllhmV/pH9xNDHyXNNd6uVaolOQi5R6Ezxye8L96I/pq5wXldEka9Pvj5X/ACKte0WT9MlU6cusWLCKT9Wb89hIyVtHHx1TGTs9nHyKaLbLtKrbdxZYdCnLW2vcZEaea+VN5VmlZ7LqReks92rdepXp78MusmvKNith0vsPyZA6La9ZW8y32couo3OTvGOiT5z318P1RrYvhkJ7LK+q0170ZrzrHfFmmMDyRyRyk8Jb+ZE8MVlaskyvjaWSTTvo9+pRlVXJs1zPNbMjrg9Ghisbm29VkFLHuJSdbzGwkm9NPF2/QasS1oo8j3s1/wCIZufxIp4icdVdkNKlBfbfle/6FiOPhH7KfiL4peEX5b8snpccdrSpy8UEuJZnovvKxVq8Sb2jf4sz8RjZc1FeL/QFhT+iXlfs2VinzUfeOp1Yve8fDY5eePlyt5L5kf02fUZ/GZXro7SniIraV/Mjxs09nbyucXLEPqN9PLq/eQvi997J/kbWtG9iIf3fD9CnVw66v99xlTqy6silUl1Hzia+xTpMvy33Ay8z6gM6ZGzp/RhkJsgmUTsUR+j7hPRkmUXKGydkTihvoyfIGQNgQOmKqSJlAdlDZBWdDoJ6Is5RbByAqqAmUt5RuUOQDITaHeizbPV8ur7h0YNvRXfRG7wLg0vSKdVZVHVJ7uXLTlbfyFZcs41tj8WKslKUafA+HLD01mXry1m/Z6R8F+ZS45wOVWrmpJK69dt210S08Eb1Z8uunkPiun7scRZ7V9T7O28EVHT+kQcPwcaNNQjy3fWXNsj4ljHSo1KiWbJGU7e1GKzSSfJ2Tt3juIY2NGLnOSUe925N6e5nOY/tbgsRRnRjVnJ1acotUadSU4xlGz/lsnqVmat8mt+y1XMLinouYmph8bhs6m4wcc+a+WVO2ubut+VzBx0KdSrGlQUXVkr2jK0bR+1JJK1ravvSt34HAu1OCpYdwcatKOZwlecZTlCSup5bK+1tF07xmH7R4WnCjTh6erKlLMp08sZJtSu1NSV276rmnZ7WOhji4bU7/H/v8GDI1enSX5LS1Wnh5rRrxQquiguPSrz9JFScIWjVjJU/SLNpCajF5qlmtWo8zXdM6c02u/k5uSOLIc451fAc6Y10yexXbEqYh29XS/PmUpRZbdMa4FlpA22UnAFEtumJ6MtyIK3oxrpltwGuBGySo4DXSLEojZE7JKzpgTWAtsNnM/WjGf1V+HT+Qv1oxn9Vfh0/kYecVTELFPtm/gvS/wAG39Z8Z/UX3KfyF+s+M/qL7lP5GKqgvpC3Sn2yvBekbP1oxnt/7KfyFXajF+3/ALKfyMZTFUyejPsjivSNf624r21+HT+Qq7X4r21+HD5GRcS4dD8hxn0a67YYn21+HD5B9b8V7a/Dh8jKQ5EdD8hqPRq/W3Fe2vw4fIY+1+Kv9tfh0/kZdTXT3kaplaxPfZkqY+0dzwXt7XglZUb7O8bSfjrt4HVcG7cyqSaqZItW0SaTT72ePwoE0NNvgJv4PPuyVkc/6We4Vu1UVZ5o28iHF9p1LSNSMX/blv46s8upT9Sybbko78tXfX3FaVLuCf8A5K87/wChL+bb2j0TjPGadSmo1pKtbVZ1FNPrG0TjeIVc1f0kIxhFpJqDcb252va5mVaew6lT9WXXS3luaI+Bw8MVWVvuzMxs71JWit+Sf5C4fETg04qN01JXV7S31XPwL1Gkno/AijC3lf4Dl8T2xvVXjQ+PaKrGpUqPLGpUd3KMIXvzVstktForEkO1OIenpNW/Yht4ZDLnS1IJpxaa3WvuM9YXD89h2pr67nQT49iuVSPnGn/6jZdoMT/Uj9ym/wBCrKeiIKhor4qX2xMtP6RffaLE/wBRfcp/IZ9YsV7cfuQ+RQbGsV0PyXSn0jRfaLE+2vuQ+Qn1hxXtL7kPkZ2YFIno/kNL0jR+sGK9pfdh8g/j+K9pfdh8jPchrmT0V7YcV6Rpfx7E9V92HyB8cxHtL7sPkZjmJ6QOml9sngvSNF8cr9f9sPkBmZwI4L/cyeC9IpqoLnKimOznLWdm1wW1MdnKsZDs42c5TgWVMcplaMx6kOnMVcFjOKpFdSHZhyylHJYjIdF3ILl/hEVKo1LbK/fdDJrb0Lyf1lsjjSJ/QW3NGrhVF6a3+Hf++hWpVLtrl8jXMoy9XktoZOnb3C0adn3lmEM2y6a9CxSwzzPQZpCay6XchjD9/vxJKcPibWGwrlTy+zr3W5/mixS4S1rbmLeWV2Zjr5CMWph3lVyGMbfvqjrv4U5KStyfz/QxuIYBxtpuviRjzTXYrGb6Zi0qXr2t/Nsut9iJ0naT8f1uzd+htWlzbk/DLFv82VKuBeSTWyir+co/MusiHzm7nN4iWWcbc0rjMS023ZLuWxPxKi7rTZPyKsneLvvb48/1EX5aOnGmk0S4evmj3rf9GEmUsM7TXfoy1NlceV3Hf67F6jVdhHIa5DJMY2LdllJK5CORDmEcivVLcSXOI5kOYRyFvMWUErmNcyGUxucTWcuoJ84hDmEKdcngU1IcpENxyZyVRtck+cVMhTFUhiyC3JOpDlMr5h8WOnIUclhSJEytGRLFmibF1JMmWuH11Gavono30XUppjoM1Y7aaaFXKaaZ1lKhCe01brfT3hKEFHTfZfDUxeFL1n4a95rRhdpdTp4/7Lkzk5MfCtbNHh1NNL962RtfwxqGduyUkted7kXCsJaUI25Xcn1OhxmHUMNNy1baS+8rP8/cZ8uXVJL7OdW7ba8dzMwsdY7b37mk18Do4RVloY2Jx0MPhpVZRzZdIx2vOTslfkvkcTX7S4mc7+llHW6jC0UtdtN143FdGsz7dtDvj4aa2enVHOL9RQt1d73fKxh4rDNztJJWXW+hW4PxytUllqNTTTu7JNabpoq4rtFTzuCptxWmbMtk911DHgyRWtd/wKyTVvU/Rr4eFNtRbUUrq8tN0k9fM0uIcHXoHGFszittdPLx+ByGIxdN2efLfrq/NI0+AYucZ2hUzU3JKyira26q6DLgtLkn4+mWw2ktXPn7OV7R8OlTntpZL/usc7OlbTbu8T2HtHg41Kadldyjvz11/M4DjPDMinLLztba22vvYzH8hZJW/JvxZOD4M46rKz03ROqmZJ9URYvWTGYV+r4Nmabayufo6mtymSOQxyEmxGyKolIGxkpCSkRtmerGJD3IY5jHIbJiayDFI/MNchmYa5CHkLqSXOIR3AX1CeBCKIAkeLccmMFuSRoeh6ZEmKmSnoq0TRZNFleLJYs046E0ie5JBle5LTZsx13E0jY4R/M/BHTcKwTzrMmua5fvdHDRNXAcbq0dYSzJfyVLyjb815NHQnM+Gkc75Hxqvblnq3D8K5es/N7Wiifi9aMqapw9Z5k5NbJLknzPM32txLqZs6cVtTypUmumXfzvfvOi4T20hJP01Fq2q9G07+UrW97FdO21Xn9GC/i3EtL78sr9uq2VUaN9k6kl4vLH8p+85ihH1l4lvjmPdevKo1bNay6RSSS9yGcMhepH99508M8IWzRK6eL9I63hGHyJ1G9ErW5ts5y16kvG/wCdzqKuISoZF9qTevev8I5WFS079dGGDbdNmDBt8mFW9zV4JxB0pr2Xe68uXeZ1bXUdhoZm78lf/Ay5VTpjq7z3Ow4nUjUhCUKrs5K19Mt3azfiYvabDSdO8qkc6vFrk7etr5M1pcHqRwUssbu2da32s3ZeLT8jm8fVTalmesZRcZbxna2XvXf3HJUKu0vw2Tj3NbaOSx9OKisrvos3VSa2/Mp4b7L8S/jMNLXpfUoxVhdLWVP8HaxtOBJjGwqMjuIyV3HJBJkbYsmRyZkuhsoGxrYjY25mdDVICNiNiFC6QXABAJABBSCQAAAAFTEAAJIsliyumSxY2HoXSJkyWLK8WSRZqihFIuYeok/WTaaa0+DLNCMXfV5rXSeztdv4IoRZNSnZp9P2zdjsz3JfjhJRgpWaTLmAdlrza+Bs8SyPCR9E4vM4JvS7a1slfS3N+RlRhlgkt273/I3/AB62jn1fJafsZiI2k+4s8M0kn4keLjeV/aSfvWvxuTYDRt9F+qNu+wq3vGa2Lr+rHxbMrLqWMRWzJLp+f7QuW1n3a+LuEf1Rlxrghrl6tnyJ+HWTd93s+XmVqm7sTUY6ktbQUv66O+7MSmouE23BpZVfbnp3MxO1HA8tWWSPq1Hng+k0/XiUMZiqmGoOrF81GN7NKUuq7tfcjCo9tMUpJ1Z+limm4SjFK19VFxSy3V15nIrHc5Hctfkd8aHkw/rwzTp8Hk3JON8ydlzutdji+LRUas4q3qu2jT1W+3fc7TtR26hUpypYWDSnHLKrL1Wr7qEVrtpd+7mefzYmrb/s1o6HxcNR5I5MibFkyKTMV0dGULJkbkEmMbMt0OmQbGhcBQzQAAhAAAABIgAAAAogAAoCCgAD0xgqZZENEsWSwZXTJYsdFCqRYTJIMr5iSDNcX3EUjW4TVtUUXbLPR30Wztry108zoIUXJqMtLKyvpe2jRx6Z1nA+IOrBRkm6kHrJ2tKL0V17Wjv4J73Olhy99HM+ZjaXNEmLo+qrL7N15X+bFoULQba5o1ZxSa5p3UvGxPJN2TilGN9Fr37+ZrnL20cp5nx0YlGld3exLOXqZest/C6/U0MThtM0dufmUJU3dLp+tvkNm1XcFfLuQxhqWMIvWQqh69vA0v4XJKM7WTV2/O3yC8iXZ/ZF32/4M/ttiMuGo0/anKb8IKy/8nwOIcjd7Y4tyrqHKlGy78zzN/FLyOdlI5tXo7PwsfHDP6FkyGchZyIpMx5bN8yMmyKTHTZFJmG6NEoGxoNiCGNSAAAqSAAAAIKIAAAABAAAoAAgAKSAAIAAOTJIsiQ5MvLK0iZMliyumSRY+KE0iwpHSdh6ieJyNpOUbxvzlHXKu9rN7jl4yJKVVxacW000007NNapprZmqcmjPmxK5cv7PVcVg5J6eO+mqat8WLSqKzjZp2SZmdlu0brU3CpaVaCu7/wA9NWWbvetn7/DosFjIreld8mvjdM3xldTvWzzOfC8dcK7DOGYR3tKN09V4J9B64QnN32W5coYuKl/qU3v9uDdkuTs1dGliKsHpTer1b5++24u8tqv2VmJc72cTxLCZa0oJdGn1OvVHPh6cIuObKlLxumlfy+BWq0U6ilKKvdWbV7Nf4Mzthxv6HhX6P/rVm4QezirevUS6LRLvaIz5uUz+B2DG7rh77HnvbGtfHVrNNRkoJrb1IqL+KZhSkNchkpGash6LHj4ypX0LKRHJhJkbZmux8yJJkbY5sjZnpj5QoAAssAAIAAAAAAKAAAgAAEgAABAAAASAAAAA5MaBKZA9MemRJjky6ZRomTHpkCY9MYqFuS1hcTKnNTpycZR1TXLlz3XcdNw7t5XpyTdOjJc1apFvvTztJ99vI5FMdcdORrsmIyYMd96Wz1Gn/wATqF3mw1RKytllCTe17ttW+PkSf8ycNKtTSo1YU7tSqScc0b7NQi3db318LnlVwuHNif4WL0dj257UTq4icKFX/QjlUfRuym8kXKTktXq2rXtoclUquTvJuT6ttu3iyO4hDvY7HimFpIc2MlIGxjZSqHJA2MbBsaxLoakDEACjZcQAAgAAAAkAAAABRAAgAAAJAAAAAAAAEFAAAAAAABUxADZA5McmRjkWTIaJVIXMRXFuW5lHJKmLchuLctzI4kjkJmI7iXI5k8R7kNbG3Aq6LKQbEACuywCABAAAAAAAABIAAAAAFhQIFAAIAAEAAFAAAAAQAAUQAAAAAAAFAAAUAAsQAAAEAIAASAABAAIAEEigIAAAoAAAAAAAAAAAAASQf//Z">
+            <a:hlinkClick r:id="rId2"/>
+          </p:cNvPr>
+          <p:cNvSpPr>
+            <a:spLocks noChangeAspect="1" noChangeArrowheads="1"/>
+          </p:cNvSpPr>
+          <p:nvPr/>
+        </p:nvSpPr>
+        <p:spPr bwMode="auto">
+          <a:xfrm>
+            <a:off x="152400" y="-1538288"/>
+            <a:ext cx="4714875" cy="3533776"/>
+          </a:xfrm>
+          <a:prstGeom prst="rect">
+            <a:avLst/>
+          </a:prstGeom>
+          <a:noFill/>
+          <a:extLst>
+            <a:ext uri="{909E8E84-426E-40dd-AFC4-6F175D3DCCD1}">
+              <a14:hiddenFill xmlns:a14="http://schemas.microsoft.com/office/drawing/2010/main" xmlns="">
+                <a:solidFill>
+                  <a:srgbClr val="FFFFFF"/>
+                </a:solidFill>
+              </a14:hiddenFill>
+            </a:ext>
+          </a:extLst>
+        </p:spPr>
+        <p:txBody>
+          <a:bodyPr vert="horz" wrap="square" lIns="91440" tIns="45720" rIns="91440" bIns="45720" numCol="1" anchor="t" anchorCtr="0" compatLnSpc="1">
+            <a:prstTxWarp prst="textNoShape">
+              <a:avLst/>
+            </a:prstTxWarp>
+          </a:bodyPr>
+          <a:lstStyle/>
+          <a:p>
+            <a:endParaRPr lang="en-US"/>
+          </a:p>
+        </p:txBody>
+      </p:sp>
+      <p:pic>
+        <p:nvPicPr>
+          <p:cNvPr id="1029" name="Picture 5"/>
+          <p:cNvPicPr>
+            <a:picLocks noChangeAspect="1" noChangeArrowheads="1"/>
+          </p:cNvPicPr>
+          <p:nvPr/>
+        </p:nvPicPr>
+        <p:blipFill>
+          <a:blip r:embed="rId3">
+            <a:extLst>
+              <a:ext uri="{28A0092B-C50C-407E-A947-70E740481C1C}">
+                <a14:useLocalDpi xmlns:a14="http://schemas.microsoft.com/office/drawing/2010/main" val="0"/>
+              </a:ext>
+            </a:extLst>
+          </a:blip>
+          <a:srcRect/>
+          <a:stretch>
+            <a:fillRect/>
+          </a:stretch>
+        </p:blipFill>
+        <p:spPr bwMode="auto">
+          <a:xfrm>
+            <a:off x="3581400" y="3600450"/>
+            <a:ext cx="4343400" cy="3257550"/>
+          </a:xfrm>
+          <a:prstGeom prst="rect">
+            <a:avLst/>
+          </a:prstGeom>
+          <a:noFill/>
+          <a:ln>
+            <a:noFill/>
+          </a:ln>
+          <a:extLst>
+            <a:ext uri="{909E8E84-426E-40dd-AFC4-6F175D3DCCD1}">
+              <a14:hiddenFill xmlns:a14="http://schemas.microsoft.com/office/drawing/2010/main" xmlns="">
+                <a:solidFill>
+                  <a:schemeClr val="accent1"/>
+                </a:solidFill>
+              </a14:hiddenFill>
+            </a:ext>
+            <a:ext uri="{91240B29-F687-4f45-9708-019B960494DF}">
+              <a14:hiddenLine xmlns:a14="http://schemas.microsoft.com/office/drawing/2010/main" xmlns="" w="9525">
+                <a:solidFill>
+                  <a:schemeClr val="tx1"/>
+                </a:solidFill>
+                <a:miter lim="800000"/>
+                <a:headEnd/>
+                <a:tailEnd/>
+              </a14:hiddenLine>
+            </a:ext>
+          </a:extLst>
+        </p:spPr>
+      </p:pic>
+      <p:sp>
+        <p:nvSpPr>
+          <p:cNvPr id="6" name="Right Arrow 5"/>
+          <p:cNvSpPr/>
+          <p:nvPr/>
+        </p:nvSpPr>
+        <p:spPr>
+          <a:xfrm>
+            <a:off x="202816" y="3657600"/>
+            <a:ext cx="4064384" cy="990600"/>
+          </a:xfrm>
+          <a:prstGeom prst="rightArrow">
+            <a:avLst/>
+          </a:prstGeom>
+        </p:spPr>
+        <p:style>
+          <a:lnRef idx="2">
+            <a:schemeClr val="accent1">
+              <a:shade val="50000"/>
+            </a:schemeClr>
+          </a:lnRef>
+          <a:fillRef idx="1">
+            <a:schemeClr val="accent1"/>
+          </a:fillRef>
+          <a:effectRef idx="0">
+            <a:schemeClr val="accent1"/>
+          </a:effectRef>
+          <a:fontRef idx="minor">
+            <a:schemeClr val="lt1"/>
+          </a:fontRef>
+        </p:style>
+        <p:txBody>
+          <a:bodyPr rtlCol="0" anchor="ctr"/>
+          <a:lstStyle/>
+          <a:p>
+            <a:pPr algn="ctr"/>
+            <a:r>
+              <a:rPr lang="en-US" dirty="0"/>
+              <a:t>Using put and get in </a:t>
+            </a:r>
+            <a:r>
+              <a:rPr lang="en-US" dirty="0" err="1"/>
+              <a:t>HashMap</a:t>
+            </a:r>
+            <a:endParaRPr lang="en-US" dirty="0"/>
+          </a:p>
+        </p:txBody>
+      </p:sp>
+      <p:sp>
+        <p:nvSpPr>
+          <p:cNvPr id="7" name="Right Arrow 6"/>
+          <p:cNvSpPr/>
+          <p:nvPr/>
+        </p:nvSpPr>
+        <p:spPr>
+          <a:xfrm>
+            <a:off x="838200" y="4724400"/>
+            <a:ext cx="3988184" cy="2133600"/>
+          </a:xfrm>
+          <a:prstGeom prst="rightArrow">
+            <a:avLst/>
+          </a:prstGeom>
+        </p:spPr>
+        <p:style>
+          <a:lnRef idx="2">
+            <a:schemeClr val="accent1">
+              <a:shade val="50000"/>
+            </a:schemeClr>
+          </a:lnRef>
+          <a:fillRef idx="1">
+            <a:schemeClr val="accent1"/>
+          </a:fillRef>
+          <a:effectRef idx="0">
+            <a:schemeClr val="accent1"/>
+          </a:effectRef>
+          <a:fontRef idx="minor">
+            <a:schemeClr val="lt1"/>
+          </a:fontRef>
+        </p:style>
+        <p:txBody>
+          <a:bodyPr rtlCol="0" anchor="ctr"/>
+          <a:lstStyle/>
+          <a:p>
+            <a:pPr algn="ctr"/>
+            <a:r>
+              <a:rPr lang="en-US" dirty="0"/>
+              <a:t>Implementing </a:t>
+            </a:r>
+            <a:r>
+              <a:rPr lang="en-US" dirty="0" err="1"/>
+              <a:t>HashMap</a:t>
+            </a:r>
+            <a:endParaRPr lang="en-US" dirty="0"/>
+          </a:p>
+        </p:txBody>
+      </p:sp>
+    </p:spTree>
+    <p:extLst>
+      <p:ext uri="{BB962C8B-B14F-4D97-AF65-F5344CB8AC3E}">
+        <p14:creationId xmlns:p14="http://schemas.microsoft.com/office/powerpoint/2010/main" val="3793299068"/>
+      </p:ext>
+    </p:extLst>
+  </p:cSld>
+  <p:clrMapOvr>
+    <a:masterClrMapping/>
+  </p:clrMapOvr>
+</p:sld>
+</file>
+
+<file path=ppt/slides/slide3.xml><?xml version="1.0" encoding="utf-8"?>
+<p:sld xmlns:a="http://schemas.openxmlformats.org/drawingml/2006/main" xmlns:r="http://schemas.openxmlformats.org/officeDocument/2006/relationships" xmlns:p="http://schemas.openxmlformats.org/presentationml/2006/main">
+  <p:cSld>
+    <p:spTree>
+      <p:nvGrpSpPr>
+        <p:cNvPr id="1" name=""/>
+        <p:cNvGrpSpPr/>
+        <p:nvPr/>
+      </p:nvGrpSpPr>
+      <p:grpSpPr>
+        <a:xfrm>
+          <a:off x="0" y="0"/>
+          <a:ext cx="0" cy="0"/>
+          <a:chOff x="0" y="0"/>
+          <a:chExt cx="0" cy="0"/>
+        </a:xfrm>
+      </p:grpSpPr>
+      <p:sp>
+        <p:nvSpPr>
+          <p:cNvPr id="2" name="Title 1"/>
+          <p:cNvSpPr>
+            <a:spLocks noGrp="1"/>
+          </p:cNvSpPr>
+          <p:nvPr>
+            <p:ph type="title"/>
+          </p:nvPr>
+        </p:nvSpPr>
+        <p:spPr/>
+        <p:txBody>
+          <a:bodyPr>
+            <a:normAutofit fontScale="90000"/>
+          </a:bodyPr>
+          <a:lstStyle/>
+          <a:p>
+            <a:r>
+              <a:rPr lang="en-US"/>
+              <a:t>Object-Oriented Design Term:</a:t>
+            </a:r>
+            <a:br>
+              <a:rPr lang="en-US"/>
+            </a:br>
+            <a:r>
+              <a:rPr lang="en-US"/>
+              <a:t>Encapsulation</a:t>
+            </a:r>
+          </a:p>
+        </p:txBody>
+      </p:sp>
+      <p:sp>
+        <p:nvSpPr>
+          <p:cNvPr id="3" name="Content Placeholder 2"/>
+          <p:cNvSpPr>
+            <a:spLocks noGrp="1"/>
+          </p:cNvSpPr>
+          <p:nvPr>
+            <p:ph idx="1"/>
+          </p:nvPr>
+        </p:nvSpPr>
+        <p:spPr/>
+        <p:txBody>
+          <a:bodyPr/>
+          <a:lstStyle/>
+          <a:p>
+            <a:r>
+              <a:rPr lang="en-US"/>
+              <a:t>Makes your program easier to understand by…</a:t>
+            </a:r>
+          </a:p>
+          <a:p>
+            <a:pPr lvl="1"/>
+            <a:r>
+              <a:rPr lang="en-US"/>
+              <a:t>Saving the client of the object from having to think about how the class works</a:t>
+            </a:r>
+          </a:p>
+          <a:p>
+            <a:pPr lvl="1"/>
+            <a:r>
+              <a:rPr lang="en-US"/>
+              <a:t>Puts everything you need in one place</a:t>
+            </a:r>
+          </a:p>
+        </p:txBody>
+      </p:sp>
+      <p:sp>
+        <p:nvSpPr>
+          <p:cNvPr id="4" name="AutoShape 2" descr="data:image/jpeg;base64,/9j/4AAQSkZJRgABAQAAAQABAAD/2wCEAAkGBxQSEBQUEBQUFBQUFRQUFRQUFRQVFBUQFRQWFhUUFBQYHCggGBolHBQUITEhJSkrLi4uFx8zODMsNygtLisBCgoKDg0OGhAQGywkHyQsLCwsLCwsLCwsLCwsLCwsLDcsLCwsLCwsLCwsLCwtLCwsLCwsLCwsLCwsLCwsLCwsLP/AABEIAMIBAwMBIgACEQEDEQH/xAAbAAABBQEBAAAAAAAAAAAAAAAAAQIDBAUGB//EAD8QAAIBAgQDBAYIBQIHAAAAAAABAgMRBBIhMQVBUQZhcYETIlKRodEUFjKSk7HB8BVCU2LxI6IHFzOCs9Lh/8QAGgEAAgMBAQAAAAAAAAAAAAAAAAMBAgQFBv/EACoRAAMAAgEEAgICAQUBAAAAAAABAgMREhMhMVEEQWFxFCKRMlKBofAF/9oADAMBAAIRAxEAPwDJ9A2O+iSfI6dcEkS4XByhLRX6pq6PWP5C+jzPBnKvh097EMsO1ud7PK9LNPvWhmY/AaOyV+4iPk78hUaOTdMR0zVlh+4fHBpof1ELMfIPjRNeOA7ieOBSW5V5UToxfobFjg3d3N2GFfcP+jW3KvMToxVh7rXdDvoj3sb0MKnsienSS0aFvMWUGAsLtfbe/UR0Vrp4HRrCq1lqviNfD3/LsV6yLcGcvUw76DYUbnSTwf8Abby0BYFX2LdZFeDOf+j9zJ6WHturLwOgjgLrkOqYK3Io86LdNmbSoPl/8JHSfK/gXKdNrbfoXMMk36y18LCqyaLqdkXD820k/cTVoW2NGMIr/I/0Sf7uZnk77NKjtow6bTfrF5YKCSLU8NFcl5onpQi13kVk9EzHsjw0FbTclp0FcZVoNPSNxv0vLuhT2/AxNLyWlhbkiwKIKfEY9xao46L0Yt80Nngxjw8VsROFi7Jq10U687K+hEtsmkkR1Ioo1pLmtO8hxvEWtvgY2Ix1+vmaseJsy3lSNKVSPd70IYjqAaOkJ6p1UcRFc0TLEqXsv8zkPW6v3jlKXVg/jL2UXyPwdddPoRzpR52scsqkupJGvNcyP47X2T10/o3atCm1yKMsLFa6MpfSJE1DiTirON14lljteCruX5FqUly9yGqkugrxsX/J738hHily08kXSoo3I6OHfIllhmV/pH9xNDHyXNNd6uVaolOQi5R6Ezxye8L96I/pq5wXldEka9Pvj5X/ACKte0WT9MlU6cusWLCKT9Wb89hIyVtHHx1TGTs9nHyKaLbLtKrbdxZYdCnLW2vcZEaea+VN5VmlZ7LqReks92rdepXp78MusmvKNith0vsPyZA6La9ZW8y32couo3OTvGOiT5z318P1RrYvhkJ7LK+q0170ZrzrHfFmmMDyRyRyk8Jb+ZE8MVlaskyvjaWSTTvo9+pRlVXJs1zPNbMjrg9Ghisbm29VkFLHuJSdbzGwkm9NPF2/QasS1oo8j3s1/wCIZufxIp4icdVdkNKlBfbfle/6FiOPhH7KfiL4peEX5b8snpccdrSpy8UEuJZnovvKxVq8Sb2jf4sz8RjZc1FeL/QFhT+iXlfs2VinzUfeOp1Yve8fDY5eePlyt5L5kf02fUZ/GZXro7SniIraV/Mjxs09nbyucXLEPqN9PLq/eQvi997J/kbWtG9iIf3fD9CnVw66v99xlTqy6silUl1Hzia+xTpMvy33Ay8z6gM6ZGzp/RhkJsgmUTsUR+j7hPRkmUXKGydkTihvoyfIGQNgQOmKqSJlAdlDZBWdDoJ6Is5RbByAqqAmUt5RuUOQDITaHeizbPV8ur7h0YNvRXfRG7wLg0vSKdVZVHVJ7uXLTlbfyFZcs41tj8WKslKUafA+HLD01mXry1m/Z6R8F+ZS45wOVWrmpJK69dt210S08Eb1Z8uunkPiun7scRZ7V9T7O28EVHT+kQcPwcaNNQjy3fWXNsj4ljHSo1KiWbJGU7e1GKzSSfJ2Tt3juIY2NGLnOSUe925N6e5nOY/tbgsRRnRjVnJ1acotUadSU4xlGz/lsnqVmat8mt+y1XMLinouYmph8bhs6m4wcc+a+WVO2ubut+VzBx0KdSrGlQUXVkr2jK0bR+1JJK1ravvSt34HAu1OCpYdwcatKOZwlecZTlCSup5bK+1tF07xmH7R4WnCjTh6erKlLMp08sZJtSu1NSV276rmnZ7WOhji4bU7/H/v8GDI1enSX5LS1Wnh5rRrxQquiguPSrz9JFScIWjVjJU/SLNpCajF5qlmtWo8zXdM6c02u/k5uSOLIc451fAc6Y10yexXbEqYh29XS/PmUpRZbdMa4FlpA22UnAFEtumJ6MtyIK3oxrpltwGuBGySo4DXSLEojZE7JKzpgTWAtsNnM/WjGf1V+HT+Qv1oxn9Vfh0/kYecVTELFPtm/gvS/wAG39Z8Z/UX3KfyF+s+M/qL7lP5GKqgvpC3Sn2yvBekbP1oxnt/7KfyFXajF+3/ALKfyMZTFUyejPsjivSNf624r21+HT+Qq7X4r21+HD5GRcS4dD8hxn0a67YYn21+HD5B9b8V7a/Dh8jKQ5EdD8hqPRq/W3Fe2vw4fIY+1+Kv9tfh0/kZdTXT3kaplaxPfZkqY+0dzwXt7XglZUb7O8bSfjrt4HVcG7cyqSaqZItW0SaTT72ePwoE0NNvgJv4PPuyVkc/6We4Vu1UVZ5o28iHF9p1LSNSMX/blv46s8upT9Sybbko78tXfX3FaVLuCf8A5K87/wChL+bb2j0TjPGadSmo1pKtbVZ1FNPrG0TjeIVc1f0kIxhFpJqDcb252va5mVaew6lT9WXXS3luaI+Bw8MVWVvuzMxs71JWit+Sf5C4fETg04qN01JXV7S31XPwL1Gkno/AijC3lf4Dl8T2xvVXjQ+PaKrGpUqPLGpUd3KMIXvzVstktForEkO1OIenpNW/Yht4ZDLnS1IJpxaa3WvuM9YXD89h2pr67nQT49iuVSPnGn/6jZdoMT/Uj9ym/wBCrKeiIKhor4qX2xMtP6RffaLE/wBRfcp/IZ9YsV7cfuQ+RQbGsV0PyXSn0jRfaLE+2vuQ+Qn1hxXtL7kPkZ2YFIno/kNL0jR+sGK9pfdh8g/j+K9pfdh8jPchrmT0V7YcV6Rpfx7E9V92HyB8cxHtL7sPkZjmJ6QOml9sngvSNF8cr9f9sPkBmZwI4L/cyeC9IpqoLnKimOznLWdm1wW1MdnKsZDs42c5TgWVMcplaMx6kOnMVcFjOKpFdSHZhyylHJYjIdF3ILl/hEVKo1LbK/fdDJrb0Lyf1lsjjSJ/QW3NGrhVF6a3+Hf++hWpVLtrl8jXMoy9XktoZOnb3C0adn3lmEM2y6a9CxSwzzPQZpCay6XchjD9/vxJKcPibWGwrlTy+zr3W5/mixS4S1rbmLeWV2Zjr5CMWph3lVyGMbfvqjrv4U5KStyfz/QxuIYBxtpuviRjzTXYrGb6Zi0qXr2t/Nsut9iJ0naT8f1uzd+htWlzbk/DLFv82VKuBeSTWyir+co/MusiHzm7nN4iWWcbc0rjMS023ZLuWxPxKi7rTZPyKsneLvvb48/1EX5aOnGmk0S4evmj3rf9GEmUsM7TXfoy1NlceV3Hf67F6jVdhHIa5DJMY2LdllJK5CORDmEcivVLcSXOI5kOYRyFvMWUErmNcyGUxucTWcuoJ84hDmEKdcngU1IcpENxyZyVRtck+cVMhTFUhiyC3JOpDlMr5h8WOnIUclhSJEytGRLFmibF1JMmWuH11Gavono30XUppjoM1Y7aaaFXKaaZ1lKhCe01brfT3hKEFHTfZfDUxeFL1n4a95rRhdpdTp4/7Lkzk5MfCtbNHh1NNL962RtfwxqGduyUkted7kXCsJaUI25Xcn1OhxmHUMNNy1baS+8rP8/cZ8uXVJL7OdW7ba8dzMwsdY7b37mk18Do4RVloY2Jx0MPhpVZRzZdIx2vOTslfkvkcTX7S4mc7+llHW6jC0UtdtN143FdGsz7dtDvj4aa2enVHOL9RQt1d73fKxh4rDNztJJWXW+hW4PxytUllqNTTTu7JNabpoq4rtFTzuCptxWmbMtk911DHgyRWtd/wKyTVvU/Rr4eFNtRbUUrq8tN0k9fM0uIcHXoHGFszittdPLx+ByGIxdN2efLfrq/NI0+AYucZ2hUzU3JKyira26q6DLgtLkn4+mWw2ktXPn7OV7R8OlTntpZL/usc7OlbTbu8T2HtHg41Kadldyjvz11/M4DjPDMinLLztba22vvYzH8hZJW/JvxZOD4M46rKz03ROqmZJ9URYvWTGYV+r4Nmabayufo6mtymSOQxyEmxGyKolIGxkpCSkRtmerGJD3IY5jHIbJiayDFI/MNchmYa5CHkLqSXOIR3AX1CeBCKIAkeLccmMFuSRoeh6ZEmKmSnoq0TRZNFleLJYs046E0ie5JBle5LTZsx13E0jY4R/M/BHTcKwTzrMmua5fvdHDRNXAcbq0dYSzJfyVLyjb815NHQnM+Gkc75Hxqvblnq3D8K5es/N7Wiifi9aMqapw9Z5k5NbJLknzPM32txLqZs6cVtTypUmumXfzvfvOi4T20hJP01Fq2q9G07+UrW97FdO21Xn9GC/i3EtL78sr9uq2VUaN9k6kl4vLH8p+85ihH1l4lvjmPdevKo1bNay6RSSS9yGcMhepH99508M8IWzRK6eL9I63hGHyJ1G9ErW5ts5y16kvG/wCdzqKuISoZF9qTevev8I5WFS079dGGDbdNmDBt8mFW9zV4JxB0pr2Xe68uXeZ1bXUdhoZm78lf/Ay5VTpjq7z3Ow4nUjUhCUKrs5K19Mt3azfiYvabDSdO8qkc6vFrk7etr5M1pcHqRwUssbu2da32s3ZeLT8jm8fVTalmesZRcZbxna2XvXf3HJUKu0vw2Tj3NbaOSx9OKisrvos3VSa2/Mp4b7L8S/jMNLXpfUoxVhdLWVP8HaxtOBJjGwqMjuIyV3HJBJkbYsmRyZkuhsoGxrYjY25mdDVICNiNiFC6QXABAJABBSCQAAAAFTEAAJIsliyumSxY2HoXSJkyWLK8WSRZqihFIuYeok/WTaaa0+DLNCMXfV5rXSeztdv4IoRZNSnZp9P2zdjsz3JfjhJRgpWaTLmAdlrza+Bs8SyPCR9E4vM4JvS7a1slfS3N+RlRhlgkt273/I3/AB62jn1fJafsZiI2k+4s8M0kn4keLjeV/aSfvWvxuTYDRt9F+qNu+wq3vGa2Lr+rHxbMrLqWMRWzJLp+f7QuW1n3a+LuEf1Rlxrghrl6tnyJ+HWTd93s+XmVqm7sTUY6ktbQUv66O+7MSmouE23BpZVfbnp3MxO1HA8tWWSPq1Hng+k0/XiUMZiqmGoOrF81GN7NKUuq7tfcjCo9tMUpJ1Z+limm4SjFK19VFxSy3V15nIrHc5Hctfkd8aHkw/rwzTp8Hk3JON8ydlzutdji+LRUas4q3qu2jT1W+3fc7TtR26hUpypYWDSnHLKrL1Wr7qEVrtpd+7mefzYmrb/s1o6HxcNR5I5MibFkyKTMV0dGULJkbkEmMbMt0OmQbGhcBQzQAAhAAAABIgAAAAogAAoCCgAD0xgqZZENEsWSwZXTJYsdFCqRYTJIMr5iSDNcX3EUjW4TVtUUXbLPR30Wztry108zoIUXJqMtLKyvpe2jRx6Z1nA+IOrBRkm6kHrJ2tKL0V17Wjv4J73Olhy99HM+ZjaXNEmLo+qrL7N15X+bFoULQba5o1ZxSa5p3UvGxPJN2TilGN9Fr37+ZrnL20cp5nx0YlGld3exLOXqZest/C6/U0MThtM0dufmUJU3dLp+tvkNm1XcFfLuQxhqWMIvWQqh69vA0v4XJKM7WTV2/O3yC8iXZ/ZF32/4M/ttiMuGo0/anKb8IKy/8nwOIcjd7Y4tyrqHKlGy78zzN/FLyOdlI5tXo7PwsfHDP6FkyGchZyIpMx5bN8yMmyKTHTZFJmG6NEoGxoNiCGNSAAAqSAAAAIKIAAAABAAAoAAgAKSAAIAAOTJIsiQ5MvLK0iZMliyumSRY+KE0iwpHSdh6ieJyNpOUbxvzlHXKu9rN7jl4yJKVVxacW000007NNapprZmqcmjPmxK5cv7PVcVg5J6eO+mqat8WLSqKzjZp2SZmdlu0brU3CpaVaCu7/wA9NWWbvetn7/DosFjIreld8mvjdM3xldTvWzzOfC8dcK7DOGYR3tKN09V4J9B64QnN32W5coYuKl/qU3v9uDdkuTs1dGliKsHpTer1b5++24u8tqv2VmJc72cTxLCZa0oJdGn1OvVHPh6cIuObKlLxumlfy+BWq0U6ilKKvdWbV7Nf4Mzthxv6HhX6P/rVm4QezirevUS6LRLvaIz5uUz+B2DG7rh77HnvbGtfHVrNNRkoJrb1IqL+KZhSkNchkpGash6LHj4ypX0LKRHJhJkbZmux8yJJkbY5sjZnpj5QoAAssAAIAAAAAAKAAAgAAEgAABAAAASAAAAA5MaBKZA9MemRJjky6ZRomTHpkCY9MYqFuS1hcTKnNTpycZR1TXLlz3XcdNw7t5XpyTdOjJc1apFvvTztJ99vI5FMdcdORrsmIyYMd96Wz1Gn/wATqF3mw1RKytllCTe17ttW+PkSf8ycNKtTSo1YU7tSqScc0b7NQi3db318LnlVwuHNif4WL0dj257UTq4icKFX/QjlUfRuym8kXKTktXq2rXtoclUquTvJuT6ttu3iyO4hDvY7HimFpIc2MlIGxjZSqHJA2MbBsaxLoakDEACjZcQAAgAAAAkAAAABRAAgAAAJAAAAAAAAEFAAAAAAABUxADZA5McmRjkWTIaJVIXMRXFuW5lHJKmLchuLctzI4kjkJmI7iXI5k8R7kNbG3Aq6LKQbEACuywCABAAAAAAAABIAAAAAFhQIFAAIAAEAAFAAAAAQAAUQAAAAAAAFAAAUAAsQAAAEAIAASAABAAIAEEigIAAAoAAAAAAAAAAAAASQf//Z">
+            <a:hlinkClick r:id="rId2"/>
+          </p:cNvPr>
+          <p:cNvSpPr>
+            <a:spLocks noChangeAspect="1" noChangeArrowheads="1"/>
+          </p:cNvSpPr>
+          <p:nvPr/>
+        </p:nvSpPr>
+        <p:spPr bwMode="auto">
+          <a:xfrm>
+            <a:off x="0" y="-1690688"/>
+            <a:ext cx="4714875" cy="3533776"/>
+          </a:xfrm>
+          <a:prstGeom prst="rect">
+            <a:avLst/>
+          </a:prstGeom>
+          <a:noFill/>
+          <a:extLst>
+            <a:ext uri="{909E8E84-426E-40dd-AFC4-6F175D3DCCD1}">
               <a14:hiddenFill xmlns="" xmlns:a14="http://schemas.microsoft.com/office/drawing/2010/main">
                 <a:solidFill>
                   <a:srgbClr val="FFFFFF"/>
@@ -4218,335 +4634,6 @@
           <a:p>
             <a:pPr algn="ctr"/>
             <a:r>
-              <a:rPr lang="en-US" dirty="0"/>
-              <a:t>Using put and get in </a:t>
-            </a:r>
-            <a:r>
-              <a:rPr lang="en-US" dirty="0" err="1"/>
-              <a:t>HashMap</a:t>
-            </a:r>
-            <a:endParaRPr lang="en-US" dirty="0"/>
-          </a:p>
-        </p:txBody>
-      </p:sp>
-      <p:sp>
-        <p:nvSpPr>
-          <p:cNvPr id="7" name="Right Arrow 6"/>
-          <p:cNvSpPr/>
-          <p:nvPr/>
-        </p:nvSpPr>
-        <p:spPr>
-          <a:xfrm>
-            <a:off x="838200" y="4724400"/>
-            <a:ext cx="3988184" cy="2133600"/>
-          </a:xfrm>
-          <a:prstGeom prst="rightArrow">
-            <a:avLst/>
-          </a:prstGeom>
-        </p:spPr>
-        <p:style>
-          <a:lnRef idx="2">
-            <a:schemeClr val="accent1">
-              <a:shade val="50000"/>
-            </a:schemeClr>
-          </a:lnRef>
-          <a:fillRef idx="1">
-            <a:schemeClr val="accent1"/>
-          </a:fillRef>
-          <a:effectRef idx="0">
-            <a:schemeClr val="accent1"/>
-          </a:effectRef>
-          <a:fontRef idx="minor">
-            <a:schemeClr val="lt1"/>
-          </a:fontRef>
-        </p:style>
-        <p:txBody>
-          <a:bodyPr rtlCol="0" anchor="ctr"/>
-          <a:lstStyle/>
-          <a:p>
-            <a:pPr algn="ctr"/>
-            <a:r>
-              <a:rPr lang="en-US" dirty="0"/>
-              <a:t>Implementing </a:t>
-            </a:r>
-            <a:r>
-              <a:rPr lang="en-US" dirty="0" err="1"/>
-              <a:t>HashMap</a:t>
-            </a:r>
-            <a:endParaRPr lang="en-US" dirty="0"/>
-          </a:p>
-        </p:txBody>
-      </p:sp>
-    </p:spTree>
-    <p:extLst>
-      <p:ext uri="{BB962C8B-B14F-4D97-AF65-F5344CB8AC3E}">
-        <p14:creationId xmlns:p14="http://schemas.microsoft.com/office/powerpoint/2010/main" val="3793299068"/>
-      </p:ext>
-    </p:extLst>
-  </p:cSld>
-  <p:clrMapOvr>
-    <a:masterClrMapping/>
-  </p:clrMapOvr>
-</p:sld>
-</file>
-
-<file path=ppt/slides/slide3.xml><?xml version="1.0" encoding="utf-8"?>
-<p:sld xmlns:a="http://schemas.openxmlformats.org/drawingml/2006/main" xmlns:r="http://schemas.openxmlformats.org/officeDocument/2006/relationships" xmlns:p="http://schemas.openxmlformats.org/presentationml/2006/main">
-  <p:cSld>
-    <p:spTree>
-      <p:nvGrpSpPr>
-        <p:cNvPr id="1" name=""/>
-        <p:cNvGrpSpPr/>
-        <p:nvPr/>
-      </p:nvGrpSpPr>
-      <p:grpSpPr>
-        <a:xfrm>
-          <a:off x="0" y="0"/>
-          <a:ext cx="0" cy="0"/>
-          <a:chOff x="0" y="0"/>
-          <a:chExt cx="0" cy="0"/>
-        </a:xfrm>
-      </p:grpSpPr>
-      <p:sp>
-        <p:nvSpPr>
-          <p:cNvPr id="2" name="Title 1"/>
-          <p:cNvSpPr>
-            <a:spLocks noGrp="1"/>
-          </p:cNvSpPr>
-          <p:nvPr>
-            <p:ph type="title"/>
-          </p:nvPr>
-        </p:nvSpPr>
-        <p:spPr/>
-        <p:txBody>
-          <a:bodyPr>
-            <a:normAutofit fontScale="90000"/>
-          </a:bodyPr>
-          <a:lstStyle/>
-          <a:p>
-            <a:r>
-              <a:rPr lang="en-US"/>
-              <a:t>Object-Oriented Design Term:</a:t>
-            </a:r>
-            <a:br>
-              <a:rPr lang="en-US"/>
-            </a:br>
-            <a:r>
-              <a:rPr lang="en-US"/>
-              <a:t>Encapsulation</a:t>
-            </a:r>
-          </a:p>
-        </p:txBody>
-      </p:sp>
-      <p:sp>
-        <p:nvSpPr>
-          <p:cNvPr id="3" name="Content Placeholder 2"/>
-          <p:cNvSpPr>
-            <a:spLocks noGrp="1"/>
-          </p:cNvSpPr>
-          <p:nvPr>
-            <p:ph idx="1"/>
-          </p:nvPr>
-        </p:nvSpPr>
-        <p:spPr/>
-        <p:txBody>
-          <a:bodyPr/>
-          <a:lstStyle/>
-          <a:p>
-            <a:r>
-              <a:rPr lang="en-US"/>
-              <a:t>Makes your program easier to understand by…</a:t>
-            </a:r>
-          </a:p>
-          <a:p>
-            <a:pPr lvl="1"/>
-            <a:r>
-              <a:rPr lang="en-US"/>
-              <a:t>Saving the client of the object from having to think about how the class works</a:t>
-            </a:r>
-          </a:p>
-          <a:p>
-            <a:pPr lvl="1"/>
-            <a:r>
-              <a:rPr lang="en-US"/>
-              <a:t>Puts everything you need in one place</a:t>
-            </a:r>
-          </a:p>
-        </p:txBody>
-      </p:sp>
-      <p:sp>
-        <p:nvSpPr>
-          <p:cNvPr id="4" name="AutoShape 2" descr="data:image/jpeg;base64,/9j/4AAQSkZJRgABAQAAAQABAAD/2wCEAAkGBxQSEBQUEBQUFBQUFRQUFRQUFRQVFBUQFRQWFhUUFBQYHCggGBolHBQUITEhJSkrLi4uFx8zODMsNygtLisBCgoKDg0OGhAQGywkHyQsLCwsLCwsLCwsLCwsLCwsLDcsLCwsLCwsLCwsLCwtLCwsLCwsLCwsLCwsLCwsLCwsLP/AABEIAMIBAwMBIgACEQEDEQH/xAAbAAABBQEBAAAAAAAAAAAAAAAAAQIDBAUGB//EAD8QAAIBAgQDBAYIBQIHAAAAAAABAgMRBBIhMQVBUQZhcYETIlKRodEUFjKSk7HB8BVCU2LxI6IHFzOCs9Lh/8QAGgEAAgMBAQAAAAAAAAAAAAAAAAMBAgQFBv/EACoRAAMAAgEEAgICAQUBAAAAAAABAgMREhMhMVEEQWFxFCKRMlKBofAF/9oADAMBAAIRAxEAPwDJ9A2O+iSfI6dcEkS4XByhLRX6pq6PWP5C+jzPBnKvh097EMsO1ud7PK9LNPvWhmY/AaOyV+4iPk78hUaOTdMR0zVlh+4fHBpof1ELMfIPjRNeOA7ieOBSW5V5UToxfobFjg3d3N2GFfcP+jW3KvMToxVh7rXdDvoj3sb0MKnsienSS0aFvMWUGAsLtfbe/UR0Vrp4HRrCq1lqviNfD3/LsV6yLcGcvUw76DYUbnSTwf8Abby0BYFX2LdZFeDOf+j9zJ6WHturLwOgjgLrkOqYK3Io86LdNmbSoPl/8JHSfK/gXKdNrbfoXMMk36y18LCqyaLqdkXD820k/cTVoW2NGMIr/I/0Sf7uZnk77NKjtow6bTfrF5YKCSLU8NFcl5onpQi13kVk9EzHsjw0FbTclp0FcZVoNPSNxv0vLuhT2/AxNLyWlhbkiwKIKfEY9xao46L0Yt80Nngxjw8VsROFi7Jq10U687K+hEtsmkkR1Ioo1pLmtO8hxvEWtvgY2Ix1+vmaseJsy3lSNKVSPd70IYjqAaOkJ6p1UcRFc0TLEqXsv8zkPW6v3jlKXVg/jL2UXyPwdddPoRzpR52scsqkupJGvNcyP47X2T10/o3atCm1yKMsLFa6MpfSJE1DiTirON14lljteCruX5FqUly9yGqkugrxsX/J738hHily08kXSoo3I6OHfIllhmV/pH9xNDHyXNNd6uVaolOQi5R6Ezxye8L96I/pq5wXldEka9Pvj5X/ACKte0WT9MlU6cusWLCKT9Wb89hIyVtHHx1TGTs9nHyKaLbLtKrbdxZYdCnLW2vcZEaea+VN5VmlZ7LqReks92rdepXp78MusmvKNith0vsPyZA6La9ZW8y32couo3OTvGOiT5z318P1RrYvhkJ7LK+q0170ZrzrHfFmmMDyRyRyk8Jb+ZE8MVlaskyvjaWSTTvo9+pRlVXJs1zPNbMjrg9Ghisbm29VkFLHuJSdbzGwkm9NPF2/QasS1oo8j3s1/wCIZufxIp4icdVdkNKlBfbfle/6FiOPhH7KfiL4peEX5b8snpccdrSpy8UEuJZnovvKxVq8Sb2jf4sz8RjZc1FeL/QFhT+iXlfs2VinzUfeOp1Yve8fDY5eePlyt5L5kf02fUZ/GZXro7SniIraV/Mjxs09nbyucXLEPqN9PLq/eQvi997J/kbWtG9iIf3fD9CnVw66v99xlTqy6silUl1Hzia+xTpMvy33Ay8z6gM6ZGzp/RhkJsgmUTsUR+j7hPRkmUXKGydkTihvoyfIGQNgQOmKqSJlAdlDZBWdDoJ6Is5RbByAqqAmUt5RuUOQDITaHeizbPV8ur7h0YNvRXfRG7wLg0vSKdVZVHVJ7uXLTlbfyFZcs41tj8WKslKUafA+HLD01mXry1m/Z6R8F+ZS45wOVWrmpJK69dt210S08Eb1Z8uunkPiun7scRZ7V9T7O28EVHT+kQcPwcaNNQjy3fWXNsj4ljHSo1KiWbJGU7e1GKzSSfJ2Tt3juIY2NGLnOSUe925N6e5nOY/tbgsRRnRjVnJ1acotUadSU4xlGz/lsnqVmat8mt+y1XMLinouYmph8bhs6m4wcc+a+WVO2ubut+VzBx0KdSrGlQUXVkr2jK0bR+1JJK1ravvSt34HAu1OCpYdwcatKOZwlecZTlCSup5bK+1tF07xmH7R4WnCjTh6erKlLMp08sZJtSu1NSV276rmnZ7WOhji4bU7/H/v8GDI1enSX5LS1Wnh5rRrxQquiguPSrz9JFScIWjVjJU/SLNpCajF5qlmtWo8zXdM6c02u/k5uSOLIc451fAc6Y10yexXbEqYh29XS/PmUpRZbdMa4FlpA22UnAFEtumJ6MtyIK3oxrpltwGuBGySo4DXSLEojZE7JKzpgTWAtsNnM/WjGf1V+HT+Qv1oxn9Vfh0/kYecVTELFPtm/gvS/wAG39Z8Z/UX3KfyF+s+M/qL7lP5GKqgvpC3Sn2yvBekbP1oxnt/7KfyFXajF+3/ALKfyMZTFUyejPsjivSNf624r21+HT+Qq7X4r21+HD5GRcS4dD8hxn0a67YYn21+HD5B9b8V7a/Dh8jKQ5EdD8hqPRq/W3Fe2vw4fIY+1+Kv9tfh0/kZdTXT3kaplaxPfZkqY+0dzwXt7XglZUb7O8bSfjrt4HVcG7cyqSaqZItW0SaTT72ePwoE0NNvgJv4PPuyVkc/6We4Vu1UVZ5o28iHF9p1LSNSMX/blv46s8upT9Sybbko78tXfX3FaVLuCf8A5K87/wChL+bb2j0TjPGadSmo1pKtbVZ1FNPrG0TjeIVc1f0kIxhFpJqDcb252va5mVaew6lT9WXXS3luaI+Bw8MVWVvuzMxs71JWit+Sf5C4fETg04qN01JXV7S31XPwL1Gkno/AijC3lf4Dl8T2xvVXjQ+PaKrGpUqPLGpUd3KMIXvzVstktForEkO1OIenpNW/Yht4ZDLnS1IJpxaa3WvuM9YXD89h2pr67nQT49iuVSPnGn/6jZdoMT/Uj9ym/wBCrKeiIKhor4qX2xMtP6RffaLE/wBRfcp/IZ9YsV7cfuQ+RQbGsV0PyXSn0jRfaLE+2vuQ+Qn1hxXtL7kPkZ2YFIno/kNL0jR+sGK9pfdh8g/j+K9pfdh8jPchrmT0V7YcV6Rpfx7E9V92HyB8cxHtL7sPkZjmJ6QOml9sngvSNF8cr9f9sPkBmZwI4L/cyeC9IpqoLnKimOznLWdm1wW1MdnKsZDs42c5TgWVMcplaMx6kOnMVcFjOKpFdSHZhyylHJYjIdF3ILl/hEVKo1LbK/fdDJrb0Lyf1lsjjSJ/QW3NGrhVF6a3+Hf++hWpVLtrl8jXMoy9XktoZOnb3C0adn3lmEM2y6a9CxSwzzPQZpCay6XchjD9/vxJKcPibWGwrlTy+zr3W5/mixS4S1rbmLeWV2Zjr5CMWph3lVyGMbfvqjrv4U5KStyfz/QxuIYBxtpuviRjzTXYrGb6Zi0qXr2t/Nsut9iJ0naT8f1uzd+htWlzbk/DLFv82VKuBeSTWyir+co/MusiHzm7nN4iWWcbc0rjMS023ZLuWxPxKi7rTZPyKsneLvvb48/1EX5aOnGmk0S4evmj3rf9GEmUsM7TXfoy1NlceV3Hf67F6jVdhHIa5DJMY2LdllJK5CORDmEcivVLcSXOI5kOYRyFvMWUErmNcyGUxucTWcuoJ84hDmEKdcngU1IcpENxyZyVRtck+cVMhTFUhiyC3JOpDlMr5h8WOnIUclhSJEytGRLFmibF1JMmWuH11Gavono30XUppjoM1Y7aaaFXKaaZ1lKhCe01brfT3hKEFHTfZfDUxeFL1n4a95rRhdpdTp4/7Lkzk5MfCtbNHh1NNL962RtfwxqGduyUkted7kXCsJaUI25Xcn1OhxmHUMNNy1baS+8rP8/cZ8uXVJL7OdW7ba8dzMwsdY7b37mk18Do4RVloY2Jx0MPhpVZRzZdIx2vOTslfkvkcTX7S4mc7+llHW6jC0UtdtN143FdGsz7dtDvj4aa2enVHOL9RQt1d73fKxh4rDNztJJWXW+hW4PxytUllqNTTTu7JNabpoq4rtFTzuCptxWmbMtk911DHgyRWtd/wKyTVvU/Rr4eFNtRbUUrq8tN0k9fM0uIcHXoHGFszittdPLx+ByGIxdN2efLfrq/NI0+AYucZ2hUzU3JKyira26q6DLgtLkn4+mWw2ktXPn7OV7R8OlTntpZL/usc7OlbTbu8T2HtHg41Kadldyjvz11/M4DjPDMinLLztba22vvYzH8hZJW/JvxZOD4M46rKz03ROqmZJ9URYvWTGYV+r4Nmabayufo6mtymSOQxyEmxGyKolIGxkpCSkRtmerGJD3IY5jHIbJiayDFI/MNchmYa5CHkLqSXOIR3AX1CeBCKIAkeLccmMFuSRoeh6ZEmKmSnoq0TRZNFleLJYs046E0ie5JBle5LTZsx13E0jY4R/M/BHTcKwTzrMmua5fvdHDRNXAcbq0dYSzJfyVLyjb815NHQnM+Gkc75Hxqvblnq3D8K5es/N7Wiifi9aMqapw9Z5k5NbJLknzPM32txLqZs6cVtTypUmumXfzvfvOi4T20hJP01Fq2q9G07+UrW97FdO21Xn9GC/i3EtL78sr9uq2VUaN9k6kl4vLH8p+85ihH1l4lvjmPdevKo1bNay6RSSS9yGcMhepH99508M8IWzRK6eL9I63hGHyJ1G9ErW5ts5y16kvG/wCdzqKuISoZF9qTevev8I5WFS079dGGDbdNmDBt8mFW9zV4JxB0pr2Xe68uXeZ1bXUdhoZm78lf/Ay5VTpjq7z3Ow4nUjUhCUKrs5K19Mt3azfiYvabDSdO8qkc6vFrk7etr5M1pcHqRwUssbu2da32s3ZeLT8jm8fVTalmesZRcZbxna2XvXf3HJUKu0vw2Tj3NbaOSx9OKisrvos3VSa2/Mp4b7L8S/jMNLXpfUoxVhdLWVP8HaxtOBJjGwqMjuIyV3HJBJkbYsmRyZkuhsoGxrYjY25mdDVICNiNiFC6QXABAJABBSCQAAAAFTEAAJIsliyumSxY2HoXSJkyWLK8WSRZqihFIuYeok/WTaaa0+DLNCMXfV5rXSeztdv4IoRZNSnZp9P2zdjsz3JfjhJRgpWaTLmAdlrza+Bs8SyPCR9E4vM4JvS7a1slfS3N+RlRhlgkt273/I3/AB62jn1fJafsZiI2k+4s8M0kn4keLjeV/aSfvWvxuTYDRt9F+qNu+wq3vGa2Lr+rHxbMrLqWMRWzJLp+f7QuW1n3a+LuEf1Rlxrghrl6tnyJ+HWTd93s+XmVqm7sTUY6ktbQUv66O+7MSmouE23BpZVfbnp3MxO1HA8tWWSPq1Hng+k0/XiUMZiqmGoOrF81GN7NKUuq7tfcjCo9tMUpJ1Z+limm4SjFK19VFxSy3V15nIrHc5Hctfkd8aHkw/rwzTp8Hk3JON8ydlzutdji+LRUas4q3qu2jT1W+3fc7TtR26hUpypYWDSnHLKrL1Wr7qEVrtpd+7mefzYmrb/s1o6HxcNR5I5MibFkyKTMV0dGULJkbkEmMbMt0OmQbGhcBQzQAAhAAAABIgAAAAogAAoCCgAD0xgqZZENEsWSwZXTJYsdFCqRYTJIMr5iSDNcX3EUjW4TVtUUXbLPR30Wztry108zoIUXJqMtLKyvpe2jRx6Z1nA+IOrBRkm6kHrJ2tKL0V17Wjv4J73Olhy99HM+ZjaXNEmLo+qrL7N15X+bFoULQba5o1ZxSa5p3UvGxPJN2TilGN9Fr37+ZrnL20cp5nx0YlGld3exLOXqZest/C6/U0MThtM0dufmUJU3dLp+tvkNm1XcFfLuQxhqWMIvWQqh69vA0v4XJKM7WTV2/O3yC8iXZ/ZF32/4M/ttiMuGo0/anKb8IKy/8nwOIcjd7Y4tyrqHKlGy78zzN/FLyOdlI5tXo7PwsfHDP6FkyGchZyIpMx5bN8yMmyKTHTZFJmG6NEoGxoNiCGNSAAAqSAAAAIKIAAAABAAAoAAgAKSAAIAAOTJIsiQ5MvLK0iZMliyumSRY+KE0iwpHSdh6ieJyNpOUbxvzlHXKu9rN7jl4yJKVVxacW000007NNapprZmqcmjPmxK5cv7PVcVg5J6eO+mqat8WLSqKzjZp2SZmdlu0brU3CpaVaCu7/wA9NWWbvetn7/DosFjIreld8mvjdM3xldTvWzzOfC8dcK7DOGYR3tKN09V4J9B64QnN32W5coYuKl/qU3v9uDdkuTs1dGliKsHpTer1b5++24u8tqv2VmJc72cTxLCZa0oJdGn1OvVHPh6cIuObKlLxumlfy+BWq0U6ilKKvdWbV7Nf4Mzthxv6HhX6P/rVm4QezirevUS6LRLvaIz5uUz+B2DG7rh77HnvbGtfHVrNNRkoJrb1IqL+KZhSkNchkpGash6LHj4ypX0LKRHJhJkbZmux8yJJkbY5sjZnpj5QoAAssAAIAAAAAAKAAAgAAEgAABAAAASAAAAA5MaBKZA9MemRJjky6ZRomTHpkCY9MYqFuS1hcTKnNTpycZR1TXLlz3XcdNw7t5XpyTdOjJc1apFvvTztJ99vI5FMdcdORrsmIyYMd96Wz1Gn/wATqF3mw1RKytllCTe17ttW+PkSf8ycNKtTSo1YU7tSqScc0b7NQi3db318LnlVwuHNif4WL0dj257UTq4icKFX/QjlUfRuym8kXKTktXq2rXtoclUquTvJuT6ttu3iyO4hDvY7HimFpIc2MlIGxjZSqHJA2MbBsaxLoakDEACjZcQAAgAAAAkAAAABRAAgAAAJAAAAAAAAEFAAAAAAABUxADZA5McmRjkWTIaJVIXMRXFuW5lHJKmLchuLctzI4kjkJmI7iXI5k8R7kNbG3Aq6LKQbEACuywCABAAAAAAAABIAAAAAFhQIFAAIAAEAAFAAAAAQAAUQAAAAAAAFAAAUAAsQAAAEAIAASAABAAIAEEigIAAAoAAAAAAAAAAAAASQf//Z">
-            <a:hlinkClick r:id="rId2"/>
-          </p:cNvPr>
-          <p:cNvSpPr>
-            <a:spLocks noChangeAspect="1" noChangeArrowheads="1"/>
-          </p:cNvSpPr>
-          <p:nvPr/>
-        </p:nvSpPr>
-        <p:spPr bwMode="auto">
-          <a:xfrm>
-            <a:off x="0" y="-1690688"/>
-            <a:ext cx="4714875" cy="3533776"/>
-          </a:xfrm>
-          <a:prstGeom prst="rect">
-            <a:avLst/>
-          </a:prstGeom>
-          <a:noFill/>
-          <a:extLst>
-            <a:ext uri="{909E8E84-426E-40dd-AFC4-6F175D3DCCD1}">
-              <a14:hiddenFill xmlns:a14="http://schemas.microsoft.com/office/drawing/2010/main" xmlns="">
-                <a:solidFill>
-                  <a:srgbClr val="FFFFFF"/>
-                </a:solidFill>
-              </a14:hiddenFill>
-            </a:ext>
-          </a:extLst>
-        </p:spPr>
-        <p:txBody>
-          <a:bodyPr vert="horz" wrap="square" lIns="91440" tIns="45720" rIns="91440" bIns="45720" numCol="1" anchor="t" anchorCtr="0" compatLnSpc="1">
-            <a:prstTxWarp prst="textNoShape">
-              <a:avLst/>
-            </a:prstTxWarp>
-          </a:bodyPr>
-          <a:lstStyle/>
-          <a:p>
-            <a:endParaRPr lang="en-US"/>
-          </a:p>
-        </p:txBody>
-      </p:sp>
-      <p:sp>
-        <p:nvSpPr>
-          <p:cNvPr id="5" name="AutoShape 4" descr="data:image/jpeg;base64,/9j/4AAQSkZJRgABAQAAAQABAAD/2wCEAAkGBxQSEBQUEBQUFBQUFRQUFRQUFRQVFBUQFRQWFhUUFBQYHCggGBolHBQUITEhJSkrLi4uFx8zODMsNygtLisBCgoKDg0OGhAQGywkHyQsLCwsLCwsLCwsLCwsLCwsLDcsLCwsLCwsLCwsLCwtLCwsLCwsLCwsLCwsLCwsLCwsLP/AABEIAMIBAwMBIgACEQEDEQH/xAAbAAABBQEBAAAAAAAAAAAAAAAAAQIDBAUGB//EAD8QAAIBAgQDBAYIBQIHAAAAAAABAgMRBBIhMQVBUQZhcYETIlKRodEUFjKSk7HB8BVCU2LxI6IHFzOCs9Lh/8QAGgEAAgMBAQAAAAAAAAAAAAAAAAMBAgQFBv/EACoRAAMAAgEEAgICAQUBAAAAAAABAgMREhMhMVEEQWFxFCKRMlKBofAF/9oADAMBAAIRAxEAPwDJ9A2O+iSfI6dcEkS4XByhLRX6pq6PWP5C+jzPBnKvh097EMsO1ud7PK9LNPvWhmY/AaOyV+4iPk78hUaOTdMR0zVlh+4fHBpof1ELMfIPjRNeOA7ieOBSW5V5UToxfobFjg3d3N2GFfcP+jW3KvMToxVh7rXdDvoj3sb0MKnsienSS0aFvMWUGAsLtfbe/UR0Vrp4HRrCq1lqviNfD3/LsV6yLcGcvUw76DYUbnSTwf8Abby0BYFX2LdZFeDOf+j9zJ6WHturLwOgjgLrkOqYK3Io86LdNmbSoPl/8JHSfK/gXKdNrbfoXMMk36y18LCqyaLqdkXD820k/cTVoW2NGMIr/I/0Sf7uZnk77NKjtow6bTfrF5YKCSLU8NFcl5onpQi13kVk9EzHsjw0FbTclp0FcZVoNPSNxv0vLuhT2/AxNLyWlhbkiwKIKfEY9xao46L0Yt80Nngxjw8VsROFi7Jq10U687K+hEtsmkkR1Ioo1pLmtO8hxvEWtvgY2Ix1+vmaseJsy3lSNKVSPd70IYjqAaOkJ6p1UcRFc0TLEqXsv8zkPW6v3jlKXVg/jL2UXyPwdddPoRzpR52scsqkupJGvNcyP47X2T10/o3atCm1yKMsLFa6MpfSJE1DiTirON14lljteCruX5FqUly9yGqkugrxsX/J738hHily08kXSoo3I6OHfIllhmV/pH9xNDHyXNNd6uVaolOQi5R6Ezxye8L96I/pq5wXldEka9Pvj5X/ACKte0WT9MlU6cusWLCKT9Wb89hIyVtHHx1TGTs9nHyKaLbLtKrbdxZYdCnLW2vcZEaea+VN5VmlZ7LqReks92rdepXp78MusmvKNith0vsPyZA6La9ZW8y32couo3OTvGOiT5z318P1RrYvhkJ7LK+q0170ZrzrHfFmmMDyRyRyk8Jb+ZE8MVlaskyvjaWSTTvo9+pRlVXJs1zPNbMjrg9Ghisbm29VkFLHuJSdbzGwkm9NPF2/QasS1oo8j3s1/wCIZufxIp4icdVdkNKlBfbfle/6FiOPhH7KfiL4peEX5b8snpccdrSpy8UEuJZnovvKxVq8Sb2jf4sz8RjZc1FeL/QFhT+iXlfs2VinzUfeOp1Yve8fDY5eePlyt5L5kf02fUZ/GZXro7SniIraV/Mjxs09nbyucXLEPqN9PLq/eQvi997J/kbWtG9iIf3fD9CnVw66v99xlTqy6silUl1Hzia+xTpMvy33Ay8z6gM6ZGzp/RhkJsgmUTsUR+j7hPRkmUXKGydkTihvoyfIGQNgQOmKqSJlAdlDZBWdDoJ6Is5RbByAqqAmUt5RuUOQDITaHeizbPV8ur7h0YNvRXfRG7wLg0vSKdVZVHVJ7uXLTlbfyFZcs41tj8WKslKUafA+HLD01mXry1m/Z6R8F+ZS45wOVWrmpJK69dt210S08Eb1Z8uunkPiun7scRZ7V9T7O28EVHT+kQcPwcaNNQjy3fWXNsj4ljHSo1KiWbJGU7e1GKzSSfJ2Tt3juIY2NGLnOSUe925N6e5nOY/tbgsRRnRjVnJ1acotUadSU4xlGz/lsnqVmat8mt+y1XMLinouYmph8bhs6m4wcc+a+WVO2ubut+VzBx0KdSrGlQUXVkr2jK0bR+1JJK1ravvSt34HAu1OCpYdwcatKOZwlecZTlCSup5bK+1tF07xmH7R4WnCjTh6erKlLMp08sZJtSu1NSV276rmnZ7WOhji4bU7/H/v8GDI1enSX5LS1Wnh5rRrxQquiguPSrz9JFScIWjVjJU/SLNpCajF5qlmtWo8zXdM6c02u/k5uSOLIc451fAc6Y10yexXbEqYh29XS/PmUpRZbdMa4FlpA22UnAFEtumJ6MtyIK3oxrpltwGuBGySo4DXSLEojZE7JKzpgTWAtsNnM/WjGf1V+HT+Qv1oxn9Vfh0/kYecVTELFPtm/gvS/wAG39Z8Z/UX3KfyF+s+M/qL7lP5GKqgvpC3Sn2yvBekbP1oxnt/7KfyFXajF+3/ALKfyMZTFUyejPsjivSNf624r21+HT+Qq7X4r21+HD5GRcS4dD8hxn0a67YYn21+HD5B9b8V7a/Dh8jKQ5EdD8hqPRq/W3Fe2vw4fIY+1+Kv9tfh0/kZdTXT3kaplaxPfZkqY+0dzwXt7XglZUb7O8bSfjrt4HVcG7cyqSaqZItW0SaTT72ePwoE0NNvgJv4PPuyVkc/6We4Vu1UVZ5o28iHF9p1LSNSMX/blv46s8upT9Sybbko78tXfX3FaVLuCf8A5K87/wChL+bb2j0TjPGadSmo1pKtbVZ1FNPrG0TjeIVc1f0kIxhFpJqDcb252va5mVaew6lT9WXXS3luaI+Bw8MVWVvuzMxs71JWit+Sf5C4fETg04qN01JXV7S31XPwL1Gkno/AijC3lf4Dl8T2xvVXjQ+PaKrGpUqPLGpUd3KMIXvzVstktForEkO1OIenpNW/Yht4ZDLnS1IJpxaa3WvuM9YXD89h2pr67nQT49iuVSPnGn/6jZdoMT/Uj9ym/wBCrKeiIKhor4qX2xMtP6RffaLE/wBRfcp/IZ9YsV7cfuQ+RQbGsV0PyXSn0jRfaLE+2vuQ+Qn1hxXtL7kPkZ2YFIno/kNL0jR+sGK9pfdh8g/j+K9pfdh8jPchrmT0V7YcV6Rpfx7E9V92HyB8cxHtL7sPkZjmJ6QOml9sngvSNF8cr9f9sPkBmZwI4L/cyeC9IpqoLnKimOznLWdm1wW1MdnKsZDs42c5TgWVMcplaMx6kOnMVcFjOKpFdSHZhyylHJYjIdF3ILl/hEVKo1LbK/fdDJrb0Lyf1lsjjSJ/QW3NGrhVF6a3+Hf++hWpVLtrl8jXMoy9XktoZOnb3C0adn3lmEM2y6a9CxSwzzPQZpCay6XchjD9/vxJKcPibWGwrlTy+zr3W5/mixS4S1rbmLeWV2Zjr5CMWph3lVyGMbfvqjrv4U5KStyfz/QxuIYBxtpuviRjzTXYrGb6Zi0qXr2t/Nsut9iJ0naT8f1uzd+htWlzbk/DLFv82VKuBeSTWyir+co/MusiHzm7nN4iWWcbc0rjMS023ZLuWxPxKi7rTZPyKsneLvvb48/1EX5aOnGmk0S4evmj3rf9GEmUsM7TXfoy1NlceV3Hf67F6jVdhHIa5DJMY2LdllJK5CORDmEcivVLcSXOI5kOYRyFvMWUErmNcyGUxucTWcuoJ84hDmEKdcngU1IcpENxyZyVRtck+cVMhTFUhiyC3JOpDlMr5h8WOnIUclhSJEytGRLFmibF1JMmWuH11Gavono30XUppjoM1Y7aaaFXKaaZ1lKhCe01brfT3hKEFHTfZfDUxeFL1n4a95rRhdpdTp4/7Lkzk5MfCtbNHh1NNL962RtfwxqGduyUkted7kXCsJaUI25Xcn1OhxmHUMNNy1baS+8rP8/cZ8uXVJL7OdW7ba8dzMwsdY7b37mk18Do4RVloY2Jx0MPhpVZRzZdIx2vOTslfkvkcTX7S4mc7+llHW6jC0UtdtN143FdGsz7dtDvj4aa2enVHOL9RQt1d73fKxh4rDNztJJWXW+hW4PxytUllqNTTTu7JNabpoq4rtFTzuCptxWmbMtk911DHgyRWtd/wKyTVvU/Rr4eFNtRbUUrq8tN0k9fM0uIcHXoHGFszittdPLx+ByGIxdN2efLfrq/NI0+AYucZ2hUzU3JKyira26q6DLgtLkn4+mWw2ktXPn7OV7R8OlTntpZL/usc7OlbTbu8T2HtHg41Kadldyjvz11/M4DjPDMinLLztba22vvYzH8hZJW/JvxZOD4M46rKz03ROqmZJ9URYvWTGYV+r4Nmabayufo6mtymSOQxyEmxGyKolIGxkpCSkRtmerGJD3IY5jHIbJiayDFI/MNchmYa5CHkLqSXOIR3AX1CeBCKIAkeLccmMFuSRoeh6ZEmKmSnoq0TRZNFleLJYs046E0ie5JBle5LTZsx13E0jY4R/M/BHTcKwTzrMmua5fvdHDRNXAcbq0dYSzJfyVLyjb815NHQnM+Gkc75Hxqvblnq3D8K5es/N7Wiifi9aMqapw9Z5k5NbJLknzPM32txLqZs6cVtTypUmumXfzvfvOi4T20hJP01Fq2q9G07+UrW97FdO21Xn9GC/i3EtL78sr9uq2VUaN9k6kl4vLH8p+85ihH1l4lvjmPdevKo1bNay6RSSS9yGcMhepH99508M8IWzRK6eL9I63hGHyJ1G9ErW5ts5y16kvG/wCdzqKuISoZF9qTevev8I5WFS079dGGDbdNmDBt8mFW9zV4JxB0pr2Xe68uXeZ1bXUdhoZm78lf/Ay5VTpjq7z3Ow4nUjUhCUKrs5K19Mt3azfiYvabDSdO8qkc6vFrk7etr5M1pcHqRwUssbu2da32s3ZeLT8jm8fVTalmesZRcZbxna2XvXf3HJUKu0vw2Tj3NbaOSx9OKisrvos3VSa2/Mp4b7L8S/jMNLXpfUoxVhdLWVP8HaxtOBJjGwqMjuIyV3HJBJkbYsmRyZkuhsoGxrYjY25mdDVICNiNiFC6QXABAJABBSCQAAAAFTEAAJIsliyumSxY2HoXSJkyWLK8WSRZqihFIuYeok/WTaaa0+DLNCMXfV5rXSeztdv4IoRZNSnZp9P2zdjsz3JfjhJRgpWaTLmAdlrza+Bs8SyPCR9E4vM4JvS7a1slfS3N+RlRhlgkt273/I3/AB62jn1fJafsZiI2k+4s8M0kn4keLjeV/aSfvWvxuTYDRt9F+qNu+wq3vGa2Lr+rHxbMrLqWMRWzJLp+f7QuW1n3a+LuEf1Rlxrghrl6tnyJ+HWTd93s+XmVqm7sTUY6ktbQUv66O+7MSmouE23BpZVfbnp3MxO1HA8tWWSPq1Hng+k0/XiUMZiqmGoOrF81GN7NKUuq7tfcjCo9tMUpJ1Z+limm4SjFK19VFxSy3V15nIrHc5Hctfkd8aHkw/rwzTp8Hk3JON8ydlzutdji+LRUas4q3qu2jT1W+3fc7TtR26hUpypYWDSnHLKrL1Wr7qEVrtpd+7mefzYmrb/s1o6HxcNR5I5MibFkyKTMV0dGULJkbkEmMbMt0OmQbGhcBQzQAAhAAAABIgAAAAogAAoCCgAD0xgqZZENEsWSwZXTJYsdFCqRYTJIMr5iSDNcX3EUjW4TVtUUXbLPR30Wztry108zoIUXJqMtLKyvpe2jRx6Z1nA+IOrBRkm6kHrJ2tKL0V17Wjv4J73Olhy99HM+ZjaXNEmLo+qrL7N15X+bFoULQba5o1ZxSa5p3UvGxPJN2TilGN9Fr37+ZrnL20cp5nx0YlGld3exLOXqZest/C6/U0MThtM0dufmUJU3dLp+tvkNm1XcFfLuQxhqWMIvWQqh69vA0v4XJKM7WTV2/O3yC8iXZ/ZF32/4M/ttiMuGo0/anKb8IKy/8nwOIcjd7Y4tyrqHKlGy78zzN/FLyOdlI5tXo7PwsfHDP6FkyGchZyIpMx5bN8yMmyKTHTZFJmG6NEoGxoNiCGNSAAAqSAAAAIKIAAAABAAAoAAgAKSAAIAAOTJIsiQ5MvLK0iZMliyumSRY+KE0iwpHSdh6ieJyNpOUbxvzlHXKu9rN7jl4yJKVVxacW000007NNapprZmqcmjPmxK5cv7PVcVg5J6eO+mqat8WLSqKzjZp2SZmdlu0brU3CpaVaCu7/wA9NWWbvetn7/DosFjIreld8mvjdM3xldTvWzzOfC8dcK7DOGYR3tKN09V4J9B64QnN32W5coYuKl/qU3v9uDdkuTs1dGliKsHpTer1b5++24u8tqv2VmJc72cTxLCZa0oJdGn1OvVHPh6cIuObKlLxumlfy+BWq0U6ilKKvdWbV7Nf4Mzthxv6HhX6P/rVm4QezirevUS6LRLvaIz5uUz+B2DG7rh77HnvbGtfHVrNNRkoJrb1IqL+KZhSkNchkpGash6LHj4ypX0LKRHJhJkbZmux8yJJkbY5sjZnpj5QoAAssAAIAAAAAAKAAAgAAEgAABAAAASAAAAA5MaBKZA9MemRJjky6ZRomTHpkCY9MYqFuS1hcTKnNTpycZR1TXLlz3XcdNw7t5XpyTdOjJc1apFvvTztJ99vI5FMdcdORrsmIyYMd96Wz1Gn/wATqF3mw1RKytllCTe17ttW+PkSf8ycNKtTSo1YU7tSqScc0b7NQi3db318LnlVwuHNif4WL0dj257UTq4icKFX/QjlUfRuym8kXKTktXq2rXtoclUquTvJuT6ttu3iyO4hDvY7HimFpIc2MlIGxjZSqHJA2MbBsaxLoakDEACjZcQAAgAAAAkAAAABRAAgAAAJAAAAAAAAEFAAAAAAABUxADZA5McmRjkWTIaJVIXMRXFuW5lHJKmLchuLctzI4kjkJmI7iXI5k8R7kNbG3Aq6LKQbEACuywCABAAAAAAAABIAAAAAFhQIFAAIAAEAAFAAAAAQAAUQAAAAAAAFAAAUAAsQAAAEAIAASAABAAIAEEigIAAAoAAAAAAAAAAAAASQf//Z">
-            <a:hlinkClick r:id="rId2"/>
-          </p:cNvPr>
-          <p:cNvSpPr>
-            <a:spLocks noChangeAspect="1" noChangeArrowheads="1"/>
-          </p:cNvSpPr>
-          <p:nvPr/>
-        </p:nvSpPr>
-        <p:spPr bwMode="auto">
-          <a:xfrm>
-            <a:off x="152400" y="-1538288"/>
-            <a:ext cx="4714875" cy="3533776"/>
-          </a:xfrm>
-          <a:prstGeom prst="rect">
-            <a:avLst/>
-          </a:prstGeom>
-          <a:noFill/>
-          <a:extLst>
-            <a:ext uri="{909E8E84-426E-40dd-AFC4-6F175D3DCCD1}">
-              <a14:hiddenFill xmlns:a14="http://schemas.microsoft.com/office/drawing/2010/main" xmlns="">
-                <a:solidFill>
-                  <a:srgbClr val="FFFFFF"/>
-                </a:solidFill>
-              </a14:hiddenFill>
-            </a:ext>
-          </a:extLst>
-        </p:spPr>
-        <p:txBody>
-          <a:bodyPr vert="horz" wrap="square" lIns="91440" tIns="45720" rIns="91440" bIns="45720" numCol="1" anchor="t" anchorCtr="0" compatLnSpc="1">
-            <a:prstTxWarp prst="textNoShape">
-              <a:avLst/>
-            </a:prstTxWarp>
-          </a:bodyPr>
-          <a:lstStyle/>
-          <a:p>
-            <a:endParaRPr lang="en-US"/>
-          </a:p>
-        </p:txBody>
-      </p:sp>
-      <p:pic>
-        <p:nvPicPr>
-          <p:cNvPr id="1029" name="Picture 5"/>
-          <p:cNvPicPr>
-            <a:picLocks noChangeAspect="1" noChangeArrowheads="1"/>
-          </p:cNvPicPr>
-          <p:nvPr/>
-        </p:nvPicPr>
-        <p:blipFill>
-          <a:blip r:embed="rId3">
-            <a:extLst>
-              <a:ext uri="{28A0092B-C50C-407E-A947-70E740481C1C}">
-                <a14:useLocalDpi xmlns:a14="http://schemas.microsoft.com/office/drawing/2010/main" val="0"/>
-              </a:ext>
-            </a:extLst>
-          </a:blip>
-          <a:srcRect/>
-          <a:stretch>
-            <a:fillRect/>
-          </a:stretch>
-        </p:blipFill>
-        <p:spPr bwMode="auto">
-          <a:xfrm>
-            <a:off x="3581400" y="3600450"/>
-            <a:ext cx="4343400" cy="3257550"/>
-          </a:xfrm>
-          <a:prstGeom prst="rect">
-            <a:avLst/>
-          </a:prstGeom>
-          <a:noFill/>
-          <a:ln>
-            <a:noFill/>
-          </a:ln>
-          <a:extLst>
-            <a:ext uri="{909E8E84-426E-40dd-AFC4-6F175D3DCCD1}">
-              <a14:hiddenFill xmlns:a14="http://schemas.microsoft.com/office/drawing/2010/main" xmlns="">
-                <a:solidFill>
-                  <a:schemeClr val="accent1"/>
-                </a:solidFill>
-              </a14:hiddenFill>
-            </a:ext>
-            <a:ext uri="{91240B29-F687-4f45-9708-019B960494DF}">
-              <a14:hiddenLine xmlns:a14="http://schemas.microsoft.com/office/drawing/2010/main" xmlns="" w="9525">
-                <a:solidFill>
-                  <a:schemeClr val="tx1"/>
-                </a:solidFill>
-                <a:miter lim="800000"/>
-                <a:headEnd/>
-                <a:tailEnd/>
-              </a14:hiddenLine>
-            </a:ext>
-          </a:extLst>
-        </p:spPr>
-      </p:pic>
-      <p:sp>
-        <p:nvSpPr>
-          <p:cNvPr id="6" name="Right Arrow 5"/>
-          <p:cNvSpPr/>
-          <p:nvPr/>
-        </p:nvSpPr>
-        <p:spPr>
-          <a:xfrm>
-            <a:off x="202816" y="3657600"/>
-            <a:ext cx="4064384" cy="990600"/>
-          </a:xfrm>
-          <a:prstGeom prst="rightArrow">
-            <a:avLst/>
-          </a:prstGeom>
-        </p:spPr>
-        <p:style>
-          <a:lnRef idx="2">
-            <a:schemeClr val="accent1">
-              <a:shade val="50000"/>
-            </a:schemeClr>
-          </a:lnRef>
-          <a:fillRef idx="1">
-            <a:schemeClr val="accent1"/>
-          </a:fillRef>
-          <a:effectRef idx="0">
-            <a:schemeClr val="accent1"/>
-          </a:effectRef>
-          <a:fontRef idx="minor">
-            <a:schemeClr val="lt1"/>
-          </a:fontRef>
-        </p:style>
-        <p:txBody>
-          <a:bodyPr rtlCol="0" anchor="ctr"/>
-          <a:lstStyle/>
-          <a:p>
-            <a:pPr algn="ctr"/>
-            <a:r>
               <a:rPr lang="en-US"/>
               <a:t>Using </a:t>
             </a:r>
@@ -4872,14 +4959,14 @@
           </a:ln>
           <a:extLst>
             <a:ext uri="{909E8E84-426E-40dd-AFC4-6F175D3DCCD1}">
-              <a14:hiddenFill xmlns:a14="http://schemas.microsoft.com/office/drawing/2010/main" xmlns="">
+              <a14:hiddenFill xmlns="" xmlns:a14="http://schemas.microsoft.com/office/drawing/2010/main">
                 <a:solidFill>
                   <a:schemeClr val="accent1"/>
                 </a:solidFill>
               </a14:hiddenFill>
             </a:ext>
             <a:ext uri="{91240B29-F687-4f45-9708-019B960494DF}">
-              <a14:hiddenLine xmlns:a14="http://schemas.microsoft.com/office/drawing/2010/main" xmlns="" w="9525">
+              <a14:hiddenLine xmlns="" xmlns:a14="http://schemas.microsoft.com/office/drawing/2010/main" w="9525">
                 <a:solidFill>
                   <a:schemeClr val="tx1"/>
                 </a:solidFill>
@@ -5255,10 +5342,10 @@
       </p:sp>
       <p:pic>
         <p:nvPicPr>
-          <p:cNvPr id="4" name="Picture 3">
+          <p:cNvPr id="3" name="Picture 2">
             <a:extLst>
               <a:ext uri="{FF2B5EF4-FFF2-40B4-BE49-F238E27FC236}">
-                <a16:creationId xmlns:a16="http://schemas.microsoft.com/office/drawing/2014/main" id="{501D75BA-BD31-C4CB-61F3-6C883F8847CC}"/>
+                <a16:creationId xmlns:a16="http://schemas.microsoft.com/office/drawing/2014/main" id="{76ED150A-CAB2-0E58-6AC4-5EABDFB50DD3}"/>
               </a:ext>
             </a:extLst>
           </p:cNvPr>
@@ -5275,14 +5362,167 @@
         </p:blipFill>
         <p:spPr>
           <a:xfrm>
-            <a:off x="0" y="3346650"/>
-            <a:ext cx="9144000" cy="2887579"/>
+            <a:off x="54549" y="4570880"/>
+            <a:ext cx="9034902" cy="1983439"/>
           </a:xfrm>
           <a:prstGeom prst="rect">
             <a:avLst/>
           </a:prstGeom>
         </p:spPr>
       </p:pic>
+      <mc:AlternateContent xmlns:mc="http://schemas.openxmlformats.org/markup-compatibility/2006">
+        <mc:Choice xmlns:p14="http://schemas.microsoft.com/office/powerpoint/2010/main" Requires="p14">
+          <p:contentPart p14:bwMode="auto" r:id="rId4">
+            <p14:nvContentPartPr>
+              <p14:cNvPr id="5" name="Ink 4">
+                <a:extLst>
+                  <a:ext uri="{FF2B5EF4-FFF2-40B4-BE49-F238E27FC236}">
+                    <a16:creationId xmlns:a16="http://schemas.microsoft.com/office/drawing/2014/main" id="{9F9C5F4C-ED64-0C26-8671-524997997232}"/>
+                  </a:ext>
+                </a:extLst>
+              </p14:cNvPr>
+              <p14:cNvContentPartPr/>
+              <p14:nvPr/>
+            </p14:nvContentPartPr>
+            <p14:xfrm>
+              <a:off x="6146199" y="6124661"/>
+              <a:ext cx="2643840" cy="50400"/>
+            </p14:xfrm>
+          </p:contentPart>
+        </mc:Choice>
+        <mc:Fallback>
+          <p:pic>
+            <p:nvPicPr>
+              <p:cNvPr id="5" name="Ink 4">
+                <a:extLst>
+                  <a:ext uri="{FF2B5EF4-FFF2-40B4-BE49-F238E27FC236}">
+                    <a16:creationId xmlns:a16="http://schemas.microsoft.com/office/drawing/2014/main" id="{9F9C5F4C-ED64-0C26-8671-524997997232}"/>
+                  </a:ext>
+                </a:extLst>
+              </p:cNvPr>
+              <p:cNvPicPr/>
+              <p:nvPr/>
+            </p:nvPicPr>
+            <p:blipFill>
+              <a:blip r:embed="rId5"/>
+              <a:stretch>
+                <a:fillRect/>
+              </a:stretch>
+            </p:blipFill>
+            <p:spPr>
+              <a:xfrm>
+                <a:off x="6092206" y="6017427"/>
+                <a:ext cx="2751465" cy="264511"/>
+              </a:xfrm>
+              <a:prstGeom prst="rect">
+                <a:avLst/>
+              </a:prstGeom>
+            </p:spPr>
+          </p:pic>
+        </mc:Fallback>
+      </mc:AlternateContent>
+      <mc:AlternateContent xmlns:mc="http://schemas.openxmlformats.org/markup-compatibility/2006">
+        <mc:Choice xmlns:p14="http://schemas.microsoft.com/office/powerpoint/2010/main" Requires="p14">
+          <p:contentPart p14:bwMode="auto" r:id="rId6">
+            <p14:nvContentPartPr>
+              <p14:cNvPr id="6" name="Ink 5">
+                <a:extLst>
+                  <a:ext uri="{FF2B5EF4-FFF2-40B4-BE49-F238E27FC236}">
+                    <a16:creationId xmlns:a16="http://schemas.microsoft.com/office/drawing/2014/main" id="{FAB2E820-0955-C5AC-C0A1-82F5575AAC2B}"/>
+                  </a:ext>
+                </a:extLst>
+              </p14:cNvPr>
+              <p14:cNvContentPartPr/>
+              <p14:nvPr/>
+            </p14:nvContentPartPr>
+            <p14:xfrm>
+              <a:off x="1918359" y="6056981"/>
+              <a:ext cx="707040" cy="48960"/>
+            </p14:xfrm>
+          </p:contentPart>
+        </mc:Choice>
+        <mc:Fallback>
+          <p:pic>
+            <p:nvPicPr>
+              <p:cNvPr id="6" name="Ink 5">
+                <a:extLst>
+                  <a:ext uri="{FF2B5EF4-FFF2-40B4-BE49-F238E27FC236}">
+                    <a16:creationId xmlns:a16="http://schemas.microsoft.com/office/drawing/2014/main" id="{FAB2E820-0955-C5AC-C0A1-82F5575AAC2B}"/>
+                  </a:ext>
+                </a:extLst>
+              </p:cNvPr>
+              <p:cNvPicPr/>
+              <p:nvPr/>
+            </p:nvPicPr>
+            <p:blipFill>
+              <a:blip r:embed="rId7"/>
+              <a:stretch>
+                <a:fillRect/>
+              </a:stretch>
+            </p:blipFill>
+            <p:spPr>
+              <a:xfrm>
+                <a:off x="1864386" y="5948981"/>
+                <a:ext cx="814625" cy="264600"/>
+              </a:xfrm>
+              <a:prstGeom prst="rect">
+                <a:avLst/>
+              </a:prstGeom>
+            </p:spPr>
+          </p:pic>
+        </mc:Fallback>
+      </mc:AlternateContent>
+      <mc:AlternateContent xmlns:mc="http://schemas.openxmlformats.org/markup-compatibility/2006">
+        <mc:Choice xmlns:p14="http://schemas.microsoft.com/office/powerpoint/2010/main" Requires="p14">
+          <p:contentPart p14:bwMode="auto" r:id="rId8">
+            <p14:nvContentPartPr>
+              <p14:cNvPr id="7" name="Ink 6">
+                <a:extLst>
+                  <a:ext uri="{FF2B5EF4-FFF2-40B4-BE49-F238E27FC236}">
+                    <a16:creationId xmlns:a16="http://schemas.microsoft.com/office/drawing/2014/main" id="{EB03C174-5CAA-A402-08F3-D4D0FFE21B85}"/>
+                  </a:ext>
+                </a:extLst>
+              </p14:cNvPr>
+              <p14:cNvContentPartPr/>
+              <p14:nvPr/>
+            </p14:nvContentPartPr>
+            <p14:xfrm>
+              <a:off x="599679" y="6203141"/>
+              <a:ext cx="2416680" cy="159120"/>
+            </p14:xfrm>
+          </p:contentPart>
+        </mc:Choice>
+        <mc:Fallback>
+          <p:pic>
+            <p:nvPicPr>
+              <p:cNvPr id="7" name="Ink 6">
+                <a:extLst>
+                  <a:ext uri="{FF2B5EF4-FFF2-40B4-BE49-F238E27FC236}">
+                    <a16:creationId xmlns:a16="http://schemas.microsoft.com/office/drawing/2014/main" id="{EB03C174-5CAA-A402-08F3-D4D0FFE21B85}"/>
+                  </a:ext>
+                </a:extLst>
+              </p:cNvPr>
+              <p:cNvPicPr/>
+              <p:nvPr/>
+            </p:nvPicPr>
+            <p:blipFill>
+              <a:blip r:embed="rId9"/>
+              <a:stretch>
+                <a:fillRect/>
+              </a:stretch>
+            </p:blipFill>
+            <p:spPr>
+              <a:xfrm>
+                <a:off x="545679" y="6095141"/>
+                <a:ext cx="2524320" cy="374760"/>
+              </a:xfrm>
+              <a:prstGeom prst="rect">
+                <a:avLst/>
+              </a:prstGeom>
+            </p:spPr>
+          </p:pic>
+        </mc:Fallback>
+      </mc:AlternateContent>
     </p:spTree>
     <p:extLst>
       <p:ext uri="{BB962C8B-B14F-4D97-AF65-F5344CB8AC3E}">
@@ -6128,15 +6368,6 @@
 </file>
 
 <file path=customXml/item1.xml><?xml version="1.0" encoding="utf-8"?>
-<?mso-contentType ?>
-<FormTemplates xmlns="http://schemas.microsoft.com/sharepoint/v3/contenttype/forms">
-  <Display>DocumentLibraryForm</Display>
-  <Edit>DocumentLibraryForm</Edit>
-  <New>DocumentLibraryForm</New>
-</FormTemplates>
-</file>
-
-<file path=customXml/item2.xml><?xml version="1.0" encoding="utf-8"?>
 <ct:contentTypeSchema xmlns:ct="http://schemas.microsoft.com/office/2006/metadata/contentType" xmlns:ma="http://schemas.microsoft.com/office/2006/metadata/properties/metaAttributes" ct:_="" ma:_="" ma:contentTypeName="Document" ma:contentTypeID="0x0101001570BCAAD2E4294F9443DCB038A55380" ma:contentTypeVersion="8" ma:contentTypeDescription="Create a new document." ma:contentTypeScope="" ma:versionID="9523c79d6bab9e2ad858b5223ec5ed94">
   <xsd:schema xmlns:xsd="http://www.w3.org/2001/XMLSchema" xmlns:xs="http://www.w3.org/2001/XMLSchema" xmlns:p="http://schemas.microsoft.com/office/2006/metadata/properties" xmlns:ns2="201674f6-2bdd-4f13-ba1e-424e4aa70473" targetNamespace="http://schemas.microsoft.com/office/2006/metadata/properties" ma:root="true" ma:fieldsID="587afc94f70b507ec5be5f4d78229b0b" ns2:_="">
     <xsd:import namespace="201674f6-2bdd-4f13-ba1e-424e4aa70473"/>
@@ -6306,6 +6537,15 @@
 </ct:contentTypeSchema>
 </file>
 
+<file path=customXml/item2.xml><?xml version="1.0" encoding="utf-8"?>
+<?mso-contentType ?>
+<FormTemplates xmlns="http://schemas.microsoft.com/sharepoint/v3/contenttype/forms">
+  <Display>DocumentLibraryForm</Display>
+  <Edit>DocumentLibraryForm</Edit>
+  <New>DocumentLibraryForm</New>
+</FormTemplates>
+</file>
+
 <file path=customXml/item3.xml><?xml version="1.0" encoding="utf-8"?>
 <p:properties xmlns:p="http://schemas.microsoft.com/office/2006/metadata/properties" xmlns:xsi="http://www.w3.org/2001/XMLSchema-instance" xmlns:pc="http://schemas.microsoft.com/office/infopath/2007/PartnerControls">
   <documentManagement/>
@@ -6313,14 +6553,6 @@
 </file>
 
 <file path=customXml/itemProps1.xml><?xml version="1.0" encoding="utf-8"?>
-<ds:datastoreItem xmlns:ds="http://schemas.openxmlformats.org/officeDocument/2006/customXml" ds:itemID="{B83796DB-86E9-4D44-9BCB-A762264A5AFE}">
-  <ds:schemaRefs>
-    <ds:schemaRef ds:uri="http://schemas.microsoft.com/sharepoint/v3/contenttype/forms"/>
-  </ds:schemaRefs>
-</ds:datastoreItem>
-</file>
-
-<file path=customXml/itemProps2.xml><?xml version="1.0" encoding="utf-8"?>
 <ds:datastoreItem xmlns:ds="http://schemas.openxmlformats.org/officeDocument/2006/customXml" ds:itemID="{4055B637-E92D-4086-B83D-87288CBA5498}">
   <ds:schemaRefs>
     <ds:schemaRef ds:uri="http://schemas.microsoft.com/office/2006/metadata/contentType"/>
@@ -6338,6 +6570,14 @@
 </ds:datastoreItem>
 </file>
 
+<file path=customXml/itemProps2.xml><?xml version="1.0" encoding="utf-8"?>
+<ds:datastoreItem xmlns:ds="http://schemas.openxmlformats.org/officeDocument/2006/customXml" ds:itemID="{B83796DB-86E9-4D44-9BCB-A762264A5AFE}">
+  <ds:schemaRefs>
+    <ds:schemaRef ds:uri="http://schemas.microsoft.com/sharepoint/v3/contenttype/forms"/>
+  </ds:schemaRefs>
+</ds:datastoreItem>
+</file>
+
 <file path=customXml/itemProps3.xml><?xml version="1.0" encoding="utf-8"?>
 <ds:datastoreItem xmlns:ds="http://schemas.openxmlformats.org/officeDocument/2006/customXml" ds:itemID="{A396EFD4-1250-457A-AB4B-16A5266B50A5}">
   <ds:schemaRefs>

--- a/ClassMaterials/Encapsulation/Slides/Part6-Encapsulation.pptx
+++ b/ClassMaterials/Encapsulation/Slides/Part6-Encapsulation.pptx
@@ -5,10 +5,10 @@
     <p:sldMasterId id="2147483648" r:id="rId4"/>
   </p:sldMasterIdLst>
   <p:notesMasterIdLst>
-    <p:notesMasterId r:id="rId11"/>
+    <p:notesMasterId r:id="rId12"/>
   </p:notesMasterIdLst>
   <p:handoutMasterIdLst>
-    <p:handoutMasterId r:id="rId12"/>
+    <p:handoutMasterId r:id="rId13"/>
   </p:handoutMasterIdLst>
   <p:sldIdLst>
     <p:sldId id="432" r:id="rId5"/>
@@ -17,6 +17,7 @@
     <p:sldId id="434" r:id="rId8"/>
     <p:sldId id="436" r:id="rId9"/>
     <p:sldId id="438" r:id="rId10"/>
+    <p:sldId id="439" r:id="rId11"/>
   </p:sldIdLst>
   <p:sldSz cx="9144000" cy="6858000" type="screen4x3"/>
   <p:notesSz cx="6858000" cy="9144000"/>
@@ -141,6 +142,35 @@
 </p:cmAuthorLst>
 </file>
 
+<file path=ppt/changesInfos/changesInfo1.xml><?xml version="1.0" encoding="utf-8"?>
+<pc:chgInfo xmlns:a="http://schemas.openxmlformats.org/drawingml/2006/main" xmlns:r="http://schemas.openxmlformats.org/officeDocument/2006/relationships" xmlns:ac="http://schemas.microsoft.com/office/drawing/2013/main/command" xmlns:pc="http://schemas.microsoft.com/office/powerpoint/2013/main/command">
+  <pc:docChgLst>
+    <pc:chgData name="Yoder, Jason" userId="28f4d4d8-da04-4f86-b14d-a21675737bc5" providerId="ADAL" clId="{8A42E1DD-B932-40AC-8B90-9AAC1262A9F4}"/>
+    <pc:docChg chg="modSld">
+      <pc:chgData name="Yoder, Jason" userId="28f4d4d8-da04-4f86-b14d-a21675737bc5" providerId="ADAL" clId="{8A42E1DD-B932-40AC-8B90-9AAC1262A9F4}" dt="2023-09-14T14:02:15.644" v="0" actId="6549"/>
+      <pc:docMkLst>
+        <pc:docMk/>
+      </pc:docMkLst>
+      <pc:sldChg chg="modSp mod">
+        <pc:chgData name="Yoder, Jason" userId="28f4d4d8-da04-4f86-b14d-a21675737bc5" providerId="ADAL" clId="{8A42E1DD-B932-40AC-8B90-9AAC1262A9F4}" dt="2023-09-14T14:02:15.644" v="0" actId="6549"/>
+        <pc:sldMkLst>
+          <pc:docMk/>
+          <pc:sldMk cId="1417429111" sldId="436"/>
+        </pc:sldMkLst>
+        <pc:spChg chg="mod">
+          <ac:chgData name="Yoder, Jason" userId="28f4d4d8-da04-4f86-b14d-a21675737bc5" providerId="ADAL" clId="{8A42E1DD-B932-40AC-8B90-9AAC1262A9F4}" dt="2023-09-14T14:02:15.644" v="0" actId="6549"/>
+          <ac:spMkLst>
+            <pc:docMk/>
+            <pc:sldMk cId="1417429111" sldId="436"/>
+            <ac:spMk id="3" creationId="{F1A44BCB-7A3F-44FE-A0DE-8B6415CE1F61}"/>
+          </ac:spMkLst>
+        </pc:spChg>
+      </pc:sldChg>
+    </pc:docChg>
+  </pc:docChgLst>
+</pc:chgInfo>
+</file>
+
 <file path=ppt/handoutMasters/handoutMaster1.xml><?xml version="1.0" encoding="utf-8"?>
 <p:handoutMaster xmlns:a="http://schemas.openxmlformats.org/drawingml/2006/main" xmlns:r="http://schemas.openxmlformats.org/officeDocument/2006/relationships" xmlns:p="http://schemas.openxmlformats.org/presentationml/2006/main">
   <p:cSld>
@@ -223,7 +253,7 @@
           <a:p>
             <a:fld id="{4F942F4A-6994-3A49-9461-EE810FAF072D}" type="datetimeFigureOut">
               <a:rPr lang="en-US" smtClean="0"/>
-              <a:t>8/11/2023</a:t>
+              <a:t>9/14/2023</a:t>
             </a:fld>
             <a:endParaRPr lang="en-US"/>
           </a:p>
@@ -304,6 +334,93 @@
   </p:cSld>
   <p:clrMap bg1="lt1" tx1="dk1" bg2="lt2" tx2="dk2" accent1="accent1" accent2="accent2" accent3="accent3" accent4="accent4" accent5="accent5" accent6="accent6" hlink="hlink" folHlink="folHlink"/>
 </p:handoutMaster>
+</file>
+
+<file path=ppt/ink/ink1.xml><?xml version="1.0" encoding="utf-8"?>
+<inkml:ink xmlns:inkml="http://www.w3.org/2003/InkML">
+  <inkml:definitions>
+    <inkml:context xml:id="ctx0">
+      <inkml:inkSource xml:id="inkSrc0">
+        <inkml:traceFormat>
+          <inkml:channel name="X" type="integer" min="-2.14748E9" max="2.14748E9" units="cm"/>
+          <inkml:channel name="Y" type="integer" min="-2.14748E9" max="2.14748E9" units="cm"/>
+        </inkml:traceFormat>
+        <inkml:channelProperties>
+          <inkml:channelProperty channel="X" name="resolution" value="1000" units="1/cm"/>
+          <inkml:channelProperty channel="Y" name="resolution" value="1000" units="1/cm"/>
+        </inkml:channelProperties>
+      </inkml:inkSource>
+      <inkml:timestamp xml:id="ts0" timeString="2023-09-12T17:51:58.147"/>
+    </inkml:context>
+    <inkml:brush xml:id="br0">
+      <inkml:brushProperty name="width" value="0.3" units="cm"/>
+      <inkml:brushProperty name="height" value="0.6" units="cm"/>
+      <inkml:brushProperty name="color" value="#FFFC00"/>
+      <inkml:brushProperty name="tip" value="rectangle"/>
+      <inkml:brushProperty name="rasterOp" value="maskPen"/>
+      <inkml:brushProperty name="ignorePressure" value="1"/>
+    </inkml:brush>
+  </inkml:definitions>
+  <inkml:trace contextRef="#ctx0" brushRef="#br0">7344 2,'-172'-2,"-182"5,226 11,-34 0,59-15,33 0,1 2,-100 14,35 11,-2-6,-194 3,142-11,3 2,-3483-16,3379-11,28-1,197 14,22 1,0-2,-68-10,41 2,-124-2,-25-2,56 2,136 11</inkml:trace>
+</inkml:ink>
+</file>
+
+<file path=ppt/ink/ink2.xml><?xml version="1.0" encoding="utf-8"?>
+<inkml:ink xmlns:inkml="http://www.w3.org/2003/InkML">
+  <inkml:definitions>
+    <inkml:context xml:id="ctx0">
+      <inkml:inkSource xml:id="inkSrc0">
+        <inkml:traceFormat>
+          <inkml:channel name="X" type="integer" min="-2.14748E9" max="2.14748E9" units="cm"/>
+          <inkml:channel name="Y" type="integer" min="-2.14748E9" max="2.14748E9" units="cm"/>
+        </inkml:traceFormat>
+        <inkml:channelProperties>
+          <inkml:channelProperty channel="X" name="resolution" value="1000" units="1/cm"/>
+          <inkml:channelProperty channel="Y" name="resolution" value="1000" units="1/cm"/>
+        </inkml:channelProperties>
+      </inkml:inkSource>
+      <inkml:timestamp xml:id="ts0" timeString="2023-09-12T17:51:58.148"/>
+    </inkml:context>
+    <inkml:brush xml:id="br0">
+      <inkml:brushProperty name="width" value="0.3" units="cm"/>
+      <inkml:brushProperty name="height" value="0.6" units="cm"/>
+      <inkml:brushProperty name="color" value="#FFFC00"/>
+      <inkml:brushProperty name="tip" value="rectangle"/>
+      <inkml:brushProperty name="rasterOp" value="maskPen"/>
+      <inkml:brushProperty name="ignorePressure" value="1"/>
+    </inkml:brush>
+  </inkml:definitions>
+  <inkml:trace contextRef="#ctx0" brushRef="#br0">1964 136,'-769'0,"740"-3,0 0,1-2,0-1,-46-16,-26-5,28 16,1 4,-1 3,-102 7,38 0,94-3,1-2,-72-13,-49-18,138 30</inkml:trace>
+</inkml:ink>
+</file>
+
+<file path=ppt/ink/ink3.xml><?xml version="1.0" encoding="utf-8"?>
+<inkml:ink xmlns:inkml="http://www.w3.org/2003/InkML">
+  <inkml:definitions>
+    <inkml:context xml:id="ctx0">
+      <inkml:inkSource xml:id="inkSrc0">
+        <inkml:traceFormat>
+          <inkml:channel name="X" type="integer" min="-2.14748E9" max="2.14748E9" units="cm"/>
+          <inkml:channel name="Y" type="integer" min="-2.14748E9" max="2.14748E9" units="cm"/>
+        </inkml:traceFormat>
+        <inkml:channelProperties>
+          <inkml:channelProperty channel="X" name="resolution" value="1000" units="1/cm"/>
+          <inkml:channelProperty channel="Y" name="resolution" value="1000" units="1/cm"/>
+        </inkml:channelProperties>
+      </inkml:inkSource>
+      <inkml:timestamp xml:id="ts0" timeString="2023-09-12T17:51:58.149"/>
+    </inkml:context>
+    <inkml:brush xml:id="br0">
+      <inkml:brushProperty name="width" value="0.3" units="cm"/>
+      <inkml:brushProperty name="height" value="0.6" units="cm"/>
+      <inkml:brushProperty name="color" value="#FFFC00"/>
+      <inkml:brushProperty name="tip" value="rectangle"/>
+      <inkml:brushProperty name="rasterOp" value="maskPen"/>
+      <inkml:brushProperty name="ignorePressure" value="1"/>
+    </inkml:brush>
+  </inkml:definitions>
+  <inkml:trace contextRef="#ctx0" brushRef="#br0">1 358,'38'-11,"1"2,0 1,57-4,-10 2,1657-217,-1216 153,-135 67,-222 10,-95-3,28-1,157 18,-47 27,-163-33,1-3,72 2,59 10,-92-6,147 4,96-20,-121-1,1439 3,-1649 2,-11 3,-28 11,-56 15,-65 6,-1-7,-325 18,63-24,308-15,-224 9,-1044-19,1113 15,-14 0,61-17,-316 6,370 10,-54 2,-52-17,-198 4,323 11,-40 1,158-14</inkml:trace>
+</inkml:ink>
 </file>
 
 <file path=ppt/notesMasters/notesMaster1.xml><?xml version="1.0" encoding="utf-8"?>
@@ -388,7 +505,7 @@
           <a:p>
             <a:fld id="{11374350-B736-4AC1-A1E7-19777DF1B0E1}" type="datetimeFigureOut">
               <a:rPr lang="en-US" smtClean="0"/>
-              <a:t>8/11/2023</a:t>
+              <a:t>9/13/2023</a:t>
             </a:fld>
             <a:endParaRPr lang="en-US"/>
           </a:p>
@@ -1008,7 +1125,7 @@
           <a:p>
             <a:fld id="{50A519B0-864F-436F-AD10-563B5AD2C023}" type="datetimeFigureOut">
               <a:rPr lang="en-US" smtClean="0"/>
-              <a:t>8/11/2023</a:t>
+              <a:t>9/13/2023</a:t>
             </a:fld>
             <a:endParaRPr lang="en-US"/>
           </a:p>
@@ -1176,7 +1293,7 @@
           <a:p>
             <a:fld id="{50A519B0-864F-436F-AD10-563B5AD2C023}" type="datetimeFigureOut">
               <a:rPr lang="en-US" smtClean="0"/>
-              <a:t>8/11/2023</a:t>
+              <a:t>9/13/2023</a:t>
             </a:fld>
             <a:endParaRPr lang="en-US"/>
           </a:p>
@@ -1354,7 +1471,7 @@
           <a:p>
             <a:fld id="{50A519B0-864F-436F-AD10-563B5AD2C023}" type="datetimeFigureOut">
               <a:rPr lang="en-US" smtClean="0"/>
-              <a:t>8/11/2023</a:t>
+              <a:t>9/13/2023</a:t>
             </a:fld>
             <a:endParaRPr lang="en-US"/>
           </a:p>
@@ -1522,7 +1639,7 @@
           <a:p>
             <a:fld id="{50A519B0-864F-436F-AD10-563B5AD2C023}" type="datetimeFigureOut">
               <a:rPr lang="en-US" smtClean="0"/>
-              <a:t>8/11/2023</a:t>
+              <a:t>9/13/2023</a:t>
             </a:fld>
             <a:endParaRPr lang="en-US"/>
           </a:p>
@@ -1767,7 +1884,7 @@
           <a:p>
             <a:fld id="{50A519B0-864F-436F-AD10-563B5AD2C023}" type="datetimeFigureOut">
               <a:rPr lang="en-US" smtClean="0"/>
-              <a:t>8/11/2023</a:t>
+              <a:t>9/13/2023</a:t>
             </a:fld>
             <a:endParaRPr lang="en-US"/>
           </a:p>
@@ -2052,7 +2169,7 @@
           <a:p>
             <a:fld id="{50A519B0-864F-436F-AD10-563B5AD2C023}" type="datetimeFigureOut">
               <a:rPr lang="en-US" smtClean="0"/>
-              <a:t>8/11/2023</a:t>
+              <a:t>9/13/2023</a:t>
             </a:fld>
             <a:endParaRPr lang="en-US"/>
           </a:p>
@@ -2471,7 +2588,7 @@
           <a:p>
             <a:fld id="{50A519B0-864F-436F-AD10-563B5AD2C023}" type="datetimeFigureOut">
               <a:rPr lang="en-US" smtClean="0"/>
-              <a:t>8/11/2023</a:t>
+              <a:t>9/13/2023</a:t>
             </a:fld>
             <a:endParaRPr lang="en-US"/>
           </a:p>
@@ -2588,7 +2705,7 @@
           <a:p>
             <a:fld id="{50A519B0-864F-436F-AD10-563B5AD2C023}" type="datetimeFigureOut">
               <a:rPr lang="en-US" smtClean="0"/>
-              <a:t>8/11/2023</a:t>
+              <a:t>9/13/2023</a:t>
             </a:fld>
             <a:endParaRPr lang="en-US"/>
           </a:p>
@@ -2683,7 +2800,7 @@
           <a:p>
             <a:fld id="{50A519B0-864F-436F-AD10-563B5AD2C023}" type="datetimeFigureOut">
               <a:rPr lang="en-US" smtClean="0"/>
-              <a:t>8/11/2023</a:t>
+              <a:t>9/13/2023</a:t>
             </a:fld>
             <a:endParaRPr lang="en-US"/>
           </a:p>
@@ -2958,7 +3075,7 @@
           <a:p>
             <a:fld id="{50A519B0-864F-436F-AD10-563B5AD2C023}" type="datetimeFigureOut">
               <a:rPr lang="en-US" smtClean="0"/>
-              <a:t>8/11/2023</a:t>
+              <a:t>9/13/2023</a:t>
             </a:fld>
             <a:endParaRPr lang="en-US"/>
           </a:p>
@@ -3210,7 +3327,7 @@
           <a:p>
             <a:fld id="{50A519B0-864F-436F-AD10-563B5AD2C023}" type="datetimeFigureOut">
               <a:rPr lang="en-US" smtClean="0"/>
-              <a:t>8/11/2023</a:t>
+              <a:t>9/13/2023</a:t>
             </a:fld>
             <a:endParaRPr lang="en-US"/>
           </a:p>
@@ -3421,7 +3538,7 @@
           <a:p>
             <a:fld id="{50A519B0-864F-436F-AD10-563B5AD2C023}" type="datetimeFigureOut">
               <a:rPr lang="en-US" smtClean="0"/>
-              <a:t>8/11/2023</a:t>
+              <a:t>9/13/2023</a:t>
             </a:fld>
             <a:endParaRPr lang="en-US"/>
           </a:p>
@@ -4066,6 +4183,335 @@
           <a:noFill/>
           <a:extLst>
             <a:ext uri="{909E8E84-426E-40dd-AFC4-6F175D3DCCD1}">
+              <a14:hiddenFill xmlns:a14="http://schemas.microsoft.com/office/drawing/2010/main" xmlns="">
+                <a:solidFill>
+                  <a:srgbClr val="FFFFFF"/>
+                </a:solidFill>
+              </a14:hiddenFill>
+            </a:ext>
+          </a:extLst>
+        </p:spPr>
+        <p:txBody>
+          <a:bodyPr vert="horz" wrap="square" lIns="91440" tIns="45720" rIns="91440" bIns="45720" numCol="1" anchor="t" anchorCtr="0" compatLnSpc="1">
+            <a:prstTxWarp prst="textNoShape">
+              <a:avLst/>
+            </a:prstTxWarp>
+          </a:bodyPr>
+          <a:lstStyle/>
+          <a:p>
+            <a:endParaRPr lang="en-US"/>
+          </a:p>
+        </p:txBody>
+      </p:sp>
+      <p:sp>
+        <p:nvSpPr>
+          <p:cNvPr id="5" name="AutoShape 4" descr="data:image/jpeg;base64,/9j/4AAQSkZJRgABAQAAAQABAAD/2wCEAAkGBxQSEBQUEBQUFBQUFRQUFRQUFRQVFBUQFRQWFhUUFBQYHCggGBolHBQUITEhJSkrLi4uFx8zODMsNygtLisBCgoKDg0OGhAQGywkHyQsLCwsLCwsLCwsLCwsLCwsLDcsLCwsLCwsLCwsLCwtLCwsLCwsLCwsLCwsLCwsLCwsLP/AABEIAMIBAwMBIgACEQEDEQH/xAAbAAABBQEBAAAAAAAAAAAAAAAAAQIDBAUGB//EAD8QAAIBAgQDBAYIBQIHAAAAAAABAgMRBBIhMQVBUQZhcYETIlKRodEUFjKSk7HB8BVCU2LxI6IHFzOCs9Lh/8QAGgEAAgMBAQAAAAAAAAAAAAAAAAMBAgQFBv/EACoRAAMAAgEEAgICAQUBAAAAAAABAgMREhMhMVEEQWFxFCKRMlKBofAF/9oADAMBAAIRAxEAPwDJ9A2O+iSfI6dcEkS4XByhLRX6pq6PWP5C+jzPBnKvh097EMsO1ud7PK9LNPvWhmY/AaOyV+4iPk78hUaOTdMR0zVlh+4fHBpof1ELMfIPjRNeOA7ieOBSW5V5UToxfobFjg3d3N2GFfcP+jW3KvMToxVh7rXdDvoj3sb0MKnsienSS0aFvMWUGAsLtfbe/UR0Vrp4HRrCq1lqviNfD3/LsV6yLcGcvUw76DYUbnSTwf8Abby0BYFX2LdZFeDOf+j9zJ6WHturLwOgjgLrkOqYK3Io86LdNmbSoPl/8JHSfK/gXKdNrbfoXMMk36y18LCqyaLqdkXD820k/cTVoW2NGMIr/I/0Sf7uZnk77NKjtow6bTfrF5YKCSLU8NFcl5onpQi13kVk9EzHsjw0FbTclp0FcZVoNPSNxv0vLuhT2/AxNLyWlhbkiwKIKfEY9xao46L0Yt80Nngxjw8VsROFi7Jq10U687K+hEtsmkkR1Ioo1pLmtO8hxvEWtvgY2Ix1+vmaseJsy3lSNKVSPd70IYjqAaOkJ6p1UcRFc0TLEqXsv8zkPW6v3jlKXVg/jL2UXyPwdddPoRzpR52scsqkupJGvNcyP47X2T10/o3atCm1yKMsLFa6MpfSJE1DiTirON14lljteCruX5FqUly9yGqkugrxsX/J738hHily08kXSoo3I6OHfIllhmV/pH9xNDHyXNNd6uVaolOQi5R6Ezxye8L96I/pq5wXldEka9Pvj5X/ACKte0WT9MlU6cusWLCKT9Wb89hIyVtHHx1TGTs9nHyKaLbLtKrbdxZYdCnLW2vcZEaea+VN5VmlZ7LqReks92rdepXp78MusmvKNith0vsPyZA6La9ZW8y32couo3OTvGOiT5z318P1RrYvhkJ7LK+q0170ZrzrHfFmmMDyRyRyk8Jb+ZE8MVlaskyvjaWSTTvo9+pRlVXJs1zPNbMjrg9Ghisbm29VkFLHuJSdbzGwkm9NPF2/QasS1oo8j3s1/wCIZufxIp4icdVdkNKlBfbfle/6FiOPhH7KfiL4peEX5b8snpccdrSpy8UEuJZnovvKxVq8Sb2jf4sz8RjZc1FeL/QFhT+iXlfs2VinzUfeOp1Yve8fDY5eePlyt5L5kf02fUZ/GZXro7SniIraV/Mjxs09nbyucXLEPqN9PLq/eQvi997J/kbWtG9iIf3fD9CnVw66v99xlTqy6silUl1Hzia+xTpMvy33Ay8z6gM6ZGzp/RhkJsgmUTsUR+j7hPRkmUXKGydkTihvoyfIGQNgQOmKqSJlAdlDZBWdDoJ6Is5RbByAqqAmUt5RuUOQDITaHeizbPV8ur7h0YNvRXfRG7wLg0vSKdVZVHVJ7uXLTlbfyFZcs41tj8WKslKUafA+HLD01mXry1m/Z6R8F+ZS45wOVWrmpJK69dt210S08Eb1Z8uunkPiun7scRZ7V9T7O28EVHT+kQcPwcaNNQjy3fWXNsj4ljHSo1KiWbJGU7e1GKzSSfJ2Tt3juIY2NGLnOSUe925N6e5nOY/tbgsRRnRjVnJ1acotUadSU4xlGz/lsnqVmat8mt+y1XMLinouYmph8bhs6m4wcc+a+WVO2ubut+VzBx0KdSrGlQUXVkr2jK0bR+1JJK1ravvSt34HAu1OCpYdwcatKOZwlecZTlCSup5bK+1tF07xmH7R4WnCjTh6erKlLMp08sZJtSu1NSV276rmnZ7WOhji4bU7/H/v8GDI1enSX5LS1Wnh5rRrxQquiguPSrz9JFScIWjVjJU/SLNpCajF5qlmtWo8zXdM6c02u/k5uSOLIc451fAc6Y10yexXbEqYh29XS/PmUpRZbdMa4FlpA22UnAFEtumJ6MtyIK3oxrpltwGuBGySo4DXSLEojZE7JKzpgTWAtsNnM/WjGf1V+HT+Qv1oxn9Vfh0/kYecVTELFPtm/gvS/wAG39Z8Z/UX3KfyF+s+M/qL7lP5GKqgvpC3Sn2yvBekbP1oxnt/7KfyFXajF+3/ALKfyMZTFUyejPsjivSNf624r21+HT+Qq7X4r21+HD5GRcS4dD8hxn0a67YYn21+HD5B9b8V7a/Dh8jKQ5EdD8hqPRq/W3Fe2vw4fIY+1+Kv9tfh0/kZdTXT3kaplaxPfZkqY+0dzwXt7XglZUb7O8bSfjrt4HVcG7cyqSaqZItW0SaTT72ePwoE0NNvgJv4PPuyVkc/6We4Vu1UVZ5o28iHF9p1LSNSMX/blv46s8upT9Sybbko78tXfX3FaVLuCf8A5K87/wChL+bb2j0TjPGadSmo1pKtbVZ1FNPrG0TjeIVc1f0kIxhFpJqDcb252va5mVaew6lT9WXXS3luaI+Bw8MVWVvuzMxs71JWit+Sf5C4fETg04qN01JXV7S31XPwL1Gkno/AijC3lf4Dl8T2xvVXjQ+PaKrGpUqPLGpUd3KMIXvzVstktForEkO1OIenpNW/Yht4ZDLnS1IJpxaa3WvuM9YXD89h2pr67nQT49iuVSPnGn/6jZdoMT/Uj9ym/wBCrKeiIKhor4qX2xMtP6RffaLE/wBRfcp/IZ9YsV7cfuQ+RQbGsV0PyXSn0jRfaLE+2vuQ+Qn1hxXtL7kPkZ2YFIno/kNL0jR+sGK9pfdh8g/j+K9pfdh8jPchrmT0V7YcV6Rpfx7E9V92HyB8cxHtL7sPkZjmJ6QOml9sngvSNF8cr9f9sPkBmZwI4L/cyeC9IpqoLnKimOznLWdm1wW1MdnKsZDs42c5TgWVMcplaMx6kOnMVcFjOKpFdSHZhyylHJYjIdF3ILl/hEVKo1LbK/fdDJrb0Lyf1lsjjSJ/QW3NGrhVF6a3+Hf++hWpVLtrl8jXMoy9XktoZOnb3C0adn3lmEM2y6a9CxSwzzPQZpCay6XchjD9/vxJKcPibWGwrlTy+zr3W5/mixS4S1rbmLeWV2Zjr5CMWph3lVyGMbfvqjrv4U5KStyfz/QxuIYBxtpuviRjzTXYrGb6Zi0qXr2t/Nsut9iJ0naT8f1uzd+htWlzbk/DLFv82VKuBeSTWyir+co/MusiHzm7nN4iWWcbc0rjMS023ZLuWxPxKi7rTZPyKsneLvvb48/1EX5aOnGmk0S4evmj3rf9GEmUsM7TXfoy1NlceV3Hf67F6jVdhHIa5DJMY2LdllJK5CORDmEcivVLcSXOI5kOYRyFvMWUErmNcyGUxucTWcuoJ84hDmEKdcngU1IcpENxyZyVRtck+cVMhTFUhiyC3JOpDlMr5h8WOnIUclhSJEytGRLFmibF1JMmWuH11Gavono30XUppjoM1Y7aaaFXKaaZ1lKhCe01brfT3hKEFHTfZfDUxeFL1n4a95rRhdpdTp4/7Lkzk5MfCtbNHh1NNL962RtfwxqGduyUkted7kXCsJaUI25Xcn1OhxmHUMNNy1baS+8rP8/cZ8uXVJL7OdW7ba8dzMwsdY7b37mk18Do4RVloY2Jx0MPhpVZRzZdIx2vOTslfkvkcTX7S4mc7+llHW6jC0UtdtN143FdGsz7dtDvj4aa2enVHOL9RQt1d73fKxh4rDNztJJWXW+hW4PxytUllqNTTTu7JNabpoq4rtFTzuCptxWmbMtk911DHgyRWtd/wKyTVvU/Rr4eFNtRbUUrq8tN0k9fM0uIcHXoHGFszittdPLx+ByGIxdN2efLfrq/NI0+AYucZ2hUzU3JKyira26q6DLgtLkn4+mWw2ktXPn7OV7R8OlTntpZL/usc7OlbTbu8T2HtHg41Kadldyjvz11/M4DjPDMinLLztba22vvYzH8hZJW/JvxZOD4M46rKz03ROqmZJ9URYvWTGYV+r4Nmabayufo6mtymSOQxyEmxGyKolIGxkpCSkRtmerGJD3IY5jHIbJiayDFI/MNchmYa5CHkLqSXOIR3AX1CeBCKIAkeLccmMFuSRoeh6ZEmKmSnoq0TRZNFleLJYs046E0ie5JBle5LTZsx13E0jY4R/M/BHTcKwTzrMmua5fvdHDRNXAcbq0dYSzJfyVLyjb815NHQnM+Gkc75Hxqvblnq3D8K5es/N7Wiifi9aMqapw9Z5k5NbJLknzPM32txLqZs6cVtTypUmumXfzvfvOi4T20hJP01Fq2q9G07+UrW97FdO21Xn9GC/i3EtL78sr9uq2VUaN9k6kl4vLH8p+85ihH1l4lvjmPdevKo1bNay6RSSS9yGcMhepH99508M8IWzRK6eL9I63hGHyJ1G9ErW5ts5y16kvG/wCdzqKuISoZF9qTevev8I5WFS079dGGDbdNmDBt8mFW9zV4JxB0pr2Xe68uXeZ1bXUdhoZm78lf/Ay5VTpjq7z3Ow4nUjUhCUKrs5K19Mt3azfiYvabDSdO8qkc6vFrk7etr5M1pcHqRwUssbu2da32s3ZeLT8jm8fVTalmesZRcZbxna2XvXf3HJUKu0vw2Tj3NbaOSx9OKisrvos3VSa2/Mp4b7L8S/jMNLXpfUoxVhdLWVP8HaxtOBJjGwqMjuIyV3HJBJkbYsmRyZkuhsoGxrYjY25mdDVICNiNiFC6QXABAJABBSCQAAAAFTEAAJIsliyumSxY2HoXSJkyWLK8WSRZqihFIuYeok/WTaaa0+DLNCMXfV5rXSeztdv4IoRZNSnZp9P2zdjsz3JfjhJRgpWaTLmAdlrza+Bs8SyPCR9E4vM4JvS7a1slfS3N+RlRhlgkt273/I3/AB62jn1fJafsZiI2k+4s8M0kn4keLjeV/aSfvWvxuTYDRt9F+qNu+wq3vGa2Lr+rHxbMrLqWMRWzJLp+f7QuW1n3a+LuEf1Rlxrghrl6tnyJ+HWTd93s+XmVqm7sTUY6ktbQUv66O+7MSmouE23BpZVfbnp3MxO1HA8tWWSPq1Hng+k0/XiUMZiqmGoOrF81GN7NKUuq7tfcjCo9tMUpJ1Z+limm4SjFK19VFxSy3V15nIrHc5Hctfkd8aHkw/rwzTp8Hk3JON8ydlzutdji+LRUas4q3qu2jT1W+3fc7TtR26hUpypYWDSnHLKrL1Wr7qEVrtpd+7mefzYmrb/s1o6HxcNR5I5MibFkyKTMV0dGULJkbkEmMbMt0OmQbGhcBQzQAAhAAAABIgAAAAogAAoCCgAD0xgqZZENEsWSwZXTJYsdFCqRYTJIMr5iSDNcX3EUjW4TVtUUXbLPR30Wztry108zoIUXJqMtLKyvpe2jRx6Z1nA+IOrBRkm6kHrJ2tKL0V17Wjv4J73Olhy99HM+ZjaXNEmLo+qrL7N15X+bFoULQba5o1ZxSa5p3UvGxPJN2TilGN9Fr37+ZrnL20cp5nx0YlGld3exLOXqZest/C6/U0MThtM0dufmUJU3dLp+tvkNm1XcFfLuQxhqWMIvWQqh69vA0v4XJKM7WTV2/O3yC8iXZ/ZF32/4M/ttiMuGo0/anKb8IKy/8nwOIcjd7Y4tyrqHKlGy78zzN/FLyOdlI5tXo7PwsfHDP6FkyGchZyIpMx5bN8yMmyKTHTZFJmG6NEoGxoNiCGNSAAAqSAAAAIKIAAAABAAAoAAgAKSAAIAAOTJIsiQ5MvLK0iZMliyumSRY+KE0iwpHSdh6ieJyNpOUbxvzlHXKu9rN7jl4yJKVVxacW000007NNapprZmqcmjPmxK5cv7PVcVg5J6eO+mqat8WLSqKzjZp2SZmdlu0brU3CpaVaCu7/wA9NWWbvetn7/DosFjIreld8mvjdM3xldTvWzzOfC8dcK7DOGYR3tKN09V4J9B64QnN32W5coYuKl/qU3v9uDdkuTs1dGliKsHpTer1b5++24u8tqv2VmJc72cTxLCZa0oJdGn1OvVHPh6cIuObKlLxumlfy+BWq0U6ilKKvdWbV7Nf4Mzthxv6HhX6P/rVm4QezirevUS6LRLvaIz5uUz+B2DG7rh77HnvbGtfHVrNNRkoJrb1IqL+KZhSkNchkpGash6LHj4ypX0LKRHJhJkbZmux8yJJkbY5sjZnpj5QoAAssAAIAAAAAAKAAAgAAEgAABAAAASAAAAA5MaBKZA9MemRJjky6ZRomTHpkCY9MYqFuS1hcTKnNTpycZR1TXLlz3XcdNw7t5XpyTdOjJc1apFvvTztJ99vI5FMdcdORrsmIyYMd96Wz1Gn/wATqF3mw1RKytllCTe17ttW+PkSf8ycNKtTSo1YU7tSqScc0b7NQi3db318LnlVwuHNif4WL0dj257UTq4icKFX/QjlUfRuym8kXKTktXq2rXtoclUquTvJuT6ttu3iyO4hDvY7HimFpIc2MlIGxjZSqHJA2MbBsaxLoakDEACjZcQAAgAAAAkAAAABRAAgAAAJAAAAAAAAEFAAAAAAABUxADZA5McmRjkWTIaJVIXMRXFuW5lHJKmLchuLctzI4kjkJmI7iXI5k8R7kNbG3Aq6LKQbEACuywCABAAAAAAAABIAAAAAFhQIFAAIAAEAAFAAAAAQAAUQAAAAAAAFAAAUAAsQAAAEAIAASAABAAIAEEigIAAAoAAAAAAAAAAAAASQf//Z">
+            <a:hlinkClick r:id="rId2"/>
+          </p:cNvPr>
+          <p:cNvSpPr>
+            <a:spLocks noChangeAspect="1" noChangeArrowheads="1"/>
+          </p:cNvSpPr>
+          <p:nvPr/>
+        </p:nvSpPr>
+        <p:spPr bwMode="auto">
+          <a:xfrm>
+            <a:off x="152400" y="-1538288"/>
+            <a:ext cx="4714875" cy="3533776"/>
+          </a:xfrm>
+          <a:prstGeom prst="rect">
+            <a:avLst/>
+          </a:prstGeom>
+          <a:noFill/>
+          <a:extLst>
+            <a:ext uri="{909E8E84-426E-40dd-AFC4-6F175D3DCCD1}">
+              <a14:hiddenFill xmlns:a14="http://schemas.microsoft.com/office/drawing/2010/main" xmlns="">
+                <a:solidFill>
+                  <a:srgbClr val="FFFFFF"/>
+                </a:solidFill>
+              </a14:hiddenFill>
+            </a:ext>
+          </a:extLst>
+        </p:spPr>
+        <p:txBody>
+          <a:bodyPr vert="horz" wrap="square" lIns="91440" tIns="45720" rIns="91440" bIns="45720" numCol="1" anchor="t" anchorCtr="0" compatLnSpc="1">
+            <a:prstTxWarp prst="textNoShape">
+              <a:avLst/>
+            </a:prstTxWarp>
+          </a:bodyPr>
+          <a:lstStyle/>
+          <a:p>
+            <a:endParaRPr lang="en-US"/>
+          </a:p>
+        </p:txBody>
+      </p:sp>
+      <p:pic>
+        <p:nvPicPr>
+          <p:cNvPr id="1029" name="Picture 5"/>
+          <p:cNvPicPr>
+            <a:picLocks noChangeAspect="1" noChangeArrowheads="1"/>
+          </p:cNvPicPr>
+          <p:nvPr/>
+        </p:nvPicPr>
+        <p:blipFill>
+          <a:blip r:embed="rId3">
+            <a:extLst>
+              <a:ext uri="{28A0092B-C50C-407E-A947-70E740481C1C}">
+                <a14:useLocalDpi xmlns:a14="http://schemas.microsoft.com/office/drawing/2010/main" val="0"/>
+              </a:ext>
+            </a:extLst>
+          </a:blip>
+          <a:srcRect/>
+          <a:stretch>
+            <a:fillRect/>
+          </a:stretch>
+        </p:blipFill>
+        <p:spPr bwMode="auto">
+          <a:xfrm>
+            <a:off x="3581400" y="3600450"/>
+            <a:ext cx="4343400" cy="3257550"/>
+          </a:xfrm>
+          <a:prstGeom prst="rect">
+            <a:avLst/>
+          </a:prstGeom>
+          <a:noFill/>
+          <a:ln>
+            <a:noFill/>
+          </a:ln>
+          <a:extLst>
+            <a:ext uri="{909E8E84-426E-40dd-AFC4-6F175D3DCCD1}">
+              <a14:hiddenFill xmlns:a14="http://schemas.microsoft.com/office/drawing/2010/main" xmlns="">
+                <a:solidFill>
+                  <a:schemeClr val="accent1"/>
+                </a:solidFill>
+              </a14:hiddenFill>
+            </a:ext>
+            <a:ext uri="{91240B29-F687-4f45-9708-019B960494DF}">
+              <a14:hiddenLine xmlns:a14="http://schemas.microsoft.com/office/drawing/2010/main" xmlns="" w="9525">
+                <a:solidFill>
+                  <a:schemeClr val="tx1"/>
+                </a:solidFill>
+                <a:miter lim="800000"/>
+                <a:headEnd/>
+                <a:tailEnd/>
+              </a14:hiddenLine>
+            </a:ext>
+          </a:extLst>
+        </p:spPr>
+      </p:pic>
+      <p:sp>
+        <p:nvSpPr>
+          <p:cNvPr id="6" name="Right Arrow 5"/>
+          <p:cNvSpPr/>
+          <p:nvPr/>
+        </p:nvSpPr>
+        <p:spPr>
+          <a:xfrm>
+            <a:off x="202816" y="3657600"/>
+            <a:ext cx="4064384" cy="990600"/>
+          </a:xfrm>
+          <a:prstGeom prst="rightArrow">
+            <a:avLst/>
+          </a:prstGeom>
+        </p:spPr>
+        <p:style>
+          <a:lnRef idx="2">
+            <a:schemeClr val="accent1">
+              <a:shade val="50000"/>
+            </a:schemeClr>
+          </a:lnRef>
+          <a:fillRef idx="1">
+            <a:schemeClr val="accent1"/>
+          </a:fillRef>
+          <a:effectRef idx="0">
+            <a:schemeClr val="accent1"/>
+          </a:effectRef>
+          <a:fontRef idx="minor">
+            <a:schemeClr val="lt1"/>
+          </a:fontRef>
+        </p:style>
+        <p:txBody>
+          <a:bodyPr rtlCol="0" anchor="ctr"/>
+          <a:lstStyle/>
+          <a:p>
+            <a:pPr algn="ctr"/>
+            <a:r>
+              <a:rPr lang="en-US" dirty="0"/>
+              <a:t>Using put and get in </a:t>
+            </a:r>
+            <a:r>
+              <a:rPr lang="en-US" dirty="0" err="1"/>
+              <a:t>HashMap</a:t>
+            </a:r>
+            <a:endParaRPr lang="en-US" dirty="0"/>
+          </a:p>
+        </p:txBody>
+      </p:sp>
+      <p:sp>
+        <p:nvSpPr>
+          <p:cNvPr id="7" name="Right Arrow 6"/>
+          <p:cNvSpPr/>
+          <p:nvPr/>
+        </p:nvSpPr>
+        <p:spPr>
+          <a:xfrm>
+            <a:off x="838200" y="4724400"/>
+            <a:ext cx="3988184" cy="2133600"/>
+          </a:xfrm>
+          <a:prstGeom prst="rightArrow">
+            <a:avLst/>
+          </a:prstGeom>
+        </p:spPr>
+        <p:style>
+          <a:lnRef idx="2">
+            <a:schemeClr val="accent1">
+              <a:shade val="50000"/>
+            </a:schemeClr>
+          </a:lnRef>
+          <a:fillRef idx="1">
+            <a:schemeClr val="accent1"/>
+          </a:fillRef>
+          <a:effectRef idx="0">
+            <a:schemeClr val="accent1"/>
+          </a:effectRef>
+          <a:fontRef idx="minor">
+            <a:schemeClr val="lt1"/>
+          </a:fontRef>
+        </p:style>
+        <p:txBody>
+          <a:bodyPr rtlCol="0" anchor="ctr"/>
+          <a:lstStyle/>
+          <a:p>
+            <a:pPr algn="ctr"/>
+            <a:r>
+              <a:rPr lang="en-US" dirty="0"/>
+              <a:t>Implementing </a:t>
+            </a:r>
+            <a:r>
+              <a:rPr lang="en-US" dirty="0" err="1"/>
+              <a:t>HashMap</a:t>
+            </a:r>
+            <a:endParaRPr lang="en-US" dirty="0"/>
+          </a:p>
+        </p:txBody>
+      </p:sp>
+    </p:spTree>
+    <p:extLst>
+      <p:ext uri="{BB962C8B-B14F-4D97-AF65-F5344CB8AC3E}">
+        <p14:creationId xmlns:p14="http://schemas.microsoft.com/office/powerpoint/2010/main" val="3793299068"/>
+      </p:ext>
+    </p:extLst>
+  </p:cSld>
+  <p:clrMapOvr>
+    <a:masterClrMapping/>
+  </p:clrMapOvr>
+</p:sld>
+</file>
+
+<file path=ppt/slides/slide3.xml><?xml version="1.0" encoding="utf-8"?>
+<p:sld xmlns:a="http://schemas.openxmlformats.org/drawingml/2006/main" xmlns:r="http://schemas.openxmlformats.org/officeDocument/2006/relationships" xmlns:p="http://schemas.openxmlformats.org/presentationml/2006/main">
+  <p:cSld>
+    <p:spTree>
+      <p:nvGrpSpPr>
+        <p:cNvPr id="1" name=""/>
+        <p:cNvGrpSpPr/>
+        <p:nvPr/>
+      </p:nvGrpSpPr>
+      <p:grpSpPr>
+        <a:xfrm>
+          <a:off x="0" y="0"/>
+          <a:ext cx="0" cy="0"/>
+          <a:chOff x="0" y="0"/>
+          <a:chExt cx="0" cy="0"/>
+        </a:xfrm>
+      </p:grpSpPr>
+      <p:sp>
+        <p:nvSpPr>
+          <p:cNvPr id="2" name="Title 1"/>
+          <p:cNvSpPr>
+            <a:spLocks noGrp="1"/>
+          </p:cNvSpPr>
+          <p:nvPr>
+            <p:ph type="title"/>
+          </p:nvPr>
+        </p:nvSpPr>
+        <p:spPr/>
+        <p:txBody>
+          <a:bodyPr>
+            <a:normAutofit fontScale="90000"/>
+          </a:bodyPr>
+          <a:lstStyle/>
+          <a:p>
+            <a:r>
+              <a:rPr lang="en-US"/>
+              <a:t>Object-Oriented Design Term:</a:t>
+            </a:r>
+            <a:br>
+              <a:rPr lang="en-US"/>
+            </a:br>
+            <a:r>
+              <a:rPr lang="en-US"/>
+              <a:t>Encapsulation</a:t>
+            </a:r>
+          </a:p>
+        </p:txBody>
+      </p:sp>
+      <p:sp>
+        <p:nvSpPr>
+          <p:cNvPr id="3" name="Content Placeholder 2"/>
+          <p:cNvSpPr>
+            <a:spLocks noGrp="1"/>
+          </p:cNvSpPr>
+          <p:nvPr>
+            <p:ph idx="1"/>
+          </p:nvPr>
+        </p:nvSpPr>
+        <p:spPr/>
+        <p:txBody>
+          <a:bodyPr/>
+          <a:lstStyle/>
+          <a:p>
+            <a:r>
+              <a:rPr lang="en-US"/>
+              <a:t>Makes your program easier to understand by…</a:t>
+            </a:r>
+          </a:p>
+          <a:p>
+            <a:pPr lvl="1"/>
+            <a:r>
+              <a:rPr lang="en-US"/>
+              <a:t>Saving the client of the object from having to think about how the class works</a:t>
+            </a:r>
+          </a:p>
+          <a:p>
+            <a:pPr lvl="1"/>
+            <a:r>
+              <a:rPr lang="en-US"/>
+              <a:t>Puts everything you need in one place</a:t>
+            </a:r>
+          </a:p>
+        </p:txBody>
+      </p:sp>
+      <p:sp>
+        <p:nvSpPr>
+          <p:cNvPr id="4" name="AutoShape 2" descr="data:image/jpeg;base64,/9j/4AAQSkZJRgABAQAAAQABAAD/2wCEAAkGBxQSEBQUEBQUFBQUFRQUFRQUFRQVFBUQFRQWFhUUFBQYHCggGBolHBQUITEhJSkrLi4uFx8zODMsNygtLisBCgoKDg0OGhAQGywkHyQsLCwsLCwsLCwsLCwsLCwsLDcsLCwsLCwsLCwsLCwtLCwsLCwsLCwsLCwsLCwsLCwsLP/AABEIAMIBAwMBIgACEQEDEQH/xAAbAAABBQEBAAAAAAAAAAAAAAAAAQIDBAUGB//EAD8QAAIBAgQDBAYIBQIHAAAAAAABAgMRBBIhMQVBUQZhcYETIlKRodEUFjKSk7HB8BVCU2LxI6IHFzOCs9Lh/8QAGgEAAgMBAQAAAAAAAAAAAAAAAAMBAgQFBv/EACoRAAMAAgEEAgICAQUBAAAAAAABAgMREhMhMVEEQWFxFCKRMlKBofAF/9oADAMBAAIRAxEAPwDJ9A2O+iSfI6dcEkS4XByhLRX6pq6PWP5C+jzPBnKvh097EMsO1ud7PK9LNPvWhmY/AaOyV+4iPk78hUaOTdMR0zVlh+4fHBpof1ELMfIPjRNeOA7ieOBSW5V5UToxfobFjg3d3N2GFfcP+jW3KvMToxVh7rXdDvoj3sb0MKnsienSS0aFvMWUGAsLtfbe/UR0Vrp4HRrCq1lqviNfD3/LsV6yLcGcvUw76DYUbnSTwf8Abby0BYFX2LdZFeDOf+j9zJ6WHturLwOgjgLrkOqYK3Io86LdNmbSoPl/8JHSfK/gXKdNrbfoXMMk36y18LCqyaLqdkXD820k/cTVoW2NGMIr/I/0Sf7uZnk77NKjtow6bTfrF5YKCSLU8NFcl5onpQi13kVk9EzHsjw0FbTclp0FcZVoNPSNxv0vLuhT2/AxNLyWlhbkiwKIKfEY9xao46L0Yt80Nngxjw8VsROFi7Jq10U687K+hEtsmkkR1Ioo1pLmtO8hxvEWtvgY2Ix1+vmaseJsy3lSNKVSPd70IYjqAaOkJ6p1UcRFc0TLEqXsv8zkPW6v3jlKXVg/jL2UXyPwdddPoRzpR52scsqkupJGvNcyP47X2T10/o3atCm1yKMsLFa6MpfSJE1DiTirON14lljteCruX5FqUly9yGqkugrxsX/J738hHily08kXSoo3I6OHfIllhmV/pH9xNDHyXNNd6uVaolOQi5R6Ezxye8L96I/pq5wXldEka9Pvj5X/ACKte0WT9MlU6cusWLCKT9Wb89hIyVtHHx1TGTs9nHyKaLbLtKrbdxZYdCnLW2vcZEaea+VN5VmlZ7LqReks92rdepXp78MusmvKNith0vsPyZA6La9ZW8y32couo3OTvGOiT5z318P1RrYvhkJ7LK+q0170ZrzrHfFmmMDyRyRyk8Jb+ZE8MVlaskyvjaWSTTvo9+pRlVXJs1zPNbMjrg9Ghisbm29VkFLHuJSdbzGwkm9NPF2/QasS1oo8j3s1/wCIZufxIp4icdVdkNKlBfbfle/6FiOPhH7KfiL4peEX5b8snpccdrSpy8UEuJZnovvKxVq8Sb2jf4sz8RjZc1FeL/QFhT+iXlfs2VinzUfeOp1Yve8fDY5eePlyt5L5kf02fUZ/GZXro7SniIraV/Mjxs09nbyucXLEPqN9PLq/eQvi997J/kbWtG9iIf3fD9CnVw66v99xlTqy6silUl1Hzia+xTpMvy33Ay8z6gM6ZGzp/RhkJsgmUTsUR+j7hPRkmUXKGydkTihvoyfIGQNgQOmKqSJlAdlDZBWdDoJ6Is5RbByAqqAmUt5RuUOQDITaHeizbPV8ur7h0YNvRXfRG7wLg0vSKdVZVHVJ7uXLTlbfyFZcs41tj8WKslKUafA+HLD01mXry1m/Z6R8F+ZS45wOVWrmpJK69dt210S08Eb1Z8uunkPiun7scRZ7V9T7O28EVHT+kQcPwcaNNQjy3fWXNsj4ljHSo1KiWbJGU7e1GKzSSfJ2Tt3juIY2NGLnOSUe925N6e5nOY/tbgsRRnRjVnJ1acotUadSU4xlGz/lsnqVmat8mt+y1XMLinouYmph8bhs6m4wcc+a+WVO2ubut+VzBx0KdSrGlQUXVkr2jK0bR+1JJK1ravvSt34HAu1OCpYdwcatKOZwlecZTlCSup5bK+1tF07xmH7R4WnCjTh6erKlLMp08sZJtSu1NSV276rmnZ7WOhji4bU7/H/v8GDI1enSX5LS1Wnh5rRrxQquiguPSrz9JFScIWjVjJU/SLNpCajF5qlmtWo8zXdM6c02u/k5uSOLIc451fAc6Y10yexXbEqYh29XS/PmUpRZbdMa4FlpA22UnAFEtumJ6MtyIK3oxrpltwGuBGySo4DXSLEojZE7JKzpgTWAtsNnM/WjGf1V+HT+Qv1oxn9Vfh0/kYecVTELFPtm/gvS/wAG39Z8Z/UX3KfyF+s+M/qL7lP5GKqgvpC3Sn2yvBekbP1oxnt/7KfyFXajF+3/ALKfyMZTFUyejPsjivSNf624r21+HT+Qq7X4r21+HD5GRcS4dD8hxn0a67YYn21+HD5B9b8V7a/Dh8jKQ5EdD8hqPRq/W3Fe2vw4fIY+1+Kv9tfh0/kZdTXT3kaplaxPfZkqY+0dzwXt7XglZUb7O8bSfjrt4HVcG7cyqSaqZItW0SaTT72ePwoE0NNvgJv4PPuyVkc/6We4Vu1UVZ5o28iHF9p1LSNSMX/blv46s8upT9Sybbko78tXfX3FaVLuCf8A5K87/wChL+bb2j0TjPGadSmo1pKtbVZ1FNPrG0TjeIVc1f0kIxhFpJqDcb252va5mVaew6lT9WXXS3luaI+Bw8MVWVvuzMxs71JWit+Sf5C4fETg04qN01JXV7S31XPwL1Gkno/AijC3lf4Dl8T2xvVXjQ+PaKrGpUqPLGpUd3KMIXvzVstktForEkO1OIenpNW/Yht4ZDLnS1IJpxaa3WvuM9YXD89h2pr67nQT49iuVSPnGn/6jZdoMT/Uj9ym/wBCrKeiIKhor4qX2xMtP6RffaLE/wBRfcp/IZ9YsV7cfuQ+RQbGsV0PyXSn0jRfaLE+2vuQ+Qn1hxXtL7kPkZ2YFIno/kNL0jR+sGK9pfdh8g/j+K9pfdh8jPchrmT0V7YcV6Rpfx7E9V92HyB8cxHtL7sPkZjmJ6QOml9sngvSNF8cr9f9sPkBmZwI4L/cyeC9IpqoLnKimOznLWdm1wW1MdnKsZDs42c5TgWVMcplaMx6kOnMVcFjOKpFdSHZhyylHJYjIdF3ILl/hEVKo1LbK/fdDJrb0Lyf1lsjjSJ/QW3NGrhVF6a3+Hf++hWpVLtrl8jXMoy9XktoZOnb3C0adn3lmEM2y6a9CxSwzzPQZpCay6XchjD9/vxJKcPibWGwrlTy+zr3W5/mixS4S1rbmLeWV2Zjr5CMWph3lVyGMbfvqjrv4U5KStyfz/QxuIYBxtpuviRjzTXYrGb6Zi0qXr2t/Nsut9iJ0naT8f1uzd+htWlzbk/DLFv82VKuBeSTWyir+co/MusiHzm7nN4iWWcbc0rjMS023ZLuWxPxKi7rTZPyKsneLvvb48/1EX5aOnGmk0S4evmj3rf9GEmUsM7TXfoy1NlceV3Hf67F6jVdhHIa5DJMY2LdllJK5CORDmEcivVLcSXOI5kOYRyFvMWUErmNcyGUxucTWcuoJ84hDmEKdcngU1IcpENxyZyVRtck+cVMhTFUhiyC3JOpDlMr5h8WOnIUclhSJEytGRLFmibF1JMmWuH11Gavono30XUppjoM1Y7aaaFXKaaZ1lKhCe01brfT3hKEFHTfZfDUxeFL1n4a95rRhdpdTp4/7Lkzk5MfCtbNHh1NNL962RtfwxqGduyUkted7kXCsJaUI25Xcn1OhxmHUMNNy1baS+8rP8/cZ8uXVJL7OdW7ba8dzMwsdY7b37mk18Do4RVloY2Jx0MPhpVZRzZdIx2vOTslfkvkcTX7S4mc7+llHW6jC0UtdtN143FdGsz7dtDvj4aa2enVHOL9RQt1d73fKxh4rDNztJJWXW+hW4PxytUllqNTTTu7JNabpoq4rtFTzuCptxWmbMtk911DHgyRWtd/wKyTVvU/Rr4eFNtRbUUrq8tN0k9fM0uIcHXoHGFszittdPLx+ByGIxdN2efLfrq/NI0+AYucZ2hUzU3JKyira26q6DLgtLkn4+mWw2ktXPn7OV7R8OlTntpZL/usc7OlbTbu8T2HtHg41Kadldyjvz11/M4DjPDMinLLztba22vvYzH8hZJW/JvxZOD4M46rKz03ROqmZJ9URYvWTGYV+r4Nmabayufo6mtymSOQxyEmxGyKolIGxkpCSkRtmerGJD3IY5jHIbJiayDFI/MNchmYa5CHkLqSXOIR3AX1CeBCKIAkeLccmMFuSRoeh6ZEmKmSnoq0TRZNFleLJYs046E0ie5JBle5LTZsx13E0jY4R/M/BHTcKwTzrMmua5fvdHDRNXAcbq0dYSzJfyVLyjb815NHQnM+Gkc75Hxqvblnq3D8K5es/N7Wiifi9aMqapw9Z5k5NbJLknzPM32txLqZs6cVtTypUmumXfzvfvOi4T20hJP01Fq2q9G07+UrW97FdO21Xn9GC/i3EtL78sr9uq2VUaN9k6kl4vLH8p+85ihH1l4lvjmPdevKo1bNay6RSSS9yGcMhepH99508M8IWzRK6eL9I63hGHyJ1G9ErW5ts5y16kvG/wCdzqKuISoZF9qTevev8I5WFS079dGGDbdNmDBt8mFW9zV4JxB0pr2Xe68uXeZ1bXUdhoZm78lf/Ay5VTpjq7z3Ow4nUjUhCUKrs5K19Mt3azfiYvabDSdO8qkc6vFrk7etr5M1pcHqRwUssbu2da32s3ZeLT8jm8fVTalmesZRcZbxna2XvXf3HJUKu0vw2Tj3NbaOSx9OKisrvos3VSa2/Mp4b7L8S/jMNLXpfUoxVhdLWVP8HaxtOBJjGwqMjuIyV3HJBJkbYsmRyZkuhsoGxrYjY25mdDVICNiNiFC6QXABAJABBSCQAAAAFTEAAJIsliyumSxY2HoXSJkyWLK8WSRZqihFIuYeok/WTaaa0+DLNCMXfV5rXSeztdv4IoRZNSnZp9P2zdjsz3JfjhJRgpWaTLmAdlrza+Bs8SyPCR9E4vM4JvS7a1slfS3N+RlRhlgkt273/I3/AB62jn1fJafsZiI2k+4s8M0kn4keLjeV/aSfvWvxuTYDRt9F+qNu+wq3vGa2Lr+rHxbMrLqWMRWzJLp+f7QuW1n3a+LuEf1Rlxrghrl6tnyJ+HWTd93s+XmVqm7sTUY6ktbQUv66O+7MSmouE23BpZVfbnp3MxO1HA8tWWSPq1Hng+k0/XiUMZiqmGoOrF81GN7NKUuq7tfcjCo9tMUpJ1Z+limm4SjFK19VFxSy3V15nIrHc5Hctfkd8aHkw/rwzTp8Hk3JON8ydlzutdji+LRUas4q3qu2jT1W+3fc7TtR26hUpypYWDSnHLKrL1Wr7qEVrtpd+7mefzYmrb/s1o6HxcNR5I5MibFkyKTMV0dGULJkbkEmMbMt0OmQbGhcBQzQAAhAAAABIgAAAAogAAoCCgAD0xgqZZENEsWSwZXTJYsdFCqRYTJIMr5iSDNcX3EUjW4TVtUUXbLPR30Wztry108zoIUXJqMtLKyvpe2jRx6Z1nA+IOrBRkm6kHrJ2tKL0V17Wjv4J73Olhy99HM+ZjaXNEmLo+qrL7N15X+bFoULQba5o1ZxSa5p3UvGxPJN2TilGN9Fr37+ZrnL20cp5nx0YlGld3exLOXqZest/C6/U0MThtM0dufmUJU3dLp+tvkNm1XcFfLuQxhqWMIvWQqh69vA0v4XJKM7WTV2/O3yC8iXZ/ZF32/4M/ttiMuGo0/anKb8IKy/8nwOIcjd7Y4tyrqHKlGy78zzN/FLyOdlI5tXo7PwsfHDP6FkyGchZyIpMx5bN8yMmyKTHTZFJmG6NEoGxoNiCGNSAAAqSAAAAIKIAAAABAAAoAAgAKSAAIAAOTJIsiQ5MvLK0iZMliyumSRY+KE0iwpHSdh6ieJyNpOUbxvzlHXKu9rN7jl4yJKVVxacW000007NNapprZmqcmjPmxK5cv7PVcVg5J6eO+mqat8WLSqKzjZp2SZmdlu0brU3CpaVaCu7/wA9NWWbvetn7/DosFjIreld8mvjdM3xldTvWzzOfC8dcK7DOGYR3tKN09V4J9B64QnN32W5coYuKl/qU3v9uDdkuTs1dGliKsHpTer1b5++24u8tqv2VmJc72cTxLCZa0oJdGn1OvVHPh6cIuObKlLxumlfy+BWq0U6ilKKvdWbV7Nf4Mzthxv6HhX6P/rVm4QezirevUS6LRLvaIz5uUz+B2DG7rh77HnvbGtfHVrNNRkoJrb1IqL+KZhSkNchkpGash6LHj4ypX0LKRHJhJkbZmux8yJJkbY5sjZnpj5QoAAssAAIAAAAAAKAAAgAAEgAABAAAASAAAAA5MaBKZA9MemRJjky6ZRomTHpkCY9MYqFuS1hcTKnNTpycZR1TXLlz3XcdNw7t5XpyTdOjJc1apFvvTztJ99vI5FMdcdORrsmIyYMd96Wz1Gn/wATqF3mw1RKytllCTe17ttW+PkSf8ycNKtTSo1YU7tSqScc0b7NQi3db318LnlVwuHNif4WL0dj257UTq4icKFX/QjlUfRuym8kXKTktXq2rXtoclUquTvJuT6ttu3iyO4hDvY7HimFpIc2MlIGxjZSqHJA2MbBsaxLoakDEACjZcQAAgAAAAkAAAABRAAgAAAJAAAAAAAAEFAAAAAAABUxADZA5McmRjkWTIaJVIXMRXFuW5lHJKmLchuLctzI4kjkJmI7iXI5k8R7kNbG3Aq6LKQbEACuywCABAAAAAAAABIAAAAAFhQIFAAIAAEAAFAAAAAQAAUQAAAAAAAFAAAUAAsQAAAEAIAASAABAAIAEEigIAAAoAAAAAAAAAAAAASQf//Z">
+            <a:hlinkClick r:id="rId2"/>
+          </p:cNvPr>
+          <p:cNvSpPr>
+            <a:spLocks noChangeAspect="1" noChangeArrowheads="1"/>
+          </p:cNvSpPr>
+          <p:nvPr/>
+        </p:nvSpPr>
+        <p:spPr bwMode="auto">
+          <a:xfrm>
+            <a:off x="0" y="-1690688"/>
+            <a:ext cx="4714875" cy="3533776"/>
+          </a:xfrm>
+          <a:prstGeom prst="rect">
+            <a:avLst/>
+          </a:prstGeom>
+          <a:noFill/>
+          <a:extLst>
+            <a:ext uri="{909E8E84-426E-40dd-AFC4-6F175D3DCCD1}">
               <a14:hiddenFill xmlns="" xmlns:a14="http://schemas.microsoft.com/office/drawing/2010/main">
                 <a:solidFill>
                   <a:srgbClr val="FFFFFF"/>
@@ -4218,335 +4664,6 @@
           <a:p>
             <a:pPr algn="ctr"/>
             <a:r>
-              <a:rPr lang="en-US" dirty="0"/>
-              <a:t>Using put and get in </a:t>
-            </a:r>
-            <a:r>
-              <a:rPr lang="en-US" dirty="0" err="1"/>
-              <a:t>HashMap</a:t>
-            </a:r>
-            <a:endParaRPr lang="en-US" dirty="0"/>
-          </a:p>
-        </p:txBody>
-      </p:sp>
-      <p:sp>
-        <p:nvSpPr>
-          <p:cNvPr id="7" name="Right Arrow 6"/>
-          <p:cNvSpPr/>
-          <p:nvPr/>
-        </p:nvSpPr>
-        <p:spPr>
-          <a:xfrm>
-            <a:off x="838200" y="4724400"/>
-            <a:ext cx="3988184" cy="2133600"/>
-          </a:xfrm>
-          <a:prstGeom prst="rightArrow">
-            <a:avLst/>
-          </a:prstGeom>
-        </p:spPr>
-        <p:style>
-          <a:lnRef idx="2">
-            <a:schemeClr val="accent1">
-              <a:shade val="50000"/>
-            </a:schemeClr>
-          </a:lnRef>
-          <a:fillRef idx="1">
-            <a:schemeClr val="accent1"/>
-          </a:fillRef>
-          <a:effectRef idx="0">
-            <a:schemeClr val="accent1"/>
-          </a:effectRef>
-          <a:fontRef idx="minor">
-            <a:schemeClr val="lt1"/>
-          </a:fontRef>
-        </p:style>
-        <p:txBody>
-          <a:bodyPr rtlCol="0" anchor="ctr"/>
-          <a:lstStyle/>
-          <a:p>
-            <a:pPr algn="ctr"/>
-            <a:r>
-              <a:rPr lang="en-US" dirty="0"/>
-              <a:t>Implementing </a:t>
-            </a:r>
-            <a:r>
-              <a:rPr lang="en-US" dirty="0" err="1"/>
-              <a:t>HashMap</a:t>
-            </a:r>
-            <a:endParaRPr lang="en-US" dirty="0"/>
-          </a:p>
-        </p:txBody>
-      </p:sp>
-    </p:spTree>
-    <p:extLst>
-      <p:ext uri="{BB962C8B-B14F-4D97-AF65-F5344CB8AC3E}">
-        <p14:creationId xmlns:p14="http://schemas.microsoft.com/office/powerpoint/2010/main" val="3793299068"/>
-      </p:ext>
-    </p:extLst>
-  </p:cSld>
-  <p:clrMapOvr>
-    <a:masterClrMapping/>
-  </p:clrMapOvr>
-</p:sld>
-</file>
-
-<file path=ppt/slides/slide3.xml><?xml version="1.0" encoding="utf-8"?>
-<p:sld xmlns:a="http://schemas.openxmlformats.org/drawingml/2006/main" xmlns:r="http://schemas.openxmlformats.org/officeDocument/2006/relationships" xmlns:p="http://schemas.openxmlformats.org/presentationml/2006/main">
-  <p:cSld>
-    <p:spTree>
-      <p:nvGrpSpPr>
-        <p:cNvPr id="1" name=""/>
-        <p:cNvGrpSpPr/>
-        <p:nvPr/>
-      </p:nvGrpSpPr>
-      <p:grpSpPr>
-        <a:xfrm>
-          <a:off x="0" y="0"/>
-          <a:ext cx="0" cy="0"/>
-          <a:chOff x="0" y="0"/>
-          <a:chExt cx="0" cy="0"/>
-        </a:xfrm>
-      </p:grpSpPr>
-      <p:sp>
-        <p:nvSpPr>
-          <p:cNvPr id="2" name="Title 1"/>
-          <p:cNvSpPr>
-            <a:spLocks noGrp="1"/>
-          </p:cNvSpPr>
-          <p:nvPr>
-            <p:ph type="title"/>
-          </p:nvPr>
-        </p:nvSpPr>
-        <p:spPr/>
-        <p:txBody>
-          <a:bodyPr>
-            <a:normAutofit fontScale="90000"/>
-          </a:bodyPr>
-          <a:lstStyle/>
-          <a:p>
-            <a:r>
-              <a:rPr lang="en-US"/>
-              <a:t>Object-Oriented Design Term:</a:t>
-            </a:r>
-            <a:br>
-              <a:rPr lang="en-US"/>
-            </a:br>
-            <a:r>
-              <a:rPr lang="en-US"/>
-              <a:t>Encapsulation</a:t>
-            </a:r>
-          </a:p>
-        </p:txBody>
-      </p:sp>
-      <p:sp>
-        <p:nvSpPr>
-          <p:cNvPr id="3" name="Content Placeholder 2"/>
-          <p:cNvSpPr>
-            <a:spLocks noGrp="1"/>
-          </p:cNvSpPr>
-          <p:nvPr>
-            <p:ph idx="1"/>
-          </p:nvPr>
-        </p:nvSpPr>
-        <p:spPr/>
-        <p:txBody>
-          <a:bodyPr/>
-          <a:lstStyle/>
-          <a:p>
-            <a:r>
-              <a:rPr lang="en-US"/>
-              <a:t>Makes your program easier to understand by…</a:t>
-            </a:r>
-          </a:p>
-          <a:p>
-            <a:pPr lvl="1"/>
-            <a:r>
-              <a:rPr lang="en-US"/>
-              <a:t>Saving the client of the object from having to think about how the class works</a:t>
-            </a:r>
-          </a:p>
-          <a:p>
-            <a:pPr lvl="1"/>
-            <a:r>
-              <a:rPr lang="en-US"/>
-              <a:t>Puts everything you need in one place</a:t>
-            </a:r>
-          </a:p>
-        </p:txBody>
-      </p:sp>
-      <p:sp>
-        <p:nvSpPr>
-          <p:cNvPr id="4" name="AutoShape 2" descr="data:image/jpeg;base64,/9j/4AAQSkZJRgABAQAAAQABAAD/2wCEAAkGBxQSEBQUEBQUFBQUFRQUFRQUFRQVFBUQFRQWFhUUFBQYHCggGBolHBQUITEhJSkrLi4uFx8zODMsNygtLisBCgoKDg0OGhAQGywkHyQsLCwsLCwsLCwsLCwsLCwsLDcsLCwsLCwsLCwsLCwtLCwsLCwsLCwsLCwsLCwsLCwsLP/AABEIAMIBAwMBIgACEQEDEQH/xAAbAAABBQEBAAAAAAAAAAAAAAAAAQIDBAUGB//EAD8QAAIBAgQDBAYIBQIHAAAAAAABAgMRBBIhMQVBUQZhcYETIlKRodEUFjKSk7HB8BVCU2LxI6IHFzOCs9Lh/8QAGgEAAgMBAQAAAAAAAAAAAAAAAAMBAgQFBv/EACoRAAMAAgEEAgICAQUBAAAAAAABAgMREhMhMVEEQWFxFCKRMlKBofAF/9oADAMBAAIRAxEAPwDJ9A2O+iSfI6dcEkS4XByhLRX6pq6PWP5C+jzPBnKvh097EMsO1ud7PK9LNPvWhmY/AaOyV+4iPk78hUaOTdMR0zVlh+4fHBpof1ELMfIPjRNeOA7ieOBSW5V5UToxfobFjg3d3N2GFfcP+jW3KvMToxVh7rXdDvoj3sb0MKnsienSS0aFvMWUGAsLtfbe/UR0Vrp4HRrCq1lqviNfD3/LsV6yLcGcvUw76DYUbnSTwf8Abby0BYFX2LdZFeDOf+j9zJ6WHturLwOgjgLrkOqYK3Io86LdNmbSoPl/8JHSfK/gXKdNrbfoXMMk36y18LCqyaLqdkXD820k/cTVoW2NGMIr/I/0Sf7uZnk77NKjtow6bTfrF5YKCSLU8NFcl5onpQi13kVk9EzHsjw0FbTclp0FcZVoNPSNxv0vLuhT2/AxNLyWlhbkiwKIKfEY9xao46L0Yt80Nngxjw8VsROFi7Jq10U687K+hEtsmkkR1Ioo1pLmtO8hxvEWtvgY2Ix1+vmaseJsy3lSNKVSPd70IYjqAaOkJ6p1UcRFc0TLEqXsv8zkPW6v3jlKXVg/jL2UXyPwdddPoRzpR52scsqkupJGvNcyP47X2T10/o3atCm1yKMsLFa6MpfSJE1DiTirON14lljteCruX5FqUly9yGqkugrxsX/J738hHily08kXSoo3I6OHfIllhmV/pH9xNDHyXNNd6uVaolOQi5R6Ezxye8L96I/pq5wXldEka9Pvj5X/ACKte0WT9MlU6cusWLCKT9Wb89hIyVtHHx1TGTs9nHyKaLbLtKrbdxZYdCnLW2vcZEaea+VN5VmlZ7LqReks92rdepXp78MusmvKNith0vsPyZA6La9ZW8y32couo3OTvGOiT5z318P1RrYvhkJ7LK+q0170ZrzrHfFmmMDyRyRyk8Jb+ZE8MVlaskyvjaWSTTvo9+pRlVXJs1zPNbMjrg9Ghisbm29VkFLHuJSdbzGwkm9NPF2/QasS1oo8j3s1/wCIZufxIp4icdVdkNKlBfbfle/6FiOPhH7KfiL4peEX5b8snpccdrSpy8UEuJZnovvKxVq8Sb2jf4sz8RjZc1FeL/QFhT+iXlfs2VinzUfeOp1Yve8fDY5eePlyt5L5kf02fUZ/GZXro7SniIraV/Mjxs09nbyucXLEPqN9PLq/eQvi997J/kbWtG9iIf3fD9CnVw66v99xlTqy6silUl1Hzia+xTpMvy33Ay8z6gM6ZGzp/RhkJsgmUTsUR+j7hPRkmUXKGydkTihvoyfIGQNgQOmKqSJlAdlDZBWdDoJ6Is5RbByAqqAmUt5RuUOQDITaHeizbPV8ur7h0YNvRXfRG7wLg0vSKdVZVHVJ7uXLTlbfyFZcs41tj8WKslKUafA+HLD01mXry1m/Z6R8F+ZS45wOVWrmpJK69dt210S08Eb1Z8uunkPiun7scRZ7V9T7O28EVHT+kQcPwcaNNQjy3fWXNsj4ljHSo1KiWbJGU7e1GKzSSfJ2Tt3juIY2NGLnOSUe925N6e5nOY/tbgsRRnRjVnJ1acotUadSU4xlGz/lsnqVmat8mt+y1XMLinouYmph8bhs6m4wcc+a+WVO2ubut+VzBx0KdSrGlQUXVkr2jK0bR+1JJK1ravvSt34HAu1OCpYdwcatKOZwlecZTlCSup5bK+1tF07xmH7R4WnCjTh6erKlLMp08sZJtSu1NSV276rmnZ7WOhji4bU7/H/v8GDI1enSX5LS1Wnh5rRrxQquiguPSrz9JFScIWjVjJU/SLNpCajF5qlmtWo8zXdM6c02u/k5uSOLIc451fAc6Y10yexXbEqYh29XS/PmUpRZbdMa4FlpA22UnAFEtumJ6MtyIK3oxrpltwGuBGySo4DXSLEojZE7JKzpgTWAtsNnM/WjGf1V+HT+Qv1oxn9Vfh0/kYecVTELFPtm/gvS/wAG39Z8Z/UX3KfyF+s+M/qL7lP5GKqgvpC3Sn2yvBekbP1oxnt/7KfyFXajF+3/ALKfyMZTFUyejPsjivSNf624r21+HT+Qq7X4r21+HD5GRcS4dD8hxn0a67YYn21+HD5B9b8V7a/Dh8jKQ5EdD8hqPRq/W3Fe2vw4fIY+1+Kv9tfh0/kZdTXT3kaplaxPfZkqY+0dzwXt7XglZUb7O8bSfjrt4HVcG7cyqSaqZItW0SaTT72ePwoE0NNvgJv4PPuyVkc/6We4Vu1UVZ5o28iHF9p1LSNSMX/blv46s8upT9Sybbko78tXfX3FaVLuCf8A5K87/wChL+bb2j0TjPGadSmo1pKtbVZ1FNPrG0TjeIVc1f0kIxhFpJqDcb252va5mVaew6lT9WXXS3luaI+Bw8MVWVvuzMxs71JWit+Sf5C4fETg04qN01JXV7S31XPwL1Gkno/AijC3lf4Dl8T2xvVXjQ+PaKrGpUqPLGpUd3KMIXvzVstktForEkO1OIenpNW/Yht4ZDLnS1IJpxaa3WvuM9YXD89h2pr67nQT49iuVSPnGn/6jZdoMT/Uj9ym/wBCrKeiIKhor4qX2xMtP6RffaLE/wBRfcp/IZ9YsV7cfuQ+RQbGsV0PyXSn0jRfaLE+2vuQ+Qn1hxXtL7kPkZ2YFIno/kNL0jR+sGK9pfdh8g/j+K9pfdh8jPchrmT0V7YcV6Rpfx7E9V92HyB8cxHtL7sPkZjmJ6QOml9sngvSNF8cr9f9sPkBmZwI4L/cyeC9IpqoLnKimOznLWdm1wW1MdnKsZDs42c5TgWVMcplaMx6kOnMVcFjOKpFdSHZhyylHJYjIdF3ILl/hEVKo1LbK/fdDJrb0Lyf1lsjjSJ/QW3NGrhVF6a3+Hf++hWpVLtrl8jXMoy9XktoZOnb3C0adn3lmEM2y6a9CxSwzzPQZpCay6XchjD9/vxJKcPibWGwrlTy+zr3W5/mixS4S1rbmLeWV2Zjr5CMWph3lVyGMbfvqjrv4U5KStyfz/QxuIYBxtpuviRjzTXYrGb6Zi0qXr2t/Nsut9iJ0naT8f1uzd+htWlzbk/DLFv82VKuBeSTWyir+co/MusiHzm7nN4iWWcbc0rjMS023ZLuWxPxKi7rTZPyKsneLvvb48/1EX5aOnGmk0S4evmj3rf9GEmUsM7TXfoy1NlceV3Hf67F6jVdhHIa5DJMY2LdllJK5CORDmEcivVLcSXOI5kOYRyFvMWUErmNcyGUxucTWcuoJ84hDmEKdcngU1IcpENxyZyVRtck+cVMhTFUhiyC3JOpDlMr5h8WOnIUclhSJEytGRLFmibF1JMmWuH11Gavono30XUppjoM1Y7aaaFXKaaZ1lKhCe01brfT3hKEFHTfZfDUxeFL1n4a95rRhdpdTp4/7Lkzk5MfCtbNHh1NNL962RtfwxqGduyUkted7kXCsJaUI25Xcn1OhxmHUMNNy1baS+8rP8/cZ8uXVJL7OdW7ba8dzMwsdY7b37mk18Do4RVloY2Jx0MPhpVZRzZdIx2vOTslfkvkcTX7S4mc7+llHW6jC0UtdtN143FdGsz7dtDvj4aa2enVHOL9RQt1d73fKxh4rDNztJJWXW+hW4PxytUllqNTTTu7JNabpoq4rtFTzuCptxWmbMtk911DHgyRWtd/wKyTVvU/Rr4eFNtRbUUrq8tN0k9fM0uIcHXoHGFszittdPLx+ByGIxdN2efLfrq/NI0+AYucZ2hUzU3JKyira26q6DLgtLkn4+mWw2ktXPn7OV7R8OlTntpZL/usc7OlbTbu8T2HtHg41Kadldyjvz11/M4DjPDMinLLztba22vvYzH8hZJW/JvxZOD4M46rKz03ROqmZJ9URYvWTGYV+r4Nmabayufo6mtymSOQxyEmxGyKolIGxkpCSkRtmerGJD3IY5jHIbJiayDFI/MNchmYa5CHkLqSXOIR3AX1CeBCKIAkeLccmMFuSRoeh6ZEmKmSnoq0TRZNFleLJYs046E0ie5JBle5LTZsx13E0jY4R/M/BHTcKwTzrMmua5fvdHDRNXAcbq0dYSzJfyVLyjb815NHQnM+Gkc75Hxqvblnq3D8K5es/N7Wiifi9aMqapw9Z5k5NbJLknzPM32txLqZs6cVtTypUmumXfzvfvOi4T20hJP01Fq2q9G07+UrW97FdO21Xn9GC/i3EtL78sr9uq2VUaN9k6kl4vLH8p+85ihH1l4lvjmPdevKo1bNay6RSSS9yGcMhepH99508M8IWzRK6eL9I63hGHyJ1G9ErW5ts5y16kvG/wCdzqKuISoZF9qTevev8I5WFS079dGGDbdNmDBt8mFW9zV4JxB0pr2Xe68uXeZ1bXUdhoZm78lf/Ay5VTpjq7z3Ow4nUjUhCUKrs5K19Mt3azfiYvabDSdO8qkc6vFrk7etr5M1pcHqRwUssbu2da32s3ZeLT8jm8fVTalmesZRcZbxna2XvXf3HJUKu0vw2Tj3NbaOSx9OKisrvos3VSa2/Mp4b7L8S/jMNLXpfUoxVhdLWVP8HaxtOBJjGwqMjuIyV3HJBJkbYsmRyZkuhsoGxrYjY25mdDVICNiNiFC6QXABAJABBSCQAAAAFTEAAJIsliyumSxY2HoXSJkyWLK8WSRZqihFIuYeok/WTaaa0+DLNCMXfV5rXSeztdv4IoRZNSnZp9P2zdjsz3JfjhJRgpWaTLmAdlrza+Bs8SyPCR9E4vM4JvS7a1slfS3N+RlRhlgkt273/I3/AB62jn1fJafsZiI2k+4s8M0kn4keLjeV/aSfvWvxuTYDRt9F+qNu+wq3vGa2Lr+rHxbMrLqWMRWzJLp+f7QuW1n3a+LuEf1Rlxrghrl6tnyJ+HWTd93s+XmVqm7sTUY6ktbQUv66O+7MSmouE23BpZVfbnp3MxO1HA8tWWSPq1Hng+k0/XiUMZiqmGoOrF81GN7NKUuq7tfcjCo9tMUpJ1Z+limm4SjFK19VFxSy3V15nIrHc5Hctfkd8aHkw/rwzTp8Hk3JON8ydlzutdji+LRUas4q3qu2jT1W+3fc7TtR26hUpypYWDSnHLKrL1Wr7qEVrtpd+7mefzYmrb/s1o6HxcNR5I5MibFkyKTMV0dGULJkbkEmMbMt0OmQbGhcBQzQAAhAAAABIgAAAAogAAoCCgAD0xgqZZENEsWSwZXTJYsdFCqRYTJIMr5iSDNcX3EUjW4TVtUUXbLPR30Wztry108zoIUXJqMtLKyvpe2jRx6Z1nA+IOrBRkm6kHrJ2tKL0V17Wjv4J73Olhy99HM+ZjaXNEmLo+qrL7N15X+bFoULQba5o1ZxSa5p3UvGxPJN2TilGN9Fr37+ZrnL20cp5nx0YlGld3exLOXqZest/C6/U0MThtM0dufmUJU3dLp+tvkNm1XcFfLuQxhqWMIvWQqh69vA0v4XJKM7WTV2/O3yC8iXZ/ZF32/4M/ttiMuGo0/anKb8IKy/8nwOIcjd7Y4tyrqHKlGy78zzN/FLyOdlI5tXo7PwsfHDP6FkyGchZyIpMx5bN8yMmyKTHTZFJmG6NEoGxoNiCGNSAAAqSAAAAIKIAAAABAAAoAAgAKSAAIAAOTJIsiQ5MvLK0iZMliyumSRY+KE0iwpHSdh6ieJyNpOUbxvzlHXKu9rN7jl4yJKVVxacW000007NNapprZmqcmjPmxK5cv7PVcVg5J6eO+mqat8WLSqKzjZp2SZmdlu0brU3CpaVaCu7/wA9NWWbvetn7/DosFjIreld8mvjdM3xldTvWzzOfC8dcK7DOGYR3tKN09V4J9B64QnN32W5coYuKl/qU3v9uDdkuTs1dGliKsHpTer1b5++24u8tqv2VmJc72cTxLCZa0oJdGn1OvVHPh6cIuObKlLxumlfy+BWq0U6ilKKvdWbV7Nf4Mzthxv6HhX6P/rVm4QezirevUS6LRLvaIz5uUz+B2DG7rh77HnvbGtfHVrNNRkoJrb1IqL+KZhSkNchkpGash6LHj4ypX0LKRHJhJkbZmux8yJJkbY5sjZnpj5QoAAssAAIAAAAAAKAAAgAAEgAABAAAASAAAAA5MaBKZA9MemRJjky6ZRomTHpkCY9MYqFuS1hcTKnNTpycZR1TXLlz3XcdNw7t5XpyTdOjJc1apFvvTztJ99vI5FMdcdORrsmIyYMd96Wz1Gn/wATqF3mw1RKytllCTe17ttW+PkSf8ycNKtTSo1YU7tSqScc0b7NQi3db318LnlVwuHNif4WL0dj257UTq4icKFX/QjlUfRuym8kXKTktXq2rXtoclUquTvJuT6ttu3iyO4hDvY7HimFpIc2MlIGxjZSqHJA2MbBsaxLoakDEACjZcQAAgAAAAkAAAABRAAgAAAJAAAAAAAAEFAAAAAAABUxADZA5McmRjkWTIaJVIXMRXFuW5lHJKmLchuLctzI4kjkJmI7iXI5k8R7kNbG3Aq6LKQbEACuywCABAAAAAAAABIAAAAAFhQIFAAIAAEAAFAAAAAQAAUQAAAAAAAFAAAUAAsQAAAEAIAASAABAAIAEEigIAAAoAAAAAAAAAAAAASQf//Z">
-            <a:hlinkClick r:id="rId2"/>
-          </p:cNvPr>
-          <p:cNvSpPr>
-            <a:spLocks noChangeAspect="1" noChangeArrowheads="1"/>
-          </p:cNvSpPr>
-          <p:nvPr/>
-        </p:nvSpPr>
-        <p:spPr bwMode="auto">
-          <a:xfrm>
-            <a:off x="0" y="-1690688"/>
-            <a:ext cx="4714875" cy="3533776"/>
-          </a:xfrm>
-          <a:prstGeom prst="rect">
-            <a:avLst/>
-          </a:prstGeom>
-          <a:noFill/>
-          <a:extLst>
-            <a:ext uri="{909E8E84-426E-40dd-AFC4-6F175D3DCCD1}">
-              <a14:hiddenFill xmlns:a14="http://schemas.microsoft.com/office/drawing/2010/main" xmlns="">
-                <a:solidFill>
-                  <a:srgbClr val="FFFFFF"/>
-                </a:solidFill>
-              </a14:hiddenFill>
-            </a:ext>
-          </a:extLst>
-        </p:spPr>
-        <p:txBody>
-          <a:bodyPr vert="horz" wrap="square" lIns="91440" tIns="45720" rIns="91440" bIns="45720" numCol="1" anchor="t" anchorCtr="0" compatLnSpc="1">
-            <a:prstTxWarp prst="textNoShape">
-              <a:avLst/>
-            </a:prstTxWarp>
-          </a:bodyPr>
-          <a:lstStyle/>
-          <a:p>
-            <a:endParaRPr lang="en-US"/>
-          </a:p>
-        </p:txBody>
-      </p:sp>
-      <p:sp>
-        <p:nvSpPr>
-          <p:cNvPr id="5" name="AutoShape 4" descr="data:image/jpeg;base64,/9j/4AAQSkZJRgABAQAAAQABAAD/2wCEAAkGBxQSEBQUEBQUFBQUFRQUFRQUFRQVFBUQFRQWFhUUFBQYHCggGBolHBQUITEhJSkrLi4uFx8zODMsNygtLisBCgoKDg0OGhAQGywkHyQsLCwsLCwsLCwsLCwsLCwsLDcsLCwsLCwsLCwsLCwtLCwsLCwsLCwsLCwsLCwsLCwsLP/AABEIAMIBAwMBIgACEQEDEQH/xAAbAAABBQEBAAAAAAAAAAAAAAAAAQIDBAUGB//EAD8QAAIBAgQDBAYIBQIHAAAAAAABAgMRBBIhMQVBUQZhcYETIlKRodEUFjKSk7HB8BVCU2LxI6IHFzOCs9Lh/8QAGgEAAgMBAQAAAAAAAAAAAAAAAAMBAgQFBv/EACoRAAMAAgEEAgICAQUBAAAAAAABAgMREhMhMVEEQWFxFCKRMlKBofAF/9oADAMBAAIRAxEAPwDJ9A2O+iSfI6dcEkS4XByhLRX6pq6PWP5C+jzPBnKvh097EMsO1ud7PK9LNPvWhmY/AaOyV+4iPk78hUaOTdMR0zVlh+4fHBpof1ELMfIPjRNeOA7ieOBSW5V5UToxfobFjg3d3N2GFfcP+jW3KvMToxVh7rXdDvoj3sb0MKnsienSS0aFvMWUGAsLtfbe/UR0Vrp4HRrCq1lqviNfD3/LsV6yLcGcvUw76DYUbnSTwf8Abby0BYFX2LdZFeDOf+j9zJ6WHturLwOgjgLrkOqYK3Io86LdNmbSoPl/8JHSfK/gXKdNrbfoXMMk36y18LCqyaLqdkXD820k/cTVoW2NGMIr/I/0Sf7uZnk77NKjtow6bTfrF5YKCSLU8NFcl5onpQi13kVk9EzHsjw0FbTclp0FcZVoNPSNxv0vLuhT2/AxNLyWlhbkiwKIKfEY9xao46L0Yt80Nngxjw8VsROFi7Jq10U687K+hEtsmkkR1Ioo1pLmtO8hxvEWtvgY2Ix1+vmaseJsy3lSNKVSPd70IYjqAaOkJ6p1UcRFc0TLEqXsv8zkPW6v3jlKXVg/jL2UXyPwdddPoRzpR52scsqkupJGvNcyP47X2T10/o3atCm1yKMsLFa6MpfSJE1DiTirON14lljteCruX5FqUly9yGqkugrxsX/J738hHily08kXSoo3I6OHfIllhmV/pH9xNDHyXNNd6uVaolOQi5R6Ezxye8L96I/pq5wXldEka9Pvj5X/ACKte0WT9MlU6cusWLCKT9Wb89hIyVtHHx1TGTs9nHyKaLbLtKrbdxZYdCnLW2vcZEaea+VN5VmlZ7LqReks92rdepXp78MusmvKNith0vsPyZA6La9ZW8y32couo3OTvGOiT5z318P1RrYvhkJ7LK+q0170ZrzrHfFmmMDyRyRyk8Jb+ZE8MVlaskyvjaWSTTvo9+pRlVXJs1zPNbMjrg9Ghisbm29VkFLHuJSdbzGwkm9NPF2/QasS1oo8j3s1/wCIZufxIp4icdVdkNKlBfbfle/6FiOPhH7KfiL4peEX5b8snpccdrSpy8UEuJZnovvKxVq8Sb2jf4sz8RjZc1FeL/QFhT+iXlfs2VinzUfeOp1Yve8fDY5eePlyt5L5kf02fUZ/GZXro7SniIraV/Mjxs09nbyucXLEPqN9PLq/eQvi997J/kbWtG9iIf3fD9CnVw66v99xlTqy6silUl1Hzia+xTpMvy33Ay8z6gM6ZGzp/RhkJsgmUTsUR+j7hPRkmUXKGydkTihvoyfIGQNgQOmKqSJlAdlDZBWdDoJ6Is5RbByAqqAmUt5RuUOQDITaHeizbPV8ur7h0YNvRXfRG7wLg0vSKdVZVHVJ7uXLTlbfyFZcs41tj8WKslKUafA+HLD01mXry1m/Z6R8F+ZS45wOVWrmpJK69dt210S08Eb1Z8uunkPiun7scRZ7V9T7O28EVHT+kQcPwcaNNQjy3fWXNsj4ljHSo1KiWbJGU7e1GKzSSfJ2Tt3juIY2NGLnOSUe925N6e5nOY/tbgsRRnRjVnJ1acotUadSU4xlGz/lsnqVmat8mt+y1XMLinouYmph8bhs6m4wcc+a+WVO2ubut+VzBx0KdSrGlQUXVkr2jK0bR+1JJK1ravvSt34HAu1OCpYdwcatKOZwlecZTlCSup5bK+1tF07xmH7R4WnCjTh6erKlLMp08sZJtSu1NSV276rmnZ7WOhji4bU7/H/v8GDI1enSX5LS1Wnh5rRrxQquiguPSrz9JFScIWjVjJU/SLNpCajF5qlmtWo8zXdM6c02u/k5uSOLIc451fAc6Y10yexXbEqYh29XS/PmUpRZbdMa4FlpA22UnAFEtumJ6MtyIK3oxrpltwGuBGySo4DXSLEojZE7JKzpgTWAtsNnM/WjGf1V+HT+Qv1oxn9Vfh0/kYecVTELFPtm/gvS/wAG39Z8Z/UX3KfyF+s+M/qL7lP5GKqgvpC3Sn2yvBekbP1oxnt/7KfyFXajF+3/ALKfyMZTFUyejPsjivSNf624r21+HT+Qq7X4r21+HD5GRcS4dD8hxn0a67YYn21+HD5B9b8V7a/Dh8jKQ5EdD8hqPRq/W3Fe2vw4fIY+1+Kv9tfh0/kZdTXT3kaplaxPfZkqY+0dzwXt7XglZUb7O8bSfjrt4HVcG7cyqSaqZItW0SaTT72ePwoE0NNvgJv4PPuyVkc/6We4Vu1UVZ5o28iHF9p1LSNSMX/blv46s8upT9Sybbko78tXfX3FaVLuCf8A5K87/wChL+bb2j0TjPGadSmo1pKtbVZ1FNPrG0TjeIVc1f0kIxhFpJqDcb252va5mVaew6lT9WXXS3luaI+Bw8MVWVvuzMxs71JWit+Sf5C4fETg04qN01JXV7S31XPwL1Gkno/AijC3lf4Dl8T2xvVXjQ+PaKrGpUqPLGpUd3KMIXvzVstktForEkO1OIenpNW/Yht4ZDLnS1IJpxaa3WvuM9YXD89h2pr67nQT49iuVSPnGn/6jZdoMT/Uj9ym/wBCrKeiIKhor4qX2xMtP6RffaLE/wBRfcp/IZ9YsV7cfuQ+RQbGsV0PyXSn0jRfaLE+2vuQ+Qn1hxXtL7kPkZ2YFIno/kNL0jR+sGK9pfdh8g/j+K9pfdh8jPchrmT0V7YcV6Rpfx7E9V92HyB8cxHtL7sPkZjmJ6QOml9sngvSNF8cr9f9sPkBmZwI4L/cyeC9IpqoLnKimOznLWdm1wW1MdnKsZDs42c5TgWVMcplaMx6kOnMVcFjOKpFdSHZhyylHJYjIdF3ILl/hEVKo1LbK/fdDJrb0Lyf1lsjjSJ/QW3NGrhVF6a3+Hf++hWpVLtrl8jXMoy9XktoZOnb3C0adn3lmEM2y6a9CxSwzzPQZpCay6XchjD9/vxJKcPibWGwrlTy+zr3W5/mixS4S1rbmLeWV2Zjr5CMWph3lVyGMbfvqjrv4U5KStyfz/QxuIYBxtpuviRjzTXYrGb6Zi0qXr2t/Nsut9iJ0naT8f1uzd+htWlzbk/DLFv82VKuBeSTWyir+co/MusiHzm7nN4iWWcbc0rjMS023ZLuWxPxKi7rTZPyKsneLvvb48/1EX5aOnGmk0S4evmj3rf9GEmUsM7TXfoy1NlceV3Hf67F6jVdhHIa5DJMY2LdllJK5CORDmEcivVLcSXOI5kOYRyFvMWUErmNcyGUxucTWcuoJ84hDmEKdcngU1IcpENxyZyVRtck+cVMhTFUhiyC3JOpDlMr5h8WOnIUclhSJEytGRLFmibF1JMmWuH11Gavono30XUppjoM1Y7aaaFXKaaZ1lKhCe01brfT3hKEFHTfZfDUxeFL1n4a95rRhdpdTp4/7Lkzk5MfCtbNHh1NNL962RtfwxqGduyUkted7kXCsJaUI25Xcn1OhxmHUMNNy1baS+8rP8/cZ8uXVJL7OdW7ba8dzMwsdY7b37mk18Do4RVloY2Jx0MPhpVZRzZdIx2vOTslfkvkcTX7S4mc7+llHW6jC0UtdtN143FdGsz7dtDvj4aa2enVHOL9RQt1d73fKxh4rDNztJJWXW+hW4PxytUllqNTTTu7JNabpoq4rtFTzuCptxWmbMtk911DHgyRWtd/wKyTVvU/Rr4eFNtRbUUrq8tN0k9fM0uIcHXoHGFszittdPLx+ByGIxdN2efLfrq/NI0+AYucZ2hUzU3JKyira26q6DLgtLkn4+mWw2ktXPn7OV7R8OlTntpZL/usc7OlbTbu8T2HtHg41Kadldyjvz11/M4DjPDMinLLztba22vvYzH8hZJW/JvxZOD4M46rKz03ROqmZJ9URYvWTGYV+r4Nmabayufo6mtymSOQxyEmxGyKolIGxkpCSkRtmerGJD3IY5jHIbJiayDFI/MNchmYa5CHkLqSXOIR3AX1CeBCKIAkeLccmMFuSRoeh6ZEmKmSnoq0TRZNFleLJYs046E0ie5JBle5LTZsx13E0jY4R/M/BHTcKwTzrMmua5fvdHDRNXAcbq0dYSzJfyVLyjb815NHQnM+Gkc75Hxqvblnq3D8K5es/N7Wiifi9aMqapw9Z5k5NbJLknzPM32txLqZs6cVtTypUmumXfzvfvOi4T20hJP01Fq2q9G07+UrW97FdO21Xn9GC/i3EtL78sr9uq2VUaN9k6kl4vLH8p+85ihH1l4lvjmPdevKo1bNay6RSSS9yGcMhepH99508M8IWzRK6eL9I63hGHyJ1G9ErW5ts5y16kvG/wCdzqKuISoZF9qTevev8I5WFS079dGGDbdNmDBt8mFW9zV4JxB0pr2Xe68uXeZ1bXUdhoZm78lf/Ay5VTpjq7z3Ow4nUjUhCUKrs5K19Mt3azfiYvabDSdO8qkc6vFrk7etr5M1pcHqRwUssbu2da32s3ZeLT8jm8fVTalmesZRcZbxna2XvXf3HJUKu0vw2Tj3NbaOSx9OKisrvos3VSa2/Mp4b7L8S/jMNLXpfUoxVhdLWVP8HaxtOBJjGwqMjuIyV3HJBJkbYsmRyZkuhsoGxrYjY25mdDVICNiNiFC6QXABAJABBSCQAAAAFTEAAJIsliyumSxY2HoXSJkyWLK8WSRZqihFIuYeok/WTaaa0+DLNCMXfV5rXSeztdv4IoRZNSnZp9P2zdjsz3JfjhJRgpWaTLmAdlrza+Bs8SyPCR9E4vM4JvS7a1slfS3N+RlRhlgkt273/I3/AB62jn1fJafsZiI2k+4s8M0kn4keLjeV/aSfvWvxuTYDRt9F+qNu+wq3vGa2Lr+rHxbMrLqWMRWzJLp+f7QuW1n3a+LuEf1Rlxrghrl6tnyJ+HWTd93s+XmVqm7sTUY6ktbQUv66O+7MSmouE23BpZVfbnp3MxO1HA8tWWSPq1Hng+k0/XiUMZiqmGoOrF81GN7NKUuq7tfcjCo9tMUpJ1Z+limm4SjFK19VFxSy3V15nIrHc5Hctfkd8aHkw/rwzTp8Hk3JON8ydlzutdji+LRUas4q3qu2jT1W+3fc7TtR26hUpypYWDSnHLKrL1Wr7qEVrtpd+7mefzYmrb/s1o6HxcNR5I5MibFkyKTMV0dGULJkbkEmMbMt0OmQbGhcBQzQAAhAAAABIgAAAAogAAoCCgAD0xgqZZENEsWSwZXTJYsdFCqRYTJIMr5iSDNcX3EUjW4TVtUUXbLPR30Wztry108zoIUXJqMtLKyvpe2jRx6Z1nA+IOrBRkm6kHrJ2tKL0V17Wjv4J73Olhy99HM+ZjaXNEmLo+qrL7N15X+bFoULQba5o1ZxSa5p3UvGxPJN2TilGN9Fr37+ZrnL20cp5nx0YlGld3exLOXqZest/C6/U0MThtM0dufmUJU3dLp+tvkNm1XcFfLuQxhqWMIvWQqh69vA0v4XJKM7WTV2/O3yC8iXZ/ZF32/4M/ttiMuGo0/anKb8IKy/8nwOIcjd7Y4tyrqHKlGy78zzN/FLyOdlI5tXo7PwsfHDP6FkyGchZyIpMx5bN8yMmyKTHTZFJmG6NEoGxoNiCGNSAAAqSAAAAIKIAAAABAAAoAAgAKSAAIAAOTJIsiQ5MvLK0iZMliyumSRY+KE0iwpHSdh6ieJyNpOUbxvzlHXKu9rN7jl4yJKVVxacW000007NNapprZmqcmjPmxK5cv7PVcVg5J6eO+mqat8WLSqKzjZp2SZmdlu0brU3CpaVaCu7/wA9NWWbvetn7/DosFjIreld8mvjdM3xldTvWzzOfC8dcK7DOGYR3tKN09V4J9B64QnN32W5coYuKl/qU3v9uDdkuTs1dGliKsHpTer1b5++24u8tqv2VmJc72cTxLCZa0oJdGn1OvVHPh6cIuObKlLxumlfy+BWq0U6ilKKvdWbV7Nf4Mzthxv6HhX6P/rVm4QezirevUS6LRLvaIz5uUz+B2DG7rh77HnvbGtfHVrNNRkoJrb1IqL+KZhSkNchkpGash6LHj4ypX0LKRHJhJkbZmux8yJJkbY5sjZnpj5QoAAssAAIAAAAAAKAAAgAAEgAABAAAASAAAAA5MaBKZA9MemRJjky6ZRomTHpkCY9MYqFuS1hcTKnNTpycZR1TXLlz3XcdNw7t5XpyTdOjJc1apFvvTztJ99vI5FMdcdORrsmIyYMd96Wz1Gn/wATqF3mw1RKytllCTe17ttW+PkSf8ycNKtTSo1YU7tSqScc0b7NQi3db318LnlVwuHNif4WL0dj257UTq4icKFX/QjlUfRuym8kXKTktXq2rXtoclUquTvJuT6ttu3iyO4hDvY7HimFpIc2MlIGxjZSqHJA2MbBsaxLoakDEACjZcQAAgAAAAkAAAABRAAgAAAJAAAAAAAAEFAAAAAAABUxADZA5McmRjkWTIaJVIXMRXFuW5lHJKmLchuLctzI4kjkJmI7iXI5k8R7kNbG3Aq6LKQbEACuywCABAAAAAAAABIAAAAAFhQIFAAIAAEAAFAAAAAQAAUQAAAAAAAFAAAUAAsQAAAEAIAASAABAAIAEEigIAAAoAAAAAAAAAAAAASQf//Z">
-            <a:hlinkClick r:id="rId2"/>
-          </p:cNvPr>
-          <p:cNvSpPr>
-            <a:spLocks noChangeAspect="1" noChangeArrowheads="1"/>
-          </p:cNvSpPr>
-          <p:nvPr/>
-        </p:nvSpPr>
-        <p:spPr bwMode="auto">
-          <a:xfrm>
-            <a:off x="152400" y="-1538288"/>
-            <a:ext cx="4714875" cy="3533776"/>
-          </a:xfrm>
-          <a:prstGeom prst="rect">
-            <a:avLst/>
-          </a:prstGeom>
-          <a:noFill/>
-          <a:extLst>
-            <a:ext uri="{909E8E84-426E-40dd-AFC4-6F175D3DCCD1}">
-              <a14:hiddenFill xmlns:a14="http://schemas.microsoft.com/office/drawing/2010/main" xmlns="">
-                <a:solidFill>
-                  <a:srgbClr val="FFFFFF"/>
-                </a:solidFill>
-              </a14:hiddenFill>
-            </a:ext>
-          </a:extLst>
-        </p:spPr>
-        <p:txBody>
-          <a:bodyPr vert="horz" wrap="square" lIns="91440" tIns="45720" rIns="91440" bIns="45720" numCol="1" anchor="t" anchorCtr="0" compatLnSpc="1">
-            <a:prstTxWarp prst="textNoShape">
-              <a:avLst/>
-            </a:prstTxWarp>
-          </a:bodyPr>
-          <a:lstStyle/>
-          <a:p>
-            <a:endParaRPr lang="en-US"/>
-          </a:p>
-        </p:txBody>
-      </p:sp>
-      <p:pic>
-        <p:nvPicPr>
-          <p:cNvPr id="1029" name="Picture 5"/>
-          <p:cNvPicPr>
-            <a:picLocks noChangeAspect="1" noChangeArrowheads="1"/>
-          </p:cNvPicPr>
-          <p:nvPr/>
-        </p:nvPicPr>
-        <p:blipFill>
-          <a:blip r:embed="rId3">
-            <a:extLst>
-              <a:ext uri="{28A0092B-C50C-407E-A947-70E740481C1C}">
-                <a14:useLocalDpi xmlns:a14="http://schemas.microsoft.com/office/drawing/2010/main" val="0"/>
-              </a:ext>
-            </a:extLst>
-          </a:blip>
-          <a:srcRect/>
-          <a:stretch>
-            <a:fillRect/>
-          </a:stretch>
-        </p:blipFill>
-        <p:spPr bwMode="auto">
-          <a:xfrm>
-            <a:off x="3581400" y="3600450"/>
-            <a:ext cx="4343400" cy="3257550"/>
-          </a:xfrm>
-          <a:prstGeom prst="rect">
-            <a:avLst/>
-          </a:prstGeom>
-          <a:noFill/>
-          <a:ln>
-            <a:noFill/>
-          </a:ln>
-          <a:extLst>
-            <a:ext uri="{909E8E84-426E-40dd-AFC4-6F175D3DCCD1}">
-              <a14:hiddenFill xmlns:a14="http://schemas.microsoft.com/office/drawing/2010/main" xmlns="">
-                <a:solidFill>
-                  <a:schemeClr val="accent1"/>
-                </a:solidFill>
-              </a14:hiddenFill>
-            </a:ext>
-            <a:ext uri="{91240B29-F687-4f45-9708-019B960494DF}">
-              <a14:hiddenLine xmlns:a14="http://schemas.microsoft.com/office/drawing/2010/main" xmlns="" w="9525">
-                <a:solidFill>
-                  <a:schemeClr val="tx1"/>
-                </a:solidFill>
-                <a:miter lim="800000"/>
-                <a:headEnd/>
-                <a:tailEnd/>
-              </a14:hiddenLine>
-            </a:ext>
-          </a:extLst>
-        </p:spPr>
-      </p:pic>
-      <p:sp>
-        <p:nvSpPr>
-          <p:cNvPr id="6" name="Right Arrow 5"/>
-          <p:cNvSpPr/>
-          <p:nvPr/>
-        </p:nvSpPr>
-        <p:spPr>
-          <a:xfrm>
-            <a:off x="202816" y="3657600"/>
-            <a:ext cx="4064384" cy="990600"/>
-          </a:xfrm>
-          <a:prstGeom prst="rightArrow">
-            <a:avLst/>
-          </a:prstGeom>
-        </p:spPr>
-        <p:style>
-          <a:lnRef idx="2">
-            <a:schemeClr val="accent1">
-              <a:shade val="50000"/>
-            </a:schemeClr>
-          </a:lnRef>
-          <a:fillRef idx="1">
-            <a:schemeClr val="accent1"/>
-          </a:fillRef>
-          <a:effectRef idx="0">
-            <a:schemeClr val="accent1"/>
-          </a:effectRef>
-          <a:fontRef idx="minor">
-            <a:schemeClr val="lt1"/>
-          </a:fontRef>
-        </p:style>
-        <p:txBody>
-          <a:bodyPr rtlCol="0" anchor="ctr"/>
-          <a:lstStyle/>
-          <a:p>
-            <a:pPr algn="ctr"/>
-            <a:r>
               <a:rPr lang="en-US"/>
               <a:t>Using </a:t>
             </a:r>
@@ -4872,14 +4989,14 @@
           </a:ln>
           <a:extLst>
             <a:ext uri="{909E8E84-426E-40dd-AFC4-6F175D3DCCD1}">
-              <a14:hiddenFill xmlns:a14="http://schemas.microsoft.com/office/drawing/2010/main" xmlns="">
+              <a14:hiddenFill xmlns="" xmlns:a14="http://schemas.microsoft.com/office/drawing/2010/main">
                 <a:solidFill>
                   <a:schemeClr val="accent1"/>
                 </a:solidFill>
               </a14:hiddenFill>
             </a:ext>
             <a:ext uri="{91240B29-F687-4f45-9708-019B960494DF}">
-              <a14:hiddenLine xmlns:a14="http://schemas.microsoft.com/office/drawing/2010/main" xmlns="" w="9525">
+              <a14:hiddenLine xmlns="" xmlns:a14="http://schemas.microsoft.com/office/drawing/2010/main" w="9525">
                 <a:solidFill>
                   <a:schemeClr val="tx1"/>
                 </a:solidFill>
@@ -5167,16 +5284,16 @@
           </a:p>
           <a:p>
             <a:r>
-              <a:rPr lang="en-US" dirty="0"/>
-              <a:t>We will go over the solution at the start of next class!</a:t>
-            </a:r>
-          </a:p>
-          <a:p>
+              <a:rPr lang="en-US">
+                <a:hlinkClick r:id="rId2"/>
+              </a:rPr>
+              <a:t>https</a:t>
+            </a:r>
             <a:r>
               <a:rPr lang="en-US" dirty="0">
                 <a:hlinkClick r:id="rId2"/>
               </a:rPr>
-              <a:t>https://github.com/RHIT-CSSE/csse220/blob/master/Homework/DesignProblems/DP2/DP2.md</a:t>
+              <a:t>://github.com/RHIT-CSSE/csse220/blob/master/Homework/DesignProblems/DP2/DP2.md</a:t>
             </a:r>
             <a:endParaRPr lang="en-US" dirty="0"/>
           </a:p>
@@ -5255,10 +5372,10 @@
       </p:sp>
       <p:pic>
         <p:nvPicPr>
-          <p:cNvPr id="4" name="Picture 3">
+          <p:cNvPr id="3" name="Picture 2">
             <a:extLst>
               <a:ext uri="{FF2B5EF4-FFF2-40B4-BE49-F238E27FC236}">
-                <a16:creationId xmlns:a16="http://schemas.microsoft.com/office/drawing/2014/main" id="{501D75BA-BD31-C4CB-61F3-6C883F8847CC}"/>
+                <a16:creationId xmlns:a16="http://schemas.microsoft.com/office/drawing/2014/main" id="{76ED150A-CAB2-0E58-6AC4-5EABDFB50DD3}"/>
               </a:ext>
             </a:extLst>
           </p:cNvPr>
@@ -5275,18 +5392,304 @@
         </p:blipFill>
         <p:spPr>
           <a:xfrm>
-            <a:off x="0" y="3346650"/>
-            <a:ext cx="9144000" cy="2887579"/>
+            <a:off x="54549" y="4570880"/>
+            <a:ext cx="9034902" cy="1983439"/>
           </a:xfrm>
           <a:prstGeom prst="rect">
             <a:avLst/>
           </a:prstGeom>
         </p:spPr>
       </p:pic>
+      <mc:AlternateContent xmlns:mc="http://schemas.openxmlformats.org/markup-compatibility/2006" xmlns:p14="http://schemas.microsoft.com/office/powerpoint/2010/main">
+        <mc:Choice Requires="p14">
+          <p:contentPart p14:bwMode="auto" r:id="rId4">
+            <p14:nvContentPartPr>
+              <p14:cNvPr id="5" name="Ink 4">
+                <a:extLst>
+                  <a:ext uri="{FF2B5EF4-FFF2-40B4-BE49-F238E27FC236}">
+                    <a16:creationId xmlns:a16="http://schemas.microsoft.com/office/drawing/2014/main" id="{9F9C5F4C-ED64-0C26-8671-524997997232}"/>
+                  </a:ext>
+                </a:extLst>
+              </p14:cNvPr>
+              <p14:cNvContentPartPr/>
+              <p14:nvPr/>
+            </p14:nvContentPartPr>
+            <p14:xfrm>
+              <a:off x="6146199" y="6124661"/>
+              <a:ext cx="2643840" cy="50400"/>
+            </p14:xfrm>
+          </p:contentPart>
+        </mc:Choice>
+        <mc:Fallback xmlns="">
+          <p:pic>
+            <p:nvPicPr>
+              <p:cNvPr id="5" name="Ink 4">
+                <a:extLst>
+                  <a:ext uri="{FF2B5EF4-FFF2-40B4-BE49-F238E27FC236}">
+                    <a16:creationId xmlns:a16="http://schemas.microsoft.com/office/drawing/2014/main" id="{9F9C5F4C-ED64-0C26-8671-524997997232}"/>
+                  </a:ext>
+                </a:extLst>
+              </p:cNvPr>
+              <p:cNvPicPr/>
+              <p:nvPr/>
+            </p:nvPicPr>
+            <p:blipFill>
+              <a:blip r:embed="rId5"/>
+              <a:stretch>
+                <a:fillRect/>
+              </a:stretch>
+            </p:blipFill>
+            <p:spPr>
+              <a:xfrm>
+                <a:off x="6092206" y="6017427"/>
+                <a:ext cx="2751465" cy="264511"/>
+              </a:xfrm>
+              <a:prstGeom prst="rect">
+                <a:avLst/>
+              </a:prstGeom>
+            </p:spPr>
+          </p:pic>
+        </mc:Fallback>
+      </mc:AlternateContent>
+      <mc:AlternateContent xmlns:mc="http://schemas.openxmlformats.org/markup-compatibility/2006" xmlns:p14="http://schemas.microsoft.com/office/powerpoint/2010/main">
+        <mc:Choice Requires="p14">
+          <p:contentPart p14:bwMode="auto" r:id="rId6">
+            <p14:nvContentPartPr>
+              <p14:cNvPr id="6" name="Ink 5">
+                <a:extLst>
+                  <a:ext uri="{FF2B5EF4-FFF2-40B4-BE49-F238E27FC236}">
+                    <a16:creationId xmlns:a16="http://schemas.microsoft.com/office/drawing/2014/main" id="{FAB2E820-0955-C5AC-C0A1-82F5575AAC2B}"/>
+                  </a:ext>
+                </a:extLst>
+              </p14:cNvPr>
+              <p14:cNvContentPartPr/>
+              <p14:nvPr/>
+            </p14:nvContentPartPr>
+            <p14:xfrm>
+              <a:off x="1918359" y="6056981"/>
+              <a:ext cx="707040" cy="48960"/>
+            </p14:xfrm>
+          </p:contentPart>
+        </mc:Choice>
+        <mc:Fallback xmlns="">
+          <p:pic>
+            <p:nvPicPr>
+              <p:cNvPr id="6" name="Ink 5">
+                <a:extLst>
+                  <a:ext uri="{FF2B5EF4-FFF2-40B4-BE49-F238E27FC236}">
+                    <a16:creationId xmlns:a16="http://schemas.microsoft.com/office/drawing/2014/main" id="{FAB2E820-0955-C5AC-C0A1-82F5575AAC2B}"/>
+                  </a:ext>
+                </a:extLst>
+              </p:cNvPr>
+              <p:cNvPicPr/>
+              <p:nvPr/>
+            </p:nvPicPr>
+            <p:blipFill>
+              <a:blip r:embed="rId7"/>
+              <a:stretch>
+                <a:fillRect/>
+              </a:stretch>
+            </p:blipFill>
+            <p:spPr>
+              <a:xfrm>
+                <a:off x="1864386" y="5948981"/>
+                <a:ext cx="814625" cy="264600"/>
+              </a:xfrm>
+              <a:prstGeom prst="rect">
+                <a:avLst/>
+              </a:prstGeom>
+            </p:spPr>
+          </p:pic>
+        </mc:Fallback>
+      </mc:AlternateContent>
+      <mc:AlternateContent xmlns:mc="http://schemas.openxmlformats.org/markup-compatibility/2006" xmlns:p14="http://schemas.microsoft.com/office/powerpoint/2010/main">
+        <mc:Choice Requires="p14">
+          <p:contentPart p14:bwMode="auto" r:id="rId8">
+            <p14:nvContentPartPr>
+              <p14:cNvPr id="7" name="Ink 6">
+                <a:extLst>
+                  <a:ext uri="{FF2B5EF4-FFF2-40B4-BE49-F238E27FC236}">
+                    <a16:creationId xmlns:a16="http://schemas.microsoft.com/office/drawing/2014/main" id="{EB03C174-5CAA-A402-08F3-D4D0FFE21B85}"/>
+                  </a:ext>
+                </a:extLst>
+              </p14:cNvPr>
+              <p14:cNvContentPartPr/>
+              <p14:nvPr/>
+            </p14:nvContentPartPr>
+            <p14:xfrm>
+              <a:off x="599679" y="6203141"/>
+              <a:ext cx="2416680" cy="159120"/>
+            </p14:xfrm>
+          </p:contentPart>
+        </mc:Choice>
+        <mc:Fallback xmlns="">
+          <p:pic>
+            <p:nvPicPr>
+              <p:cNvPr id="7" name="Ink 6">
+                <a:extLst>
+                  <a:ext uri="{FF2B5EF4-FFF2-40B4-BE49-F238E27FC236}">
+                    <a16:creationId xmlns:a16="http://schemas.microsoft.com/office/drawing/2014/main" id="{EB03C174-5CAA-A402-08F3-D4D0FFE21B85}"/>
+                  </a:ext>
+                </a:extLst>
+              </p:cNvPr>
+              <p:cNvPicPr/>
+              <p:nvPr/>
+            </p:nvPicPr>
+            <p:blipFill>
+              <a:blip r:embed="rId9"/>
+              <a:stretch>
+                <a:fillRect/>
+              </a:stretch>
+            </p:blipFill>
+            <p:spPr>
+              <a:xfrm>
+                <a:off x="545679" y="6095141"/>
+                <a:ext cx="2524320" cy="374760"/>
+              </a:xfrm>
+              <a:prstGeom prst="rect">
+                <a:avLst/>
+              </a:prstGeom>
+            </p:spPr>
+          </p:pic>
+        </mc:Fallback>
+      </mc:AlternateContent>
     </p:spTree>
     <p:extLst>
       <p:ext uri="{BB962C8B-B14F-4D97-AF65-F5344CB8AC3E}">
         <p14:creationId xmlns:p14="http://schemas.microsoft.com/office/powerpoint/2010/main" val="1951706440"/>
+      </p:ext>
+    </p:extLst>
+  </p:cSld>
+  <p:clrMapOvr>
+    <a:masterClrMapping/>
+  </p:clrMapOvr>
+</p:sld>
+</file>
+
+<file path=ppt/slides/slide7.xml><?xml version="1.0" encoding="utf-8"?>
+<p:sld xmlns:a="http://schemas.openxmlformats.org/drawingml/2006/main" xmlns:r="http://schemas.openxmlformats.org/officeDocument/2006/relationships" xmlns:p="http://schemas.openxmlformats.org/presentationml/2006/main">
+  <p:cSld>
+    <p:spTree>
+      <p:nvGrpSpPr>
+        <p:cNvPr id="1" name=""/>
+        <p:cNvGrpSpPr/>
+        <p:nvPr/>
+      </p:nvGrpSpPr>
+      <p:grpSpPr>
+        <a:xfrm>
+          <a:off x="0" y="0"/>
+          <a:ext cx="0" cy="0"/>
+          <a:chOff x="0" y="0"/>
+          <a:chExt cx="0" cy="0"/>
+        </a:xfrm>
+      </p:grpSpPr>
+      <p:sp>
+        <p:nvSpPr>
+          <p:cNvPr id="2" name="Title 1">
+            <a:extLst>
+              <a:ext uri="{FF2B5EF4-FFF2-40B4-BE49-F238E27FC236}">
+                <a16:creationId xmlns:a16="http://schemas.microsoft.com/office/drawing/2014/main" id="{11CDB7FB-9CF5-CB52-26F4-273D4CCA8E73}"/>
+              </a:ext>
+            </a:extLst>
+          </p:cNvPr>
+          <p:cNvSpPr>
+            <a:spLocks noGrp="1"/>
+          </p:cNvSpPr>
+          <p:nvPr>
+            <p:ph type="title"/>
+          </p:nvPr>
+        </p:nvSpPr>
+        <p:spPr/>
+        <p:txBody>
+          <a:bodyPr/>
+          <a:lstStyle/>
+          <a:p>
+            <a:r>
+              <a:rPr lang="en-US" dirty="0" err="1"/>
+              <a:t>HWVaporSalesManager</a:t>
+            </a:r>
+            <a:endParaRPr lang="en-US" dirty="0"/>
+          </a:p>
+        </p:txBody>
+      </p:sp>
+      <p:sp>
+        <p:nvSpPr>
+          <p:cNvPr id="3" name="Content Placeholder 2">
+            <a:extLst>
+              <a:ext uri="{FF2B5EF4-FFF2-40B4-BE49-F238E27FC236}">
+                <a16:creationId xmlns:a16="http://schemas.microsoft.com/office/drawing/2014/main" id="{77170E1C-AA8D-A9B0-FEFF-971EFD5BC00D}"/>
+              </a:ext>
+            </a:extLst>
+          </p:cNvPr>
+          <p:cNvSpPr>
+            <a:spLocks noGrp="1"/>
+          </p:cNvSpPr>
+          <p:nvPr>
+            <p:ph idx="1"/>
+          </p:nvPr>
+        </p:nvSpPr>
+        <p:spPr/>
+        <p:txBody>
+          <a:bodyPr/>
+          <a:lstStyle/>
+          <a:p>
+            <a:r>
+              <a:rPr lang="en-US" dirty="0"/>
+              <a:t>New HW this quarter!</a:t>
+            </a:r>
+          </a:p>
+          <a:p>
+            <a:r>
+              <a:rPr lang="en-US" dirty="0"/>
+              <a:t>Design Problem due </a:t>
+            </a:r>
+            <a:r>
+              <a:rPr lang="en-US" b="1" u="sng" dirty="0">
+                <a:highlight>
+                  <a:srgbClr val="FFFF00"/>
+                </a:highlight>
+              </a:rPr>
+              <a:t>Friday night</a:t>
+            </a:r>
+          </a:p>
+          <a:p>
+            <a:pPr lvl="1"/>
+            <a:r>
+              <a:rPr lang="en-US" b="1" u="sng" dirty="0">
+                <a:highlight>
+                  <a:srgbClr val="FFFF00"/>
+                </a:highlight>
+              </a:rPr>
+              <a:t>No extensions possible:</a:t>
+            </a:r>
+          </a:p>
+          <a:p>
+            <a:r>
+              <a:rPr lang="en-US" dirty="0"/>
+              <a:t>Solution shared via Piazza Sat. Morning</a:t>
+            </a:r>
+          </a:p>
+          <a:p>
+            <a:r>
+              <a:rPr lang="en-US" dirty="0"/>
+              <a:t>You have a homework to implement the solution to this design problem</a:t>
+            </a:r>
+          </a:p>
+          <a:p>
+            <a:r>
+              <a:rPr lang="en-US" b="1" i="1" dirty="0"/>
+              <a:t>Ask for help if you have trouble importing the project into Eclipse!</a:t>
+            </a:r>
+          </a:p>
+          <a:p>
+            <a:endParaRPr lang="en-US" dirty="0"/>
+          </a:p>
+        </p:txBody>
+      </p:sp>
+    </p:spTree>
+    <p:extLst>
+      <p:ext uri="{BB962C8B-B14F-4D97-AF65-F5344CB8AC3E}">
+        <p14:creationId xmlns:p14="http://schemas.microsoft.com/office/powerpoint/2010/main" val="2338153107"/>
       </p:ext>
     </p:extLst>
   </p:cSld>
@@ -6128,15 +6531,6 @@
 </file>
 
 <file path=customXml/item1.xml><?xml version="1.0" encoding="utf-8"?>
-<?mso-contentType ?>
-<FormTemplates xmlns="http://schemas.microsoft.com/sharepoint/v3/contenttype/forms">
-  <Display>DocumentLibraryForm</Display>
-  <Edit>DocumentLibraryForm</Edit>
-  <New>DocumentLibraryForm</New>
-</FormTemplates>
-</file>
-
-<file path=customXml/item2.xml><?xml version="1.0" encoding="utf-8"?>
 <ct:contentTypeSchema xmlns:ct="http://schemas.microsoft.com/office/2006/metadata/contentType" xmlns:ma="http://schemas.microsoft.com/office/2006/metadata/properties/metaAttributes" ct:_="" ma:_="" ma:contentTypeName="Document" ma:contentTypeID="0x0101001570BCAAD2E4294F9443DCB038A55380" ma:contentTypeVersion="8" ma:contentTypeDescription="Create a new document." ma:contentTypeScope="" ma:versionID="9523c79d6bab9e2ad858b5223ec5ed94">
   <xsd:schema xmlns:xsd="http://www.w3.org/2001/XMLSchema" xmlns:xs="http://www.w3.org/2001/XMLSchema" xmlns:p="http://schemas.microsoft.com/office/2006/metadata/properties" xmlns:ns2="201674f6-2bdd-4f13-ba1e-424e4aa70473" targetNamespace="http://schemas.microsoft.com/office/2006/metadata/properties" ma:root="true" ma:fieldsID="587afc94f70b507ec5be5f4d78229b0b" ns2:_="">
     <xsd:import namespace="201674f6-2bdd-4f13-ba1e-424e4aa70473"/>
@@ -6306,6 +6700,15 @@
 </ct:contentTypeSchema>
 </file>
 
+<file path=customXml/item2.xml><?xml version="1.0" encoding="utf-8"?>
+<?mso-contentType ?>
+<FormTemplates xmlns="http://schemas.microsoft.com/sharepoint/v3/contenttype/forms">
+  <Display>DocumentLibraryForm</Display>
+  <Edit>DocumentLibraryForm</Edit>
+  <New>DocumentLibraryForm</New>
+</FormTemplates>
+</file>
+
 <file path=customXml/item3.xml><?xml version="1.0" encoding="utf-8"?>
 <p:properties xmlns:p="http://schemas.microsoft.com/office/2006/metadata/properties" xmlns:xsi="http://www.w3.org/2001/XMLSchema-instance" xmlns:pc="http://schemas.microsoft.com/office/infopath/2007/PartnerControls">
   <documentManagement/>
@@ -6313,14 +6716,6 @@
 </file>
 
 <file path=customXml/itemProps1.xml><?xml version="1.0" encoding="utf-8"?>
-<ds:datastoreItem xmlns:ds="http://schemas.openxmlformats.org/officeDocument/2006/customXml" ds:itemID="{B83796DB-86E9-4D44-9BCB-A762264A5AFE}">
-  <ds:schemaRefs>
-    <ds:schemaRef ds:uri="http://schemas.microsoft.com/sharepoint/v3/contenttype/forms"/>
-  </ds:schemaRefs>
-</ds:datastoreItem>
-</file>
-
-<file path=customXml/itemProps2.xml><?xml version="1.0" encoding="utf-8"?>
 <ds:datastoreItem xmlns:ds="http://schemas.openxmlformats.org/officeDocument/2006/customXml" ds:itemID="{4055B637-E92D-4086-B83D-87288CBA5498}">
   <ds:schemaRefs>
     <ds:schemaRef ds:uri="http://schemas.microsoft.com/office/2006/metadata/contentType"/>
@@ -6338,6 +6733,14 @@
 </ds:datastoreItem>
 </file>
 
+<file path=customXml/itemProps2.xml><?xml version="1.0" encoding="utf-8"?>
+<ds:datastoreItem xmlns:ds="http://schemas.openxmlformats.org/officeDocument/2006/customXml" ds:itemID="{B83796DB-86E9-4D44-9BCB-A762264A5AFE}">
+  <ds:schemaRefs>
+    <ds:schemaRef ds:uri="http://schemas.microsoft.com/sharepoint/v3/contenttype/forms"/>
+  </ds:schemaRefs>
+</ds:datastoreItem>
+</file>
+
 <file path=customXml/itemProps3.xml><?xml version="1.0" encoding="utf-8"?>
 <ds:datastoreItem xmlns:ds="http://schemas.openxmlformats.org/officeDocument/2006/customXml" ds:itemID="{A396EFD4-1250-457A-AB4B-16A5266B50A5}">
   <ds:schemaRefs>

--- a/ClassMaterials/Encapsulation/Slides/Part6-Encapsulation.pptx
+++ b/ClassMaterials/Encapsulation/Slides/Part6-Encapsulation.pptx
@@ -5,10 +5,10 @@
     <p:sldMasterId id="2147483648" r:id="rId4"/>
   </p:sldMasterIdLst>
   <p:notesMasterIdLst>
-    <p:notesMasterId r:id="rId12"/>
+    <p:notesMasterId r:id="rId11"/>
   </p:notesMasterIdLst>
   <p:handoutMasterIdLst>
-    <p:handoutMasterId r:id="rId13"/>
+    <p:handoutMasterId r:id="rId12"/>
   </p:handoutMasterIdLst>
   <p:sldIdLst>
     <p:sldId id="432" r:id="rId5"/>
@@ -17,7 +17,6 @@
     <p:sldId id="434" r:id="rId8"/>
     <p:sldId id="436" r:id="rId9"/>
     <p:sldId id="438" r:id="rId10"/>
-    <p:sldId id="439" r:id="rId11"/>
   </p:sldIdLst>
   <p:sldSz cx="9144000" cy="6858000" type="screen4x3"/>
   <p:notesSz cx="6858000" cy="9144000"/>
@@ -142,35 +141,6 @@
 </p:cmAuthorLst>
 </file>
 
-<file path=ppt/changesInfos/changesInfo1.xml><?xml version="1.0" encoding="utf-8"?>
-<pc:chgInfo xmlns:a="http://schemas.openxmlformats.org/drawingml/2006/main" xmlns:r="http://schemas.openxmlformats.org/officeDocument/2006/relationships" xmlns:ac="http://schemas.microsoft.com/office/drawing/2013/main/command" xmlns:pc="http://schemas.microsoft.com/office/powerpoint/2013/main/command">
-  <pc:docChgLst>
-    <pc:chgData name="Yoder, Jason" userId="28f4d4d8-da04-4f86-b14d-a21675737bc5" providerId="ADAL" clId="{8A42E1DD-B932-40AC-8B90-9AAC1262A9F4}"/>
-    <pc:docChg chg="modSld">
-      <pc:chgData name="Yoder, Jason" userId="28f4d4d8-da04-4f86-b14d-a21675737bc5" providerId="ADAL" clId="{8A42E1DD-B932-40AC-8B90-9AAC1262A9F4}" dt="2023-09-14T14:02:15.644" v="0" actId="6549"/>
-      <pc:docMkLst>
-        <pc:docMk/>
-      </pc:docMkLst>
-      <pc:sldChg chg="modSp mod">
-        <pc:chgData name="Yoder, Jason" userId="28f4d4d8-da04-4f86-b14d-a21675737bc5" providerId="ADAL" clId="{8A42E1DD-B932-40AC-8B90-9AAC1262A9F4}" dt="2023-09-14T14:02:15.644" v="0" actId="6549"/>
-        <pc:sldMkLst>
-          <pc:docMk/>
-          <pc:sldMk cId="1417429111" sldId="436"/>
-        </pc:sldMkLst>
-        <pc:spChg chg="mod">
-          <ac:chgData name="Yoder, Jason" userId="28f4d4d8-da04-4f86-b14d-a21675737bc5" providerId="ADAL" clId="{8A42E1DD-B932-40AC-8B90-9AAC1262A9F4}" dt="2023-09-14T14:02:15.644" v="0" actId="6549"/>
-          <ac:spMkLst>
-            <pc:docMk/>
-            <pc:sldMk cId="1417429111" sldId="436"/>
-            <ac:spMk id="3" creationId="{F1A44BCB-7A3F-44FE-A0DE-8B6415CE1F61}"/>
-          </ac:spMkLst>
-        </pc:spChg>
-      </pc:sldChg>
-    </pc:docChg>
-  </pc:docChgLst>
-</pc:chgInfo>
-</file>
-
 <file path=ppt/handoutMasters/handoutMaster1.xml><?xml version="1.0" encoding="utf-8"?>
 <p:handoutMaster xmlns:a="http://schemas.openxmlformats.org/drawingml/2006/main" xmlns:r="http://schemas.openxmlformats.org/officeDocument/2006/relationships" xmlns:p="http://schemas.openxmlformats.org/presentationml/2006/main">
   <p:cSld>
@@ -253,7 +223,7 @@
           <a:p>
             <a:fld id="{4F942F4A-6994-3A49-9461-EE810FAF072D}" type="datetimeFigureOut">
               <a:rPr lang="en-US" smtClean="0"/>
-              <a:t>9/14/2023</a:t>
+              <a:t>9/12/2023</a:t>
             </a:fld>
             <a:endParaRPr lang="en-US"/>
           </a:p>
@@ -505,7 +475,7 @@
           <a:p>
             <a:fld id="{11374350-B736-4AC1-A1E7-19777DF1B0E1}" type="datetimeFigureOut">
               <a:rPr lang="en-US" smtClean="0"/>
-              <a:t>9/13/2023</a:t>
+              <a:t>9/12/2023</a:t>
             </a:fld>
             <a:endParaRPr lang="en-US"/>
           </a:p>
@@ -1125,7 +1095,7 @@
           <a:p>
             <a:fld id="{50A519B0-864F-436F-AD10-563B5AD2C023}" type="datetimeFigureOut">
               <a:rPr lang="en-US" smtClean="0"/>
-              <a:t>9/13/2023</a:t>
+              <a:t>9/12/2023</a:t>
             </a:fld>
             <a:endParaRPr lang="en-US"/>
           </a:p>
@@ -1293,7 +1263,7 @@
           <a:p>
             <a:fld id="{50A519B0-864F-436F-AD10-563B5AD2C023}" type="datetimeFigureOut">
               <a:rPr lang="en-US" smtClean="0"/>
-              <a:t>9/13/2023</a:t>
+              <a:t>9/12/2023</a:t>
             </a:fld>
             <a:endParaRPr lang="en-US"/>
           </a:p>
@@ -1471,7 +1441,7 @@
           <a:p>
             <a:fld id="{50A519B0-864F-436F-AD10-563B5AD2C023}" type="datetimeFigureOut">
               <a:rPr lang="en-US" smtClean="0"/>
-              <a:t>9/13/2023</a:t>
+              <a:t>9/12/2023</a:t>
             </a:fld>
             <a:endParaRPr lang="en-US"/>
           </a:p>
@@ -1639,7 +1609,7 @@
           <a:p>
             <a:fld id="{50A519B0-864F-436F-AD10-563B5AD2C023}" type="datetimeFigureOut">
               <a:rPr lang="en-US" smtClean="0"/>
-              <a:t>9/13/2023</a:t>
+              <a:t>9/12/2023</a:t>
             </a:fld>
             <a:endParaRPr lang="en-US"/>
           </a:p>
@@ -1884,7 +1854,7 @@
           <a:p>
             <a:fld id="{50A519B0-864F-436F-AD10-563B5AD2C023}" type="datetimeFigureOut">
               <a:rPr lang="en-US" smtClean="0"/>
-              <a:t>9/13/2023</a:t>
+              <a:t>9/12/2023</a:t>
             </a:fld>
             <a:endParaRPr lang="en-US"/>
           </a:p>
@@ -2169,7 +2139,7 @@
           <a:p>
             <a:fld id="{50A519B0-864F-436F-AD10-563B5AD2C023}" type="datetimeFigureOut">
               <a:rPr lang="en-US" smtClean="0"/>
-              <a:t>9/13/2023</a:t>
+              <a:t>9/12/2023</a:t>
             </a:fld>
             <a:endParaRPr lang="en-US"/>
           </a:p>
@@ -2588,7 +2558,7 @@
           <a:p>
             <a:fld id="{50A519B0-864F-436F-AD10-563B5AD2C023}" type="datetimeFigureOut">
               <a:rPr lang="en-US" smtClean="0"/>
-              <a:t>9/13/2023</a:t>
+              <a:t>9/12/2023</a:t>
             </a:fld>
             <a:endParaRPr lang="en-US"/>
           </a:p>
@@ -2705,7 +2675,7 @@
           <a:p>
             <a:fld id="{50A519B0-864F-436F-AD10-563B5AD2C023}" type="datetimeFigureOut">
               <a:rPr lang="en-US" smtClean="0"/>
-              <a:t>9/13/2023</a:t>
+              <a:t>9/12/2023</a:t>
             </a:fld>
             <a:endParaRPr lang="en-US"/>
           </a:p>
@@ -2800,7 +2770,7 @@
           <a:p>
             <a:fld id="{50A519B0-864F-436F-AD10-563B5AD2C023}" type="datetimeFigureOut">
               <a:rPr lang="en-US" smtClean="0"/>
-              <a:t>9/13/2023</a:t>
+              <a:t>9/12/2023</a:t>
             </a:fld>
             <a:endParaRPr lang="en-US"/>
           </a:p>
@@ -3075,7 +3045,7 @@
           <a:p>
             <a:fld id="{50A519B0-864F-436F-AD10-563B5AD2C023}" type="datetimeFigureOut">
               <a:rPr lang="en-US" smtClean="0"/>
-              <a:t>9/13/2023</a:t>
+              <a:t>9/12/2023</a:t>
             </a:fld>
             <a:endParaRPr lang="en-US"/>
           </a:p>
@@ -3327,7 +3297,7 @@
           <a:p>
             <a:fld id="{50A519B0-864F-436F-AD10-563B5AD2C023}" type="datetimeFigureOut">
               <a:rPr lang="en-US" smtClean="0"/>
-              <a:t>9/13/2023</a:t>
+              <a:t>9/12/2023</a:t>
             </a:fld>
             <a:endParaRPr lang="en-US"/>
           </a:p>
@@ -3538,7 +3508,7 @@
           <a:p>
             <a:fld id="{50A519B0-864F-436F-AD10-563B5AD2C023}" type="datetimeFigureOut">
               <a:rPr lang="en-US" smtClean="0"/>
-              <a:t>9/13/2023</a:t>
+              <a:t>9/12/2023</a:t>
             </a:fld>
             <a:endParaRPr lang="en-US"/>
           </a:p>
@@ -5284,16 +5254,16 @@
           </a:p>
           <a:p>
             <a:r>
-              <a:rPr lang="en-US">
-                <a:hlinkClick r:id="rId2"/>
-              </a:rPr>
-              <a:t>https</a:t>
-            </a:r>
+              <a:rPr lang="en-US" dirty="0"/>
+              <a:t>We will go over the solution at the start of next class!</a:t>
+            </a:r>
+          </a:p>
+          <a:p>
             <a:r>
               <a:rPr lang="en-US" dirty="0">
                 <a:hlinkClick r:id="rId2"/>
               </a:rPr>
-              <a:t>://github.com/RHIT-CSSE/csse220/blob/master/Homework/DesignProblems/DP2/DP2.md</a:t>
+              <a:t>https://github.com/RHIT-CSSE/csse220/blob/master/Homework/DesignProblems/DP2/DP2.md</a:t>
             </a:r>
             <a:endParaRPr lang="en-US" dirty="0"/>
           </a:p>
@@ -5400,8 +5370,8 @@
           </a:prstGeom>
         </p:spPr>
       </p:pic>
-      <mc:AlternateContent xmlns:mc="http://schemas.openxmlformats.org/markup-compatibility/2006" xmlns:p14="http://schemas.microsoft.com/office/powerpoint/2010/main">
-        <mc:Choice Requires="p14">
+      <mc:AlternateContent xmlns:mc="http://schemas.openxmlformats.org/markup-compatibility/2006">
+        <mc:Choice xmlns:p14="http://schemas.microsoft.com/office/powerpoint/2010/main" Requires="p14">
           <p:contentPart p14:bwMode="auto" r:id="rId4">
             <p14:nvContentPartPr>
               <p14:cNvPr id="5" name="Ink 4">
@@ -5420,7 +5390,7 @@
             </p14:xfrm>
           </p:contentPart>
         </mc:Choice>
-        <mc:Fallback xmlns="">
+        <mc:Fallback>
           <p:pic>
             <p:nvPicPr>
               <p:cNvPr id="5" name="Ink 4">
@@ -5451,8 +5421,8 @@
           </p:pic>
         </mc:Fallback>
       </mc:AlternateContent>
-      <mc:AlternateContent xmlns:mc="http://schemas.openxmlformats.org/markup-compatibility/2006" xmlns:p14="http://schemas.microsoft.com/office/powerpoint/2010/main">
-        <mc:Choice Requires="p14">
+      <mc:AlternateContent xmlns:mc="http://schemas.openxmlformats.org/markup-compatibility/2006">
+        <mc:Choice xmlns:p14="http://schemas.microsoft.com/office/powerpoint/2010/main" Requires="p14">
           <p:contentPart p14:bwMode="auto" r:id="rId6">
             <p14:nvContentPartPr>
               <p14:cNvPr id="6" name="Ink 5">
@@ -5471,7 +5441,7 @@
             </p14:xfrm>
           </p:contentPart>
         </mc:Choice>
-        <mc:Fallback xmlns="">
+        <mc:Fallback>
           <p:pic>
             <p:nvPicPr>
               <p:cNvPr id="6" name="Ink 5">
@@ -5502,8 +5472,8 @@
           </p:pic>
         </mc:Fallback>
       </mc:AlternateContent>
-      <mc:AlternateContent xmlns:mc="http://schemas.openxmlformats.org/markup-compatibility/2006" xmlns:p14="http://schemas.microsoft.com/office/powerpoint/2010/main">
-        <mc:Choice Requires="p14">
+      <mc:AlternateContent xmlns:mc="http://schemas.openxmlformats.org/markup-compatibility/2006">
+        <mc:Choice xmlns:p14="http://schemas.microsoft.com/office/powerpoint/2010/main" Requires="p14">
           <p:contentPart p14:bwMode="auto" r:id="rId8">
             <p14:nvContentPartPr>
               <p14:cNvPr id="7" name="Ink 6">
@@ -5522,7 +5492,7 @@
             </p14:xfrm>
           </p:contentPart>
         </mc:Choice>
-        <mc:Fallback xmlns="">
+        <mc:Fallback>
           <p:pic>
             <p:nvPicPr>
               <p:cNvPr id="7" name="Ink 6">
@@ -5557,139 +5527,6 @@
     <p:extLst>
       <p:ext uri="{BB962C8B-B14F-4D97-AF65-F5344CB8AC3E}">
         <p14:creationId xmlns:p14="http://schemas.microsoft.com/office/powerpoint/2010/main" val="1951706440"/>
-      </p:ext>
-    </p:extLst>
-  </p:cSld>
-  <p:clrMapOvr>
-    <a:masterClrMapping/>
-  </p:clrMapOvr>
-</p:sld>
-</file>
-
-<file path=ppt/slides/slide7.xml><?xml version="1.0" encoding="utf-8"?>
-<p:sld xmlns:a="http://schemas.openxmlformats.org/drawingml/2006/main" xmlns:r="http://schemas.openxmlformats.org/officeDocument/2006/relationships" xmlns:p="http://schemas.openxmlformats.org/presentationml/2006/main">
-  <p:cSld>
-    <p:spTree>
-      <p:nvGrpSpPr>
-        <p:cNvPr id="1" name=""/>
-        <p:cNvGrpSpPr/>
-        <p:nvPr/>
-      </p:nvGrpSpPr>
-      <p:grpSpPr>
-        <a:xfrm>
-          <a:off x="0" y="0"/>
-          <a:ext cx="0" cy="0"/>
-          <a:chOff x="0" y="0"/>
-          <a:chExt cx="0" cy="0"/>
-        </a:xfrm>
-      </p:grpSpPr>
-      <p:sp>
-        <p:nvSpPr>
-          <p:cNvPr id="2" name="Title 1">
-            <a:extLst>
-              <a:ext uri="{FF2B5EF4-FFF2-40B4-BE49-F238E27FC236}">
-                <a16:creationId xmlns:a16="http://schemas.microsoft.com/office/drawing/2014/main" id="{11CDB7FB-9CF5-CB52-26F4-273D4CCA8E73}"/>
-              </a:ext>
-            </a:extLst>
-          </p:cNvPr>
-          <p:cNvSpPr>
-            <a:spLocks noGrp="1"/>
-          </p:cNvSpPr>
-          <p:nvPr>
-            <p:ph type="title"/>
-          </p:nvPr>
-        </p:nvSpPr>
-        <p:spPr/>
-        <p:txBody>
-          <a:bodyPr/>
-          <a:lstStyle/>
-          <a:p>
-            <a:r>
-              <a:rPr lang="en-US" dirty="0" err="1"/>
-              <a:t>HWVaporSalesManager</a:t>
-            </a:r>
-            <a:endParaRPr lang="en-US" dirty="0"/>
-          </a:p>
-        </p:txBody>
-      </p:sp>
-      <p:sp>
-        <p:nvSpPr>
-          <p:cNvPr id="3" name="Content Placeholder 2">
-            <a:extLst>
-              <a:ext uri="{FF2B5EF4-FFF2-40B4-BE49-F238E27FC236}">
-                <a16:creationId xmlns:a16="http://schemas.microsoft.com/office/drawing/2014/main" id="{77170E1C-AA8D-A9B0-FEFF-971EFD5BC00D}"/>
-              </a:ext>
-            </a:extLst>
-          </p:cNvPr>
-          <p:cNvSpPr>
-            <a:spLocks noGrp="1"/>
-          </p:cNvSpPr>
-          <p:nvPr>
-            <p:ph idx="1"/>
-          </p:nvPr>
-        </p:nvSpPr>
-        <p:spPr/>
-        <p:txBody>
-          <a:bodyPr/>
-          <a:lstStyle/>
-          <a:p>
-            <a:r>
-              <a:rPr lang="en-US" dirty="0"/>
-              <a:t>New HW this quarter!</a:t>
-            </a:r>
-          </a:p>
-          <a:p>
-            <a:r>
-              <a:rPr lang="en-US" dirty="0"/>
-              <a:t>Design Problem due </a:t>
-            </a:r>
-            <a:r>
-              <a:rPr lang="en-US" b="1" u="sng" dirty="0">
-                <a:highlight>
-                  <a:srgbClr val="FFFF00"/>
-                </a:highlight>
-              </a:rPr>
-              <a:t>Friday night</a:t>
-            </a:r>
-          </a:p>
-          <a:p>
-            <a:pPr lvl="1"/>
-            <a:r>
-              <a:rPr lang="en-US" b="1" u="sng" dirty="0">
-                <a:highlight>
-                  <a:srgbClr val="FFFF00"/>
-                </a:highlight>
-              </a:rPr>
-              <a:t>No extensions possible:</a:t>
-            </a:r>
-          </a:p>
-          <a:p>
-            <a:r>
-              <a:rPr lang="en-US" dirty="0"/>
-              <a:t>Solution shared via Piazza Sat. Morning</a:t>
-            </a:r>
-          </a:p>
-          <a:p>
-            <a:r>
-              <a:rPr lang="en-US" dirty="0"/>
-              <a:t>You have a homework to implement the solution to this design problem</a:t>
-            </a:r>
-          </a:p>
-          <a:p>
-            <a:r>
-              <a:rPr lang="en-US" b="1" i="1" dirty="0"/>
-              <a:t>Ask for help if you have trouble importing the project into Eclipse!</a:t>
-            </a:r>
-          </a:p>
-          <a:p>
-            <a:endParaRPr lang="en-US" dirty="0"/>
-          </a:p>
-        </p:txBody>
-      </p:sp>
-    </p:spTree>
-    <p:extLst>
-      <p:ext uri="{BB962C8B-B14F-4D97-AF65-F5344CB8AC3E}">
-        <p14:creationId xmlns:p14="http://schemas.microsoft.com/office/powerpoint/2010/main" val="2338153107"/>
       </p:ext>
     </p:extLst>
   </p:cSld>
